--- a/java/TikaTextDetection/src/test/resources/data/test-tika-detection.pptx
+++ b/java/TikaTextDetection/src/test/resources/data/test-tika-detection.pptx
@@ -1,30 +1,130 @@
 
 <file path=ppt/presentation.xml><?xml version="1.0" encoding="utf-8"?>
-<p:presentation xmlns:a="http://schemas.openxmlformats.org/drawingml/2006/main" xmlns:p="http://schemas.openxmlformats.org/presentationml/2006/main" xmlns:r="http://schemas.openxmlformats.org/officeDocument/2006/relationships" xmlns:p14="http://schemas.microsoft.com/office/powerpoint/2010/main" xmlns:p15="http://schemas.microsoft.com/office/powerpoint/2012/main" xmlns:mc="http://schemas.openxmlformats.org/markup-compatibility/2006">
+<p:presentation xmlns:a="http://schemas.openxmlformats.org/drawingml/2006/main" xmlns:r="http://schemas.openxmlformats.org/officeDocument/2006/relationships" xmlns:p="http://schemas.openxmlformats.org/presentationml/2006/main">
   <p:sldMasterIdLst>
-    <p:sldMasterId id="2147483648" r:id="rId2"/>
-    <p:sldMasterId id="2147483661" r:id="rId3"/>
+    <p:sldMasterId id="2147483648" r:id="rId1"/>
+    <p:sldMasterId id="2147483661" r:id="rId2"/>
   </p:sldMasterIdLst>
   <p:sldIdLst>
-    <p:sldId id="256" r:id="rId4"/>
-    <p:sldId id="257" r:id="rId5"/>
-    <p:sldId id="258" r:id="rId6"/>
-    <p:sldId id="259" r:id="rId7"/>
-    <p:sldId id="260" r:id="rId8"/>
-    <p:sldId id="261" r:id="rId9"/>
-    <p:sldId id="262" r:id="rId10"/>
-    <p:sldId id="263" r:id="rId11"/>
-    <p:sldId id="264" r:id="rId12"/>
-    <p:sldId id="265" r:id="rId13"/>
-    <p:sldId id="266" r:id="rId14"/>
+    <p:sldId id="256" r:id="rId3"/>
+    <p:sldId id="257" r:id="rId4"/>
+    <p:sldId id="258" r:id="rId5"/>
+    <p:sldId id="259" r:id="rId6"/>
+    <p:sldId id="260" r:id="rId7"/>
+    <p:sldId id="261" r:id="rId8"/>
+    <p:sldId id="262" r:id="rId9"/>
+    <p:sldId id="263" r:id="rId10"/>
+    <p:sldId id="264" r:id="rId11"/>
+    <p:sldId id="265" r:id="rId12"/>
+    <p:sldId id="266" r:id="rId13"/>
   </p:sldIdLst>
   <p:sldSz cx="12192000" cy="6858000"/>
   <p:notesSz cx="7772400" cy="10058400"/>
+  <p:defaultTextStyle>
+    <a:defPPr>
+      <a:defRPr lang="en-US"/>
+    </a:defPPr>
+    <a:lvl1pPr marL="0" algn="l" defTabSz="914400" rtl="0" eaLnBrk="1" latinLnBrk="0" hangingPunct="1">
+      <a:defRPr sz="1800" kern="1200">
+        <a:solidFill>
+          <a:schemeClr val="tx1"/>
+        </a:solidFill>
+        <a:latin typeface="+mn-lt"/>
+        <a:ea typeface="+mn-ea"/>
+        <a:cs typeface="+mn-cs"/>
+      </a:defRPr>
+    </a:lvl1pPr>
+    <a:lvl2pPr marL="457200" algn="l" defTabSz="914400" rtl="0" eaLnBrk="1" latinLnBrk="0" hangingPunct="1">
+      <a:defRPr sz="1800" kern="1200">
+        <a:solidFill>
+          <a:schemeClr val="tx1"/>
+        </a:solidFill>
+        <a:latin typeface="+mn-lt"/>
+        <a:ea typeface="+mn-ea"/>
+        <a:cs typeface="+mn-cs"/>
+      </a:defRPr>
+    </a:lvl2pPr>
+    <a:lvl3pPr marL="914400" algn="l" defTabSz="914400" rtl="0" eaLnBrk="1" latinLnBrk="0" hangingPunct="1">
+      <a:defRPr sz="1800" kern="1200">
+        <a:solidFill>
+          <a:schemeClr val="tx1"/>
+        </a:solidFill>
+        <a:latin typeface="+mn-lt"/>
+        <a:ea typeface="+mn-ea"/>
+        <a:cs typeface="+mn-cs"/>
+      </a:defRPr>
+    </a:lvl3pPr>
+    <a:lvl4pPr marL="1371600" algn="l" defTabSz="914400" rtl="0" eaLnBrk="1" latinLnBrk="0" hangingPunct="1">
+      <a:defRPr sz="1800" kern="1200">
+        <a:solidFill>
+          <a:schemeClr val="tx1"/>
+        </a:solidFill>
+        <a:latin typeface="+mn-lt"/>
+        <a:ea typeface="+mn-ea"/>
+        <a:cs typeface="+mn-cs"/>
+      </a:defRPr>
+    </a:lvl4pPr>
+    <a:lvl5pPr marL="1828800" algn="l" defTabSz="914400" rtl="0" eaLnBrk="1" latinLnBrk="0" hangingPunct="1">
+      <a:defRPr sz="1800" kern="1200">
+        <a:solidFill>
+          <a:schemeClr val="tx1"/>
+        </a:solidFill>
+        <a:latin typeface="+mn-lt"/>
+        <a:ea typeface="+mn-ea"/>
+        <a:cs typeface="+mn-cs"/>
+      </a:defRPr>
+    </a:lvl5pPr>
+    <a:lvl6pPr marL="2286000" algn="l" defTabSz="914400" rtl="0" eaLnBrk="1" latinLnBrk="0" hangingPunct="1">
+      <a:defRPr sz="1800" kern="1200">
+        <a:solidFill>
+          <a:schemeClr val="tx1"/>
+        </a:solidFill>
+        <a:latin typeface="+mn-lt"/>
+        <a:ea typeface="+mn-ea"/>
+        <a:cs typeface="+mn-cs"/>
+      </a:defRPr>
+    </a:lvl6pPr>
+    <a:lvl7pPr marL="2743200" algn="l" defTabSz="914400" rtl="0" eaLnBrk="1" latinLnBrk="0" hangingPunct="1">
+      <a:defRPr sz="1800" kern="1200">
+        <a:solidFill>
+          <a:schemeClr val="tx1"/>
+        </a:solidFill>
+        <a:latin typeface="+mn-lt"/>
+        <a:ea typeface="+mn-ea"/>
+        <a:cs typeface="+mn-cs"/>
+      </a:defRPr>
+    </a:lvl7pPr>
+    <a:lvl8pPr marL="3200400" algn="l" defTabSz="914400" rtl="0" eaLnBrk="1" latinLnBrk="0" hangingPunct="1">
+      <a:defRPr sz="1800" kern="1200">
+        <a:solidFill>
+          <a:schemeClr val="tx1"/>
+        </a:solidFill>
+        <a:latin typeface="+mn-lt"/>
+        <a:ea typeface="+mn-ea"/>
+        <a:cs typeface="+mn-cs"/>
+      </a:defRPr>
+    </a:lvl8pPr>
+    <a:lvl9pPr marL="3657600" algn="l" defTabSz="914400" rtl="0" eaLnBrk="1" latinLnBrk="0" hangingPunct="1">
+      <a:defRPr sz="1800" kern="1200">
+        <a:solidFill>
+          <a:schemeClr val="tx1"/>
+        </a:solidFill>
+        <a:latin typeface="+mn-lt"/>
+        <a:ea typeface="+mn-ea"/>
+        <a:cs typeface="+mn-cs"/>
+      </a:defRPr>
+    </a:lvl9pPr>
+  </p:defaultTextStyle>
+  <p:extLst>
+    <p:ext uri="{EFAFB233-063F-42B5-8137-9DF3F51BA10A}">
+      <p15:sldGuideLst xmlns:p15="http://schemas.microsoft.com/office/powerpoint/2012/main"/>
+    </p:ext>
+  </p:extLst>
 </p:presentation>
 </file>
 
 <file path=ppt/slideLayouts/slideLayout1.xml><?xml version="1.0" encoding="utf-8"?>
-<p:sldLayout xmlns:a="http://schemas.openxmlformats.org/drawingml/2006/main" xmlns:p="http://schemas.openxmlformats.org/presentationml/2006/main" xmlns:r="http://schemas.openxmlformats.org/officeDocument/2006/relationships" xmlns:p14="http://schemas.microsoft.com/office/powerpoint/2010/main" xmlns:p15="http://schemas.microsoft.com/office/powerpoint/2012/main" xmlns:mc="http://schemas.openxmlformats.org/markup-compatibility/2006" type="blank" preserve="1">
+<p:sldLayout xmlns:a="http://schemas.openxmlformats.org/drawingml/2006/main" xmlns:r="http://schemas.openxmlformats.org/officeDocument/2006/relationships" xmlns:p="http://schemas.openxmlformats.org/presentationml/2006/main" type="blank" preserve="1">
   <p:cSld name="Blank Slide">
     <p:spTree>
       <p:nvGrpSpPr>
@@ -42,11 +142,14 @@
       </p:grpSpPr>
     </p:spTree>
   </p:cSld>
+  <p:clrMapOvr>
+    <a:masterClrMapping/>
+  </p:clrMapOvr>
 </p:sldLayout>
 </file>
 
 <file path=ppt/slideLayouts/slideLayout10.xml><?xml version="1.0" encoding="utf-8"?>
-<p:sldLayout xmlns:a="http://schemas.openxmlformats.org/drawingml/2006/main" xmlns:p="http://schemas.openxmlformats.org/presentationml/2006/main" xmlns:r="http://schemas.openxmlformats.org/officeDocument/2006/relationships" xmlns:p14="http://schemas.microsoft.com/office/powerpoint/2010/main" xmlns:p15="http://schemas.microsoft.com/office/powerpoint/2012/main" xmlns:mc="http://schemas.openxmlformats.org/markup-compatibility/2006" type="objOverTx" preserve="1">
+<p:sldLayout xmlns:a="http://schemas.openxmlformats.org/drawingml/2006/main" xmlns:r="http://schemas.openxmlformats.org/officeDocument/2006/relationships" xmlns:p="http://schemas.openxmlformats.org/presentationml/2006/main" type="objOverTx" preserve="1">
   <p:cSld name="Title, Content over Content">
     <p:spTree>
       <p:nvGrpSpPr>
@@ -82,16 +185,17 @@
           </a:prstGeom>
         </p:spPr>
         <p:txBody>
-          <a:bodyPr lIns="0" rIns="0" tIns="0" bIns="0" anchor="ctr"/>
+          <a:bodyPr lIns="0" tIns="0" rIns="0" bIns="0" anchor="ctr"/>
+          <a:lstStyle/>
           <a:p>
             <a:pPr algn="ctr"/>
-            <a:endParaRPr b="0" lang="en-US" sz="4400" spc="-1" strike="noStrike">
-              <a:solidFill>
-                <a:srgbClr val="000000"/>
-              </a:solidFill>
-              <a:uFill>
-                <a:solidFill>
-                  <a:srgbClr val="ffffff"/>
+            <a:endParaRPr lang="en-US" sz="4400" b="0" strike="noStrike" spc="-1">
+              <a:solidFill>
+                <a:srgbClr val="000000"/>
+              </a:solidFill>
+              <a:uFill>
+                <a:solidFill>
+                  <a:srgbClr val="FFFFFF"/>
                 </a:solidFill>
               </a:uFill>
               <a:latin typeface="Arial"/>
@@ -119,17 +223,18 @@
           </a:prstGeom>
         </p:spPr>
         <p:txBody>
-          <a:bodyPr lIns="0" rIns="0" tIns="0" bIns="0">
+          <a:bodyPr lIns="0" tIns="0" rIns="0" bIns="0">
             <a:normAutofit/>
           </a:bodyPr>
-          <a:p>
-            <a:endParaRPr b="0" lang="en-US" sz="3200" spc="-1" strike="noStrike">
-              <a:solidFill>
-                <a:srgbClr val="000000"/>
-              </a:solidFill>
-              <a:uFill>
-                <a:solidFill>
-                  <a:srgbClr val="ffffff"/>
+          <a:lstStyle/>
+          <a:p>
+            <a:endParaRPr lang="en-US" sz="3200" b="0" strike="noStrike" spc="-1">
+              <a:solidFill>
+                <a:srgbClr val="000000"/>
+              </a:solidFill>
+              <a:uFill>
+                <a:solidFill>
+                  <a:srgbClr val="FFFFFF"/>
                 </a:solidFill>
               </a:uFill>
               <a:latin typeface="Arial"/>
@@ -157,17 +262,18 @@
           </a:prstGeom>
         </p:spPr>
         <p:txBody>
-          <a:bodyPr lIns="0" rIns="0" tIns="0" bIns="0">
+          <a:bodyPr lIns="0" tIns="0" rIns="0" bIns="0">
             <a:normAutofit/>
           </a:bodyPr>
-          <a:p>
-            <a:endParaRPr b="0" lang="en-US" sz="3200" spc="-1" strike="noStrike">
-              <a:solidFill>
-                <a:srgbClr val="000000"/>
-              </a:solidFill>
-              <a:uFill>
-                <a:solidFill>
-                  <a:srgbClr val="ffffff"/>
+          <a:lstStyle/>
+          <a:p>
+            <a:endParaRPr lang="en-US" sz="3200" b="0" strike="noStrike" spc="-1">
+              <a:solidFill>
+                <a:srgbClr val="000000"/>
+              </a:solidFill>
+              <a:uFill>
+                <a:solidFill>
+                  <a:srgbClr val="FFFFFF"/>
                 </a:solidFill>
               </a:uFill>
               <a:latin typeface="Arial"/>
@@ -177,11 +283,14 @@
       </p:sp>
     </p:spTree>
   </p:cSld>
+  <p:clrMapOvr>
+    <a:masterClrMapping/>
+  </p:clrMapOvr>
 </p:sldLayout>
 </file>
 
 <file path=ppt/slideLayouts/slideLayout11.xml><?xml version="1.0" encoding="utf-8"?>
-<p:sldLayout xmlns:a="http://schemas.openxmlformats.org/drawingml/2006/main" xmlns:p="http://schemas.openxmlformats.org/presentationml/2006/main" xmlns:r="http://schemas.openxmlformats.org/officeDocument/2006/relationships" xmlns:p14="http://schemas.microsoft.com/office/powerpoint/2010/main" xmlns:p15="http://schemas.microsoft.com/office/powerpoint/2012/main" xmlns:mc="http://schemas.openxmlformats.org/markup-compatibility/2006" type="fourObj" preserve="1">
+<p:sldLayout xmlns:a="http://schemas.openxmlformats.org/drawingml/2006/main" xmlns:r="http://schemas.openxmlformats.org/officeDocument/2006/relationships" xmlns:p="http://schemas.openxmlformats.org/presentationml/2006/main" type="fourObj" preserve="1">
   <p:cSld name="Title, 4 Content">
     <p:spTree>
       <p:nvGrpSpPr>
@@ -217,16 +326,17 @@
           </a:prstGeom>
         </p:spPr>
         <p:txBody>
-          <a:bodyPr lIns="0" rIns="0" tIns="0" bIns="0" anchor="ctr"/>
+          <a:bodyPr lIns="0" tIns="0" rIns="0" bIns="0" anchor="ctr"/>
+          <a:lstStyle/>
           <a:p>
             <a:pPr algn="ctr"/>
-            <a:endParaRPr b="0" lang="en-US" sz="4400" spc="-1" strike="noStrike">
-              <a:solidFill>
-                <a:srgbClr val="000000"/>
-              </a:solidFill>
-              <a:uFill>
-                <a:solidFill>
-                  <a:srgbClr val="ffffff"/>
+            <a:endParaRPr lang="en-US" sz="4400" b="0" strike="noStrike" spc="-1">
+              <a:solidFill>
+                <a:srgbClr val="000000"/>
+              </a:solidFill>
+              <a:uFill>
+                <a:solidFill>
+                  <a:srgbClr val="FFFFFF"/>
                 </a:solidFill>
               </a:uFill>
               <a:latin typeface="Arial"/>
@@ -254,17 +364,18 @@
           </a:prstGeom>
         </p:spPr>
         <p:txBody>
-          <a:bodyPr lIns="0" rIns="0" tIns="0" bIns="0">
+          <a:bodyPr lIns="0" tIns="0" rIns="0" bIns="0">
             <a:normAutofit/>
           </a:bodyPr>
-          <a:p>
-            <a:endParaRPr b="0" lang="en-US" sz="3200" spc="-1" strike="noStrike">
-              <a:solidFill>
-                <a:srgbClr val="000000"/>
-              </a:solidFill>
-              <a:uFill>
-                <a:solidFill>
-                  <a:srgbClr val="ffffff"/>
+          <a:lstStyle/>
+          <a:p>
+            <a:endParaRPr lang="en-US" sz="3200" b="0" strike="noStrike" spc="-1">
+              <a:solidFill>
+                <a:srgbClr val="000000"/>
+              </a:solidFill>
+              <a:uFill>
+                <a:solidFill>
+                  <a:srgbClr val="FFFFFF"/>
                 </a:solidFill>
               </a:uFill>
               <a:latin typeface="Arial"/>
@@ -292,17 +403,18 @@
           </a:prstGeom>
         </p:spPr>
         <p:txBody>
-          <a:bodyPr lIns="0" rIns="0" tIns="0" bIns="0">
+          <a:bodyPr lIns="0" tIns="0" rIns="0" bIns="0">
             <a:normAutofit/>
           </a:bodyPr>
-          <a:p>
-            <a:endParaRPr b="0" lang="en-US" sz="3200" spc="-1" strike="noStrike">
-              <a:solidFill>
-                <a:srgbClr val="000000"/>
-              </a:solidFill>
-              <a:uFill>
-                <a:solidFill>
-                  <a:srgbClr val="ffffff"/>
+          <a:lstStyle/>
+          <a:p>
+            <a:endParaRPr lang="en-US" sz="3200" b="0" strike="noStrike" spc="-1">
+              <a:solidFill>
+                <a:srgbClr val="000000"/>
+              </a:solidFill>
+              <a:uFill>
+                <a:solidFill>
+                  <a:srgbClr val="FFFFFF"/>
                 </a:solidFill>
               </a:uFill>
               <a:latin typeface="Arial"/>
@@ -330,17 +442,18 @@
           </a:prstGeom>
         </p:spPr>
         <p:txBody>
-          <a:bodyPr lIns="0" rIns="0" tIns="0" bIns="0">
+          <a:bodyPr lIns="0" tIns="0" rIns="0" bIns="0">
             <a:normAutofit/>
           </a:bodyPr>
-          <a:p>
-            <a:endParaRPr b="0" lang="en-US" sz="3200" spc="-1" strike="noStrike">
-              <a:solidFill>
-                <a:srgbClr val="000000"/>
-              </a:solidFill>
-              <a:uFill>
-                <a:solidFill>
-                  <a:srgbClr val="ffffff"/>
+          <a:lstStyle/>
+          <a:p>
+            <a:endParaRPr lang="en-US" sz="3200" b="0" strike="noStrike" spc="-1">
+              <a:solidFill>
+                <a:srgbClr val="000000"/>
+              </a:solidFill>
+              <a:uFill>
+                <a:solidFill>
+                  <a:srgbClr val="FFFFFF"/>
                 </a:solidFill>
               </a:uFill>
               <a:latin typeface="Arial"/>
@@ -368,17 +481,18 @@
           </a:prstGeom>
         </p:spPr>
         <p:txBody>
-          <a:bodyPr lIns="0" rIns="0" tIns="0" bIns="0">
+          <a:bodyPr lIns="0" tIns="0" rIns="0" bIns="0">
             <a:normAutofit/>
           </a:bodyPr>
-          <a:p>
-            <a:endParaRPr b="0" lang="en-US" sz="3200" spc="-1" strike="noStrike">
-              <a:solidFill>
-                <a:srgbClr val="000000"/>
-              </a:solidFill>
-              <a:uFill>
-                <a:solidFill>
-                  <a:srgbClr val="ffffff"/>
+          <a:lstStyle/>
+          <a:p>
+            <a:endParaRPr lang="en-US" sz="3200" b="0" strike="noStrike" spc="-1">
+              <a:solidFill>
+                <a:srgbClr val="000000"/>
+              </a:solidFill>
+              <a:uFill>
+                <a:solidFill>
+                  <a:srgbClr val="FFFFFF"/>
                 </a:solidFill>
               </a:uFill>
               <a:latin typeface="Arial"/>
@@ -388,11 +502,14 @@
       </p:sp>
     </p:spTree>
   </p:cSld>
+  <p:clrMapOvr>
+    <a:masterClrMapping/>
+  </p:clrMapOvr>
 </p:sldLayout>
 </file>
 
 <file path=ppt/slideLayouts/slideLayout12.xml><?xml version="1.0" encoding="utf-8"?>
-<p:sldLayout xmlns:a="http://schemas.openxmlformats.org/drawingml/2006/main" xmlns:p="http://schemas.openxmlformats.org/presentationml/2006/main" xmlns:r="http://schemas.openxmlformats.org/officeDocument/2006/relationships" xmlns:p14="http://schemas.microsoft.com/office/powerpoint/2010/main" xmlns:p15="http://schemas.microsoft.com/office/powerpoint/2012/main" xmlns:mc="http://schemas.openxmlformats.org/markup-compatibility/2006" type="blank" preserve="1">
+<p:sldLayout xmlns:a="http://schemas.openxmlformats.org/drawingml/2006/main" xmlns:r="http://schemas.openxmlformats.org/officeDocument/2006/relationships" xmlns:p="http://schemas.openxmlformats.org/presentationml/2006/main" type="blank" preserve="1">
   <p:cSld name="Title, 6 Content">
     <p:spTree>
       <p:nvGrpSpPr>
@@ -428,16 +545,17 @@
           </a:prstGeom>
         </p:spPr>
         <p:txBody>
-          <a:bodyPr lIns="0" rIns="0" tIns="0" bIns="0" anchor="ctr"/>
+          <a:bodyPr lIns="0" tIns="0" rIns="0" bIns="0" anchor="ctr"/>
+          <a:lstStyle/>
           <a:p>
             <a:pPr algn="ctr"/>
-            <a:endParaRPr b="0" lang="en-US" sz="4400" spc="-1" strike="noStrike">
-              <a:solidFill>
-                <a:srgbClr val="000000"/>
-              </a:solidFill>
-              <a:uFill>
-                <a:solidFill>
-                  <a:srgbClr val="ffffff"/>
+            <a:endParaRPr lang="en-US" sz="4400" b="0" strike="noStrike" spc="-1">
+              <a:solidFill>
+                <a:srgbClr val="000000"/>
+              </a:solidFill>
+              <a:uFill>
+                <a:solidFill>
+                  <a:srgbClr val="FFFFFF"/>
                 </a:solidFill>
               </a:uFill>
               <a:latin typeface="Arial"/>
@@ -465,17 +583,18 @@
           </a:prstGeom>
         </p:spPr>
         <p:txBody>
-          <a:bodyPr lIns="0" rIns="0" tIns="0" bIns="0">
+          <a:bodyPr lIns="0" tIns="0" rIns="0" bIns="0">
             <a:normAutofit/>
           </a:bodyPr>
-          <a:p>
-            <a:endParaRPr b="0" lang="en-US" sz="3200" spc="-1" strike="noStrike">
-              <a:solidFill>
-                <a:srgbClr val="000000"/>
-              </a:solidFill>
-              <a:uFill>
-                <a:solidFill>
-                  <a:srgbClr val="ffffff"/>
+          <a:lstStyle/>
+          <a:p>
+            <a:endParaRPr lang="en-US" sz="3200" b="0" strike="noStrike" spc="-1">
+              <a:solidFill>
+                <a:srgbClr val="000000"/>
+              </a:solidFill>
+              <a:uFill>
+                <a:solidFill>
+                  <a:srgbClr val="FFFFFF"/>
                 </a:solidFill>
               </a:uFill>
               <a:latin typeface="Arial"/>
@@ -503,17 +622,18 @@
           </a:prstGeom>
         </p:spPr>
         <p:txBody>
-          <a:bodyPr lIns="0" rIns="0" tIns="0" bIns="0">
+          <a:bodyPr lIns="0" tIns="0" rIns="0" bIns="0">
             <a:normAutofit/>
           </a:bodyPr>
-          <a:p>
-            <a:endParaRPr b="0" lang="en-US" sz="3200" spc="-1" strike="noStrike">
-              <a:solidFill>
-                <a:srgbClr val="000000"/>
-              </a:solidFill>
-              <a:uFill>
-                <a:solidFill>
-                  <a:srgbClr val="ffffff"/>
+          <a:lstStyle/>
+          <a:p>
+            <a:endParaRPr lang="en-US" sz="3200" b="0" strike="noStrike" spc="-1">
+              <a:solidFill>
+                <a:srgbClr val="000000"/>
+              </a:solidFill>
+              <a:uFill>
+                <a:solidFill>
+                  <a:srgbClr val="FFFFFF"/>
                 </a:solidFill>
               </a:uFill>
               <a:latin typeface="Arial"/>
@@ -541,17 +661,18 @@
           </a:prstGeom>
         </p:spPr>
         <p:txBody>
-          <a:bodyPr lIns="0" rIns="0" tIns="0" bIns="0">
+          <a:bodyPr lIns="0" tIns="0" rIns="0" bIns="0">
             <a:normAutofit/>
           </a:bodyPr>
-          <a:p>
-            <a:endParaRPr b="0" lang="en-US" sz="3200" spc="-1" strike="noStrike">
-              <a:solidFill>
-                <a:srgbClr val="000000"/>
-              </a:solidFill>
-              <a:uFill>
-                <a:solidFill>
-                  <a:srgbClr val="ffffff"/>
+          <a:lstStyle/>
+          <a:p>
+            <a:endParaRPr lang="en-US" sz="3200" b="0" strike="noStrike" spc="-1">
+              <a:solidFill>
+                <a:srgbClr val="000000"/>
+              </a:solidFill>
+              <a:uFill>
+                <a:solidFill>
+                  <a:srgbClr val="FFFFFF"/>
                 </a:solidFill>
               </a:uFill>
               <a:latin typeface="Arial"/>
@@ -579,17 +700,18 @@
           </a:prstGeom>
         </p:spPr>
         <p:txBody>
-          <a:bodyPr lIns="0" rIns="0" tIns="0" bIns="0">
+          <a:bodyPr lIns="0" tIns="0" rIns="0" bIns="0">
             <a:normAutofit/>
           </a:bodyPr>
-          <a:p>
-            <a:endParaRPr b="0" lang="en-US" sz="3200" spc="-1" strike="noStrike">
-              <a:solidFill>
-                <a:srgbClr val="000000"/>
-              </a:solidFill>
-              <a:uFill>
-                <a:solidFill>
-                  <a:srgbClr val="ffffff"/>
+          <a:lstStyle/>
+          <a:p>
+            <a:endParaRPr lang="en-US" sz="3200" b="0" strike="noStrike" spc="-1">
+              <a:solidFill>
+                <a:srgbClr val="000000"/>
+              </a:solidFill>
+              <a:uFill>
+                <a:solidFill>
+                  <a:srgbClr val="FFFFFF"/>
                 </a:solidFill>
               </a:uFill>
               <a:latin typeface="Arial"/>
@@ -617,17 +739,18 @@
           </a:prstGeom>
         </p:spPr>
         <p:txBody>
-          <a:bodyPr lIns="0" rIns="0" tIns="0" bIns="0">
+          <a:bodyPr lIns="0" tIns="0" rIns="0" bIns="0">
             <a:normAutofit/>
           </a:bodyPr>
-          <a:p>
-            <a:endParaRPr b="0" lang="en-US" sz="3200" spc="-1" strike="noStrike">
-              <a:solidFill>
-                <a:srgbClr val="000000"/>
-              </a:solidFill>
-              <a:uFill>
-                <a:solidFill>
-                  <a:srgbClr val="ffffff"/>
+          <a:lstStyle/>
+          <a:p>
+            <a:endParaRPr lang="en-US" sz="3200" b="0" strike="noStrike" spc="-1">
+              <a:solidFill>
+                <a:srgbClr val="000000"/>
+              </a:solidFill>
+              <a:uFill>
+                <a:solidFill>
+                  <a:srgbClr val="FFFFFF"/>
                 </a:solidFill>
               </a:uFill>
               <a:latin typeface="Arial"/>
@@ -655,17 +778,18 @@
           </a:prstGeom>
         </p:spPr>
         <p:txBody>
-          <a:bodyPr lIns="0" rIns="0" tIns="0" bIns="0">
+          <a:bodyPr lIns="0" tIns="0" rIns="0" bIns="0">
             <a:normAutofit/>
           </a:bodyPr>
-          <a:p>
-            <a:endParaRPr b="0" lang="en-US" sz="3200" spc="-1" strike="noStrike">
-              <a:solidFill>
-                <a:srgbClr val="000000"/>
-              </a:solidFill>
-              <a:uFill>
-                <a:solidFill>
-                  <a:srgbClr val="ffffff"/>
+          <a:lstStyle/>
+          <a:p>
+            <a:endParaRPr lang="en-US" sz="3200" b="0" strike="noStrike" spc="-1">
+              <a:solidFill>
+                <a:srgbClr val="000000"/>
+              </a:solidFill>
+              <a:uFill>
+                <a:solidFill>
+                  <a:srgbClr val="FFFFFF"/>
                 </a:solidFill>
               </a:uFill>
               <a:latin typeface="Arial"/>
@@ -675,11 +799,14 @@
       </p:sp>
     </p:spTree>
   </p:cSld>
+  <p:clrMapOvr>
+    <a:masterClrMapping/>
+  </p:clrMapOvr>
 </p:sldLayout>
 </file>
 
 <file path=ppt/slideLayouts/slideLayout13.xml><?xml version="1.0" encoding="utf-8"?>
-<p:sldLayout xmlns:a="http://schemas.openxmlformats.org/drawingml/2006/main" xmlns:p="http://schemas.openxmlformats.org/presentationml/2006/main" xmlns:r="http://schemas.openxmlformats.org/officeDocument/2006/relationships" xmlns:p14="http://schemas.microsoft.com/office/powerpoint/2010/main" xmlns:p15="http://schemas.microsoft.com/office/powerpoint/2012/main" xmlns:mc="http://schemas.openxmlformats.org/markup-compatibility/2006" type="blank" preserve="1">
+<p:sldLayout xmlns:a="http://schemas.openxmlformats.org/drawingml/2006/main" xmlns:r="http://schemas.openxmlformats.org/officeDocument/2006/relationships" xmlns:p="http://schemas.openxmlformats.org/presentationml/2006/main" type="blank" preserve="1">
   <p:cSld name="Blank Slide">
     <p:spTree>
       <p:nvGrpSpPr>
@@ -697,11 +824,14 @@
       </p:grpSpPr>
     </p:spTree>
   </p:cSld>
+  <p:clrMapOvr>
+    <a:masterClrMapping/>
+  </p:clrMapOvr>
 </p:sldLayout>
 </file>
 
 <file path=ppt/slideLayouts/slideLayout14.xml><?xml version="1.0" encoding="utf-8"?>
-<p:sldLayout xmlns:a="http://schemas.openxmlformats.org/drawingml/2006/main" xmlns:p="http://schemas.openxmlformats.org/presentationml/2006/main" xmlns:r="http://schemas.openxmlformats.org/officeDocument/2006/relationships" xmlns:p14="http://schemas.microsoft.com/office/powerpoint/2010/main" xmlns:p15="http://schemas.microsoft.com/office/powerpoint/2012/main" xmlns:mc="http://schemas.openxmlformats.org/markup-compatibility/2006" type="tx" preserve="1">
+<p:sldLayout xmlns:a="http://schemas.openxmlformats.org/drawingml/2006/main" xmlns:r="http://schemas.openxmlformats.org/officeDocument/2006/relationships" xmlns:p="http://schemas.openxmlformats.org/presentationml/2006/main" type="tx" preserve="1">
   <p:cSld name="Title Slide">
     <p:spTree>
       <p:nvGrpSpPr>
@@ -737,16 +867,17 @@
           </a:prstGeom>
         </p:spPr>
         <p:txBody>
-          <a:bodyPr lIns="0" rIns="0" tIns="0" bIns="0" anchor="ctr"/>
+          <a:bodyPr lIns="0" tIns="0" rIns="0" bIns="0" anchor="ctr"/>
+          <a:lstStyle/>
           <a:p>
             <a:pPr algn="ctr"/>
-            <a:endParaRPr b="0" lang="en-US" sz="4400" spc="-1" strike="noStrike">
-              <a:solidFill>
-                <a:srgbClr val="000000"/>
-              </a:solidFill>
-              <a:uFill>
-                <a:solidFill>
-                  <a:srgbClr val="ffffff"/>
+            <a:endParaRPr lang="en-US" sz="4400" b="0" strike="noStrike" spc="-1">
+              <a:solidFill>
+                <a:srgbClr val="000000"/>
+              </a:solidFill>
+              <a:uFill>
+                <a:solidFill>
+                  <a:srgbClr val="FFFFFF"/>
                 </a:solidFill>
               </a:uFill>
               <a:latin typeface="Arial"/>
@@ -774,16 +905,17 @@
           </a:prstGeom>
         </p:spPr>
         <p:txBody>
-          <a:bodyPr lIns="0" rIns="0" tIns="0" bIns="0" anchor="ctr"/>
+          <a:bodyPr lIns="0" tIns="0" rIns="0" bIns="0" anchor="ctr"/>
+          <a:lstStyle/>
           <a:p>
             <a:pPr algn="ctr"/>
-            <a:endParaRPr b="0" lang="en-US" sz="3200" spc="-1" strike="noStrike">
-              <a:solidFill>
-                <a:srgbClr val="000000"/>
-              </a:solidFill>
-              <a:uFill>
-                <a:solidFill>
-                  <a:srgbClr val="ffffff"/>
+            <a:endParaRPr lang="en-US" sz="3200" b="0" strike="noStrike" spc="-1">
+              <a:solidFill>
+                <a:srgbClr val="000000"/>
+              </a:solidFill>
+              <a:uFill>
+                <a:solidFill>
+                  <a:srgbClr val="FFFFFF"/>
                 </a:solidFill>
               </a:uFill>
               <a:latin typeface="Arial"/>
@@ -793,11 +925,14 @@
       </p:sp>
     </p:spTree>
   </p:cSld>
+  <p:clrMapOvr>
+    <a:masterClrMapping/>
+  </p:clrMapOvr>
 </p:sldLayout>
 </file>
 
 <file path=ppt/slideLayouts/slideLayout15.xml><?xml version="1.0" encoding="utf-8"?>
-<p:sldLayout xmlns:a="http://schemas.openxmlformats.org/drawingml/2006/main" xmlns:p="http://schemas.openxmlformats.org/presentationml/2006/main" xmlns:r="http://schemas.openxmlformats.org/officeDocument/2006/relationships" xmlns:p14="http://schemas.microsoft.com/office/powerpoint/2010/main" xmlns:p15="http://schemas.microsoft.com/office/powerpoint/2012/main" xmlns:mc="http://schemas.openxmlformats.org/markup-compatibility/2006" type="obj" preserve="1">
+<p:sldLayout xmlns:a="http://schemas.openxmlformats.org/drawingml/2006/main" xmlns:r="http://schemas.openxmlformats.org/officeDocument/2006/relationships" xmlns:p="http://schemas.openxmlformats.org/presentationml/2006/main" type="obj" preserve="1">
   <p:cSld name="Title, Content">
     <p:spTree>
       <p:nvGrpSpPr>
@@ -833,16 +968,17 @@
           </a:prstGeom>
         </p:spPr>
         <p:txBody>
-          <a:bodyPr lIns="0" rIns="0" tIns="0" bIns="0" anchor="ctr"/>
+          <a:bodyPr lIns="0" tIns="0" rIns="0" bIns="0" anchor="ctr"/>
+          <a:lstStyle/>
           <a:p>
             <a:pPr algn="ctr"/>
-            <a:endParaRPr b="0" lang="en-US" sz="4400" spc="-1" strike="noStrike">
-              <a:solidFill>
-                <a:srgbClr val="000000"/>
-              </a:solidFill>
-              <a:uFill>
-                <a:solidFill>
-                  <a:srgbClr val="ffffff"/>
+            <a:endParaRPr lang="en-US" sz="4400" b="0" strike="noStrike" spc="-1">
+              <a:solidFill>
+                <a:srgbClr val="000000"/>
+              </a:solidFill>
+              <a:uFill>
+                <a:solidFill>
+                  <a:srgbClr val="FFFFFF"/>
                 </a:solidFill>
               </a:uFill>
               <a:latin typeface="Arial"/>
@@ -870,17 +1006,18 @@
           </a:prstGeom>
         </p:spPr>
         <p:txBody>
-          <a:bodyPr lIns="0" rIns="0" tIns="0" bIns="0">
+          <a:bodyPr lIns="0" tIns="0" rIns="0" bIns="0">
             <a:normAutofit/>
           </a:bodyPr>
-          <a:p>
-            <a:endParaRPr b="0" lang="en-US" sz="3200" spc="-1" strike="noStrike">
-              <a:solidFill>
-                <a:srgbClr val="000000"/>
-              </a:solidFill>
-              <a:uFill>
-                <a:solidFill>
-                  <a:srgbClr val="ffffff"/>
+          <a:lstStyle/>
+          <a:p>
+            <a:endParaRPr lang="en-US" sz="3200" b="0" strike="noStrike" spc="-1">
+              <a:solidFill>
+                <a:srgbClr val="000000"/>
+              </a:solidFill>
+              <a:uFill>
+                <a:solidFill>
+                  <a:srgbClr val="FFFFFF"/>
                 </a:solidFill>
               </a:uFill>
               <a:latin typeface="Arial"/>
@@ -890,11 +1027,14 @@
       </p:sp>
     </p:spTree>
   </p:cSld>
+  <p:clrMapOvr>
+    <a:masterClrMapping/>
+  </p:clrMapOvr>
 </p:sldLayout>
 </file>
 
 <file path=ppt/slideLayouts/slideLayout16.xml><?xml version="1.0" encoding="utf-8"?>
-<p:sldLayout xmlns:a="http://schemas.openxmlformats.org/drawingml/2006/main" xmlns:p="http://schemas.openxmlformats.org/presentationml/2006/main" xmlns:r="http://schemas.openxmlformats.org/officeDocument/2006/relationships" xmlns:p14="http://schemas.microsoft.com/office/powerpoint/2010/main" xmlns:p15="http://schemas.microsoft.com/office/powerpoint/2012/main" xmlns:mc="http://schemas.openxmlformats.org/markup-compatibility/2006" type="twoObj" preserve="1">
+<p:sldLayout xmlns:a="http://schemas.openxmlformats.org/drawingml/2006/main" xmlns:r="http://schemas.openxmlformats.org/officeDocument/2006/relationships" xmlns:p="http://schemas.openxmlformats.org/presentationml/2006/main" type="twoObj" preserve="1">
   <p:cSld name="Title, 2 Content">
     <p:spTree>
       <p:nvGrpSpPr>
@@ -930,16 +1070,17 @@
           </a:prstGeom>
         </p:spPr>
         <p:txBody>
-          <a:bodyPr lIns="0" rIns="0" tIns="0" bIns="0" anchor="ctr"/>
+          <a:bodyPr lIns="0" tIns="0" rIns="0" bIns="0" anchor="ctr"/>
+          <a:lstStyle/>
           <a:p>
             <a:pPr algn="ctr"/>
-            <a:endParaRPr b="0" lang="en-US" sz="4400" spc="-1" strike="noStrike">
-              <a:solidFill>
-                <a:srgbClr val="000000"/>
-              </a:solidFill>
-              <a:uFill>
-                <a:solidFill>
-                  <a:srgbClr val="ffffff"/>
+            <a:endParaRPr lang="en-US" sz="4400" b="0" strike="noStrike" spc="-1">
+              <a:solidFill>
+                <a:srgbClr val="000000"/>
+              </a:solidFill>
+              <a:uFill>
+                <a:solidFill>
+                  <a:srgbClr val="FFFFFF"/>
                 </a:solidFill>
               </a:uFill>
               <a:latin typeface="Arial"/>
@@ -967,17 +1108,18 @@
           </a:prstGeom>
         </p:spPr>
         <p:txBody>
-          <a:bodyPr lIns="0" rIns="0" tIns="0" bIns="0">
+          <a:bodyPr lIns="0" tIns="0" rIns="0" bIns="0">
             <a:normAutofit/>
           </a:bodyPr>
-          <a:p>
-            <a:endParaRPr b="0" lang="en-US" sz="3200" spc="-1" strike="noStrike">
-              <a:solidFill>
-                <a:srgbClr val="000000"/>
-              </a:solidFill>
-              <a:uFill>
-                <a:solidFill>
-                  <a:srgbClr val="ffffff"/>
+          <a:lstStyle/>
+          <a:p>
+            <a:endParaRPr lang="en-US" sz="3200" b="0" strike="noStrike" spc="-1">
+              <a:solidFill>
+                <a:srgbClr val="000000"/>
+              </a:solidFill>
+              <a:uFill>
+                <a:solidFill>
+                  <a:srgbClr val="FFFFFF"/>
                 </a:solidFill>
               </a:uFill>
               <a:latin typeface="Arial"/>
@@ -1005,17 +1147,18 @@
           </a:prstGeom>
         </p:spPr>
         <p:txBody>
-          <a:bodyPr lIns="0" rIns="0" tIns="0" bIns="0">
+          <a:bodyPr lIns="0" tIns="0" rIns="0" bIns="0">
             <a:normAutofit/>
           </a:bodyPr>
-          <a:p>
-            <a:endParaRPr b="0" lang="en-US" sz="3200" spc="-1" strike="noStrike">
-              <a:solidFill>
-                <a:srgbClr val="000000"/>
-              </a:solidFill>
-              <a:uFill>
-                <a:solidFill>
-                  <a:srgbClr val="ffffff"/>
+          <a:lstStyle/>
+          <a:p>
+            <a:endParaRPr lang="en-US" sz="3200" b="0" strike="noStrike" spc="-1">
+              <a:solidFill>
+                <a:srgbClr val="000000"/>
+              </a:solidFill>
+              <a:uFill>
+                <a:solidFill>
+                  <a:srgbClr val="FFFFFF"/>
                 </a:solidFill>
               </a:uFill>
               <a:latin typeface="Arial"/>
@@ -1025,11 +1168,14 @@
       </p:sp>
     </p:spTree>
   </p:cSld>
+  <p:clrMapOvr>
+    <a:masterClrMapping/>
+  </p:clrMapOvr>
 </p:sldLayout>
 </file>
 
 <file path=ppt/slideLayouts/slideLayout17.xml><?xml version="1.0" encoding="utf-8"?>
-<p:sldLayout xmlns:a="http://schemas.openxmlformats.org/drawingml/2006/main" xmlns:p="http://schemas.openxmlformats.org/presentationml/2006/main" xmlns:r="http://schemas.openxmlformats.org/officeDocument/2006/relationships" xmlns:p14="http://schemas.microsoft.com/office/powerpoint/2010/main" xmlns:p15="http://schemas.microsoft.com/office/powerpoint/2012/main" xmlns:mc="http://schemas.openxmlformats.org/markup-compatibility/2006" type="titleOnly" preserve="1">
+<p:sldLayout xmlns:a="http://schemas.openxmlformats.org/drawingml/2006/main" xmlns:r="http://schemas.openxmlformats.org/officeDocument/2006/relationships" xmlns:p="http://schemas.openxmlformats.org/presentationml/2006/main" type="titleOnly" preserve="1">
   <p:cSld name="Title Only">
     <p:spTree>
       <p:nvGrpSpPr>
@@ -1065,16 +1211,17 @@
           </a:prstGeom>
         </p:spPr>
         <p:txBody>
-          <a:bodyPr lIns="0" rIns="0" tIns="0" bIns="0" anchor="ctr"/>
+          <a:bodyPr lIns="0" tIns="0" rIns="0" bIns="0" anchor="ctr"/>
+          <a:lstStyle/>
           <a:p>
             <a:pPr algn="ctr"/>
-            <a:endParaRPr b="0" lang="en-US" sz="4400" spc="-1" strike="noStrike">
-              <a:solidFill>
-                <a:srgbClr val="000000"/>
-              </a:solidFill>
-              <a:uFill>
-                <a:solidFill>
-                  <a:srgbClr val="ffffff"/>
+            <a:endParaRPr lang="en-US" sz="4400" b="0" strike="noStrike" spc="-1">
+              <a:solidFill>
+                <a:srgbClr val="000000"/>
+              </a:solidFill>
+              <a:uFill>
+                <a:solidFill>
+                  <a:srgbClr val="FFFFFF"/>
                 </a:solidFill>
               </a:uFill>
               <a:latin typeface="Arial"/>
@@ -1084,11 +1231,14 @@
       </p:sp>
     </p:spTree>
   </p:cSld>
+  <p:clrMapOvr>
+    <a:masterClrMapping/>
+  </p:clrMapOvr>
 </p:sldLayout>
 </file>
 
 <file path=ppt/slideLayouts/slideLayout18.xml><?xml version="1.0" encoding="utf-8"?>
-<p:sldLayout xmlns:a="http://schemas.openxmlformats.org/drawingml/2006/main" xmlns:p="http://schemas.openxmlformats.org/presentationml/2006/main" xmlns:r="http://schemas.openxmlformats.org/officeDocument/2006/relationships" xmlns:p14="http://schemas.microsoft.com/office/powerpoint/2010/main" xmlns:p15="http://schemas.microsoft.com/office/powerpoint/2012/main" xmlns:mc="http://schemas.openxmlformats.org/markup-compatibility/2006" type="objOnly" preserve="1">
+<p:sldLayout xmlns:a="http://schemas.openxmlformats.org/drawingml/2006/main" xmlns:r="http://schemas.openxmlformats.org/officeDocument/2006/relationships" xmlns:p="http://schemas.openxmlformats.org/presentationml/2006/main" type="objOnly" preserve="1">
   <p:cSld name="Centered Text">
     <p:spTree>
       <p:nvGrpSpPr>
@@ -1124,16 +1274,17 @@
           </a:prstGeom>
         </p:spPr>
         <p:txBody>
-          <a:bodyPr lIns="0" rIns="0" tIns="0" bIns="0" anchor="ctr"/>
+          <a:bodyPr lIns="0" tIns="0" rIns="0" bIns="0" anchor="ctr"/>
+          <a:lstStyle/>
           <a:p>
             <a:pPr algn="ctr"/>
-            <a:endParaRPr b="0" lang="en-US" sz="3200" spc="-1" strike="noStrike">
-              <a:solidFill>
-                <a:srgbClr val="000000"/>
-              </a:solidFill>
-              <a:uFill>
-                <a:solidFill>
-                  <a:srgbClr val="ffffff"/>
+            <a:endParaRPr lang="en-US" sz="3200" b="0" strike="noStrike" spc="-1">
+              <a:solidFill>
+                <a:srgbClr val="000000"/>
+              </a:solidFill>
+              <a:uFill>
+                <a:solidFill>
+                  <a:srgbClr val="FFFFFF"/>
                 </a:solidFill>
               </a:uFill>
               <a:latin typeface="Arial"/>
@@ -1143,11 +1294,14 @@
       </p:sp>
     </p:spTree>
   </p:cSld>
+  <p:clrMapOvr>
+    <a:masterClrMapping/>
+  </p:clrMapOvr>
 </p:sldLayout>
 </file>
 
 <file path=ppt/slideLayouts/slideLayout19.xml><?xml version="1.0" encoding="utf-8"?>
-<p:sldLayout xmlns:a="http://schemas.openxmlformats.org/drawingml/2006/main" xmlns:p="http://schemas.openxmlformats.org/presentationml/2006/main" xmlns:r="http://schemas.openxmlformats.org/officeDocument/2006/relationships" xmlns:p14="http://schemas.microsoft.com/office/powerpoint/2010/main" xmlns:p15="http://schemas.microsoft.com/office/powerpoint/2012/main" xmlns:mc="http://schemas.openxmlformats.org/markup-compatibility/2006" type="twoObjAndObj" preserve="1">
+<p:sldLayout xmlns:a="http://schemas.openxmlformats.org/drawingml/2006/main" xmlns:r="http://schemas.openxmlformats.org/officeDocument/2006/relationships" xmlns:p="http://schemas.openxmlformats.org/presentationml/2006/main" type="twoObjAndObj" preserve="1">
   <p:cSld name="Title, 2 Content and Content">
     <p:spTree>
       <p:nvGrpSpPr>
@@ -1183,16 +1337,17 @@
           </a:prstGeom>
         </p:spPr>
         <p:txBody>
-          <a:bodyPr lIns="0" rIns="0" tIns="0" bIns="0" anchor="ctr"/>
+          <a:bodyPr lIns="0" tIns="0" rIns="0" bIns="0" anchor="ctr"/>
+          <a:lstStyle/>
           <a:p>
             <a:pPr algn="ctr"/>
-            <a:endParaRPr b="0" lang="en-US" sz="4400" spc="-1" strike="noStrike">
-              <a:solidFill>
-                <a:srgbClr val="000000"/>
-              </a:solidFill>
-              <a:uFill>
-                <a:solidFill>
-                  <a:srgbClr val="ffffff"/>
+            <a:endParaRPr lang="en-US" sz="4400" b="0" strike="noStrike" spc="-1">
+              <a:solidFill>
+                <a:srgbClr val="000000"/>
+              </a:solidFill>
+              <a:uFill>
+                <a:solidFill>
+                  <a:srgbClr val="FFFFFF"/>
                 </a:solidFill>
               </a:uFill>
               <a:latin typeface="Arial"/>
@@ -1220,17 +1375,18 @@
           </a:prstGeom>
         </p:spPr>
         <p:txBody>
-          <a:bodyPr lIns="0" rIns="0" tIns="0" bIns="0">
+          <a:bodyPr lIns="0" tIns="0" rIns="0" bIns="0">
             <a:normAutofit/>
           </a:bodyPr>
-          <a:p>
-            <a:endParaRPr b="0" lang="en-US" sz="3200" spc="-1" strike="noStrike">
-              <a:solidFill>
-                <a:srgbClr val="000000"/>
-              </a:solidFill>
-              <a:uFill>
-                <a:solidFill>
-                  <a:srgbClr val="ffffff"/>
+          <a:lstStyle/>
+          <a:p>
+            <a:endParaRPr lang="en-US" sz="3200" b="0" strike="noStrike" spc="-1">
+              <a:solidFill>
+                <a:srgbClr val="000000"/>
+              </a:solidFill>
+              <a:uFill>
+                <a:solidFill>
+                  <a:srgbClr val="FFFFFF"/>
                 </a:solidFill>
               </a:uFill>
               <a:latin typeface="Arial"/>
@@ -1258,17 +1414,18 @@
           </a:prstGeom>
         </p:spPr>
         <p:txBody>
-          <a:bodyPr lIns="0" rIns="0" tIns="0" bIns="0">
+          <a:bodyPr lIns="0" tIns="0" rIns="0" bIns="0">
             <a:normAutofit/>
           </a:bodyPr>
-          <a:p>
-            <a:endParaRPr b="0" lang="en-US" sz="3200" spc="-1" strike="noStrike">
-              <a:solidFill>
-                <a:srgbClr val="000000"/>
-              </a:solidFill>
-              <a:uFill>
-                <a:solidFill>
-                  <a:srgbClr val="ffffff"/>
+          <a:lstStyle/>
+          <a:p>
+            <a:endParaRPr lang="en-US" sz="3200" b="0" strike="noStrike" spc="-1">
+              <a:solidFill>
+                <a:srgbClr val="000000"/>
+              </a:solidFill>
+              <a:uFill>
+                <a:solidFill>
+                  <a:srgbClr val="FFFFFF"/>
                 </a:solidFill>
               </a:uFill>
               <a:latin typeface="Arial"/>
@@ -1296,17 +1453,18 @@
           </a:prstGeom>
         </p:spPr>
         <p:txBody>
-          <a:bodyPr lIns="0" rIns="0" tIns="0" bIns="0">
+          <a:bodyPr lIns="0" tIns="0" rIns="0" bIns="0">
             <a:normAutofit/>
           </a:bodyPr>
-          <a:p>
-            <a:endParaRPr b="0" lang="en-US" sz="3200" spc="-1" strike="noStrike">
-              <a:solidFill>
-                <a:srgbClr val="000000"/>
-              </a:solidFill>
-              <a:uFill>
-                <a:solidFill>
-                  <a:srgbClr val="ffffff"/>
+          <a:lstStyle/>
+          <a:p>
+            <a:endParaRPr lang="en-US" sz="3200" b="0" strike="noStrike" spc="-1">
+              <a:solidFill>
+                <a:srgbClr val="000000"/>
+              </a:solidFill>
+              <a:uFill>
+                <a:solidFill>
+                  <a:srgbClr val="FFFFFF"/>
                 </a:solidFill>
               </a:uFill>
               <a:latin typeface="Arial"/>
@@ -1316,11 +1474,14 @@
       </p:sp>
     </p:spTree>
   </p:cSld>
+  <p:clrMapOvr>
+    <a:masterClrMapping/>
+  </p:clrMapOvr>
 </p:sldLayout>
 </file>
 
 <file path=ppt/slideLayouts/slideLayout2.xml><?xml version="1.0" encoding="utf-8"?>
-<p:sldLayout xmlns:a="http://schemas.openxmlformats.org/drawingml/2006/main" xmlns:p="http://schemas.openxmlformats.org/presentationml/2006/main" xmlns:r="http://schemas.openxmlformats.org/officeDocument/2006/relationships" xmlns:p14="http://schemas.microsoft.com/office/powerpoint/2010/main" xmlns:p15="http://schemas.microsoft.com/office/powerpoint/2012/main" xmlns:mc="http://schemas.openxmlformats.org/markup-compatibility/2006" type="tx" preserve="1">
+<p:sldLayout xmlns:a="http://schemas.openxmlformats.org/drawingml/2006/main" xmlns:r="http://schemas.openxmlformats.org/officeDocument/2006/relationships" xmlns:p="http://schemas.openxmlformats.org/presentationml/2006/main" type="tx" preserve="1">
   <p:cSld name="Title Slide">
     <p:spTree>
       <p:nvGrpSpPr>
@@ -1356,16 +1517,17 @@
           </a:prstGeom>
         </p:spPr>
         <p:txBody>
-          <a:bodyPr lIns="0" rIns="0" tIns="0" bIns="0" anchor="ctr"/>
+          <a:bodyPr lIns="0" tIns="0" rIns="0" bIns="0" anchor="ctr"/>
+          <a:lstStyle/>
           <a:p>
             <a:pPr algn="ctr"/>
-            <a:endParaRPr b="0" lang="en-US" sz="4400" spc="-1" strike="noStrike">
-              <a:solidFill>
-                <a:srgbClr val="000000"/>
-              </a:solidFill>
-              <a:uFill>
-                <a:solidFill>
-                  <a:srgbClr val="ffffff"/>
+            <a:endParaRPr lang="en-US" sz="4400" b="0" strike="noStrike" spc="-1">
+              <a:solidFill>
+                <a:srgbClr val="000000"/>
+              </a:solidFill>
+              <a:uFill>
+                <a:solidFill>
+                  <a:srgbClr val="FFFFFF"/>
                 </a:solidFill>
               </a:uFill>
               <a:latin typeface="Arial"/>
@@ -1393,16 +1555,17 @@
           </a:prstGeom>
         </p:spPr>
         <p:txBody>
-          <a:bodyPr lIns="0" rIns="0" tIns="0" bIns="0" anchor="ctr"/>
+          <a:bodyPr lIns="0" tIns="0" rIns="0" bIns="0" anchor="ctr"/>
+          <a:lstStyle/>
           <a:p>
             <a:pPr algn="ctr"/>
-            <a:endParaRPr b="0" lang="en-US" sz="3200" spc="-1" strike="noStrike">
-              <a:solidFill>
-                <a:srgbClr val="000000"/>
-              </a:solidFill>
-              <a:uFill>
-                <a:solidFill>
-                  <a:srgbClr val="ffffff"/>
+            <a:endParaRPr lang="en-US" sz="3200" b="0" strike="noStrike" spc="-1">
+              <a:solidFill>
+                <a:srgbClr val="000000"/>
+              </a:solidFill>
+              <a:uFill>
+                <a:solidFill>
+                  <a:srgbClr val="FFFFFF"/>
                 </a:solidFill>
               </a:uFill>
               <a:latin typeface="Arial"/>
@@ -1412,11 +1575,14 @@
       </p:sp>
     </p:spTree>
   </p:cSld>
+  <p:clrMapOvr>
+    <a:masterClrMapping/>
+  </p:clrMapOvr>
 </p:sldLayout>
 </file>
 
 <file path=ppt/slideLayouts/slideLayout20.xml><?xml version="1.0" encoding="utf-8"?>
-<p:sldLayout xmlns:a="http://schemas.openxmlformats.org/drawingml/2006/main" xmlns:p="http://schemas.openxmlformats.org/presentationml/2006/main" xmlns:r="http://schemas.openxmlformats.org/officeDocument/2006/relationships" xmlns:p14="http://schemas.microsoft.com/office/powerpoint/2010/main" xmlns:p15="http://schemas.microsoft.com/office/powerpoint/2012/main" xmlns:mc="http://schemas.openxmlformats.org/markup-compatibility/2006" type="objAndTwoObj" preserve="1">
+<p:sldLayout xmlns:a="http://schemas.openxmlformats.org/drawingml/2006/main" xmlns:r="http://schemas.openxmlformats.org/officeDocument/2006/relationships" xmlns:p="http://schemas.openxmlformats.org/presentationml/2006/main" type="objAndTwoObj" preserve="1">
   <p:cSld name="Title Content and 2 Content">
     <p:spTree>
       <p:nvGrpSpPr>
@@ -1452,16 +1618,17 @@
           </a:prstGeom>
         </p:spPr>
         <p:txBody>
-          <a:bodyPr lIns="0" rIns="0" tIns="0" bIns="0" anchor="ctr"/>
+          <a:bodyPr lIns="0" tIns="0" rIns="0" bIns="0" anchor="ctr"/>
+          <a:lstStyle/>
           <a:p>
             <a:pPr algn="ctr"/>
-            <a:endParaRPr b="0" lang="en-US" sz="4400" spc="-1" strike="noStrike">
-              <a:solidFill>
-                <a:srgbClr val="000000"/>
-              </a:solidFill>
-              <a:uFill>
-                <a:solidFill>
-                  <a:srgbClr val="ffffff"/>
+            <a:endParaRPr lang="en-US" sz="4400" b="0" strike="noStrike" spc="-1">
+              <a:solidFill>
+                <a:srgbClr val="000000"/>
+              </a:solidFill>
+              <a:uFill>
+                <a:solidFill>
+                  <a:srgbClr val="FFFFFF"/>
                 </a:solidFill>
               </a:uFill>
               <a:latin typeface="Arial"/>
@@ -1489,17 +1656,18 @@
           </a:prstGeom>
         </p:spPr>
         <p:txBody>
-          <a:bodyPr lIns="0" rIns="0" tIns="0" bIns="0">
+          <a:bodyPr lIns="0" tIns="0" rIns="0" bIns="0">
             <a:normAutofit/>
           </a:bodyPr>
-          <a:p>
-            <a:endParaRPr b="0" lang="en-US" sz="3200" spc="-1" strike="noStrike">
-              <a:solidFill>
-                <a:srgbClr val="000000"/>
-              </a:solidFill>
-              <a:uFill>
-                <a:solidFill>
-                  <a:srgbClr val="ffffff"/>
+          <a:lstStyle/>
+          <a:p>
+            <a:endParaRPr lang="en-US" sz="3200" b="0" strike="noStrike" spc="-1">
+              <a:solidFill>
+                <a:srgbClr val="000000"/>
+              </a:solidFill>
+              <a:uFill>
+                <a:solidFill>
+                  <a:srgbClr val="FFFFFF"/>
                 </a:solidFill>
               </a:uFill>
               <a:latin typeface="Arial"/>
@@ -1527,17 +1695,18 @@
           </a:prstGeom>
         </p:spPr>
         <p:txBody>
-          <a:bodyPr lIns="0" rIns="0" tIns="0" bIns="0">
+          <a:bodyPr lIns="0" tIns="0" rIns="0" bIns="0">
             <a:normAutofit/>
           </a:bodyPr>
-          <a:p>
-            <a:endParaRPr b="0" lang="en-US" sz="3200" spc="-1" strike="noStrike">
-              <a:solidFill>
-                <a:srgbClr val="000000"/>
-              </a:solidFill>
-              <a:uFill>
-                <a:solidFill>
-                  <a:srgbClr val="ffffff"/>
+          <a:lstStyle/>
+          <a:p>
+            <a:endParaRPr lang="en-US" sz="3200" b="0" strike="noStrike" spc="-1">
+              <a:solidFill>
+                <a:srgbClr val="000000"/>
+              </a:solidFill>
+              <a:uFill>
+                <a:solidFill>
+                  <a:srgbClr val="FFFFFF"/>
                 </a:solidFill>
               </a:uFill>
               <a:latin typeface="Arial"/>
@@ -1565,17 +1734,18 @@
           </a:prstGeom>
         </p:spPr>
         <p:txBody>
-          <a:bodyPr lIns="0" rIns="0" tIns="0" bIns="0">
+          <a:bodyPr lIns="0" tIns="0" rIns="0" bIns="0">
             <a:normAutofit/>
           </a:bodyPr>
-          <a:p>
-            <a:endParaRPr b="0" lang="en-US" sz="3200" spc="-1" strike="noStrike">
-              <a:solidFill>
-                <a:srgbClr val="000000"/>
-              </a:solidFill>
-              <a:uFill>
-                <a:solidFill>
-                  <a:srgbClr val="ffffff"/>
+          <a:lstStyle/>
+          <a:p>
+            <a:endParaRPr lang="en-US" sz="3200" b="0" strike="noStrike" spc="-1">
+              <a:solidFill>
+                <a:srgbClr val="000000"/>
+              </a:solidFill>
+              <a:uFill>
+                <a:solidFill>
+                  <a:srgbClr val="FFFFFF"/>
                 </a:solidFill>
               </a:uFill>
               <a:latin typeface="Arial"/>
@@ -1585,11 +1755,14 @@
       </p:sp>
     </p:spTree>
   </p:cSld>
+  <p:clrMapOvr>
+    <a:masterClrMapping/>
+  </p:clrMapOvr>
 </p:sldLayout>
 </file>
 
 <file path=ppt/slideLayouts/slideLayout21.xml><?xml version="1.0" encoding="utf-8"?>
-<p:sldLayout xmlns:a="http://schemas.openxmlformats.org/drawingml/2006/main" xmlns:p="http://schemas.openxmlformats.org/presentationml/2006/main" xmlns:r="http://schemas.openxmlformats.org/officeDocument/2006/relationships" xmlns:p14="http://schemas.microsoft.com/office/powerpoint/2010/main" xmlns:p15="http://schemas.microsoft.com/office/powerpoint/2012/main" xmlns:mc="http://schemas.openxmlformats.org/markup-compatibility/2006" type="twoObjOverTx" preserve="1">
+<p:sldLayout xmlns:a="http://schemas.openxmlformats.org/drawingml/2006/main" xmlns:r="http://schemas.openxmlformats.org/officeDocument/2006/relationships" xmlns:p="http://schemas.openxmlformats.org/presentationml/2006/main" type="twoObjOverTx" preserve="1">
   <p:cSld name="Title, 2 Content over Content">
     <p:spTree>
       <p:nvGrpSpPr>
@@ -1625,16 +1798,17 @@
           </a:prstGeom>
         </p:spPr>
         <p:txBody>
-          <a:bodyPr lIns="0" rIns="0" tIns="0" bIns="0" anchor="ctr"/>
+          <a:bodyPr lIns="0" tIns="0" rIns="0" bIns="0" anchor="ctr"/>
+          <a:lstStyle/>
           <a:p>
             <a:pPr algn="ctr"/>
-            <a:endParaRPr b="0" lang="en-US" sz="4400" spc="-1" strike="noStrike">
-              <a:solidFill>
-                <a:srgbClr val="000000"/>
-              </a:solidFill>
-              <a:uFill>
-                <a:solidFill>
-                  <a:srgbClr val="ffffff"/>
+            <a:endParaRPr lang="en-US" sz="4400" b="0" strike="noStrike" spc="-1">
+              <a:solidFill>
+                <a:srgbClr val="000000"/>
+              </a:solidFill>
+              <a:uFill>
+                <a:solidFill>
+                  <a:srgbClr val="FFFFFF"/>
                 </a:solidFill>
               </a:uFill>
               <a:latin typeface="Arial"/>
@@ -1662,17 +1836,18 @@
           </a:prstGeom>
         </p:spPr>
         <p:txBody>
-          <a:bodyPr lIns="0" rIns="0" tIns="0" bIns="0">
+          <a:bodyPr lIns="0" tIns="0" rIns="0" bIns="0">
             <a:normAutofit/>
           </a:bodyPr>
-          <a:p>
-            <a:endParaRPr b="0" lang="en-US" sz="3200" spc="-1" strike="noStrike">
-              <a:solidFill>
-                <a:srgbClr val="000000"/>
-              </a:solidFill>
-              <a:uFill>
-                <a:solidFill>
-                  <a:srgbClr val="ffffff"/>
+          <a:lstStyle/>
+          <a:p>
+            <a:endParaRPr lang="en-US" sz="3200" b="0" strike="noStrike" spc="-1">
+              <a:solidFill>
+                <a:srgbClr val="000000"/>
+              </a:solidFill>
+              <a:uFill>
+                <a:solidFill>
+                  <a:srgbClr val="FFFFFF"/>
                 </a:solidFill>
               </a:uFill>
               <a:latin typeface="Arial"/>
@@ -1700,17 +1875,18 @@
           </a:prstGeom>
         </p:spPr>
         <p:txBody>
-          <a:bodyPr lIns="0" rIns="0" tIns="0" bIns="0">
+          <a:bodyPr lIns="0" tIns="0" rIns="0" bIns="0">
             <a:normAutofit/>
           </a:bodyPr>
-          <a:p>
-            <a:endParaRPr b="0" lang="en-US" sz="3200" spc="-1" strike="noStrike">
-              <a:solidFill>
-                <a:srgbClr val="000000"/>
-              </a:solidFill>
-              <a:uFill>
-                <a:solidFill>
-                  <a:srgbClr val="ffffff"/>
+          <a:lstStyle/>
+          <a:p>
+            <a:endParaRPr lang="en-US" sz="3200" b="0" strike="noStrike" spc="-1">
+              <a:solidFill>
+                <a:srgbClr val="000000"/>
+              </a:solidFill>
+              <a:uFill>
+                <a:solidFill>
+                  <a:srgbClr val="FFFFFF"/>
                 </a:solidFill>
               </a:uFill>
               <a:latin typeface="Arial"/>
@@ -1738,17 +1914,18 @@
           </a:prstGeom>
         </p:spPr>
         <p:txBody>
-          <a:bodyPr lIns="0" rIns="0" tIns="0" bIns="0">
+          <a:bodyPr lIns="0" tIns="0" rIns="0" bIns="0">
             <a:normAutofit/>
           </a:bodyPr>
-          <a:p>
-            <a:endParaRPr b="0" lang="en-US" sz="3200" spc="-1" strike="noStrike">
-              <a:solidFill>
-                <a:srgbClr val="000000"/>
-              </a:solidFill>
-              <a:uFill>
-                <a:solidFill>
-                  <a:srgbClr val="ffffff"/>
+          <a:lstStyle/>
+          <a:p>
+            <a:endParaRPr lang="en-US" sz="3200" b="0" strike="noStrike" spc="-1">
+              <a:solidFill>
+                <a:srgbClr val="000000"/>
+              </a:solidFill>
+              <a:uFill>
+                <a:solidFill>
+                  <a:srgbClr val="FFFFFF"/>
                 </a:solidFill>
               </a:uFill>
               <a:latin typeface="Arial"/>
@@ -1758,11 +1935,14 @@
       </p:sp>
     </p:spTree>
   </p:cSld>
+  <p:clrMapOvr>
+    <a:masterClrMapping/>
+  </p:clrMapOvr>
 </p:sldLayout>
 </file>
 
 <file path=ppt/slideLayouts/slideLayout22.xml><?xml version="1.0" encoding="utf-8"?>
-<p:sldLayout xmlns:a="http://schemas.openxmlformats.org/drawingml/2006/main" xmlns:p="http://schemas.openxmlformats.org/presentationml/2006/main" xmlns:r="http://schemas.openxmlformats.org/officeDocument/2006/relationships" xmlns:p14="http://schemas.microsoft.com/office/powerpoint/2010/main" xmlns:p15="http://schemas.microsoft.com/office/powerpoint/2012/main" xmlns:mc="http://schemas.openxmlformats.org/markup-compatibility/2006" type="objOverTx" preserve="1">
+<p:sldLayout xmlns:a="http://schemas.openxmlformats.org/drawingml/2006/main" xmlns:r="http://schemas.openxmlformats.org/officeDocument/2006/relationships" xmlns:p="http://schemas.openxmlformats.org/presentationml/2006/main" type="objOverTx" preserve="1">
   <p:cSld name="Title, Content over Content">
     <p:spTree>
       <p:nvGrpSpPr>
@@ -1798,16 +1978,17 @@
           </a:prstGeom>
         </p:spPr>
         <p:txBody>
-          <a:bodyPr lIns="0" rIns="0" tIns="0" bIns="0" anchor="ctr"/>
+          <a:bodyPr lIns="0" tIns="0" rIns="0" bIns="0" anchor="ctr"/>
+          <a:lstStyle/>
           <a:p>
             <a:pPr algn="ctr"/>
-            <a:endParaRPr b="0" lang="en-US" sz="4400" spc="-1" strike="noStrike">
-              <a:solidFill>
-                <a:srgbClr val="000000"/>
-              </a:solidFill>
-              <a:uFill>
-                <a:solidFill>
-                  <a:srgbClr val="ffffff"/>
+            <a:endParaRPr lang="en-US" sz="4400" b="0" strike="noStrike" spc="-1">
+              <a:solidFill>
+                <a:srgbClr val="000000"/>
+              </a:solidFill>
+              <a:uFill>
+                <a:solidFill>
+                  <a:srgbClr val="FFFFFF"/>
                 </a:solidFill>
               </a:uFill>
               <a:latin typeface="Arial"/>
@@ -1835,17 +2016,18 @@
           </a:prstGeom>
         </p:spPr>
         <p:txBody>
-          <a:bodyPr lIns="0" rIns="0" tIns="0" bIns="0">
+          <a:bodyPr lIns="0" tIns="0" rIns="0" bIns="0">
             <a:normAutofit/>
           </a:bodyPr>
-          <a:p>
-            <a:endParaRPr b="0" lang="en-US" sz="3200" spc="-1" strike="noStrike">
-              <a:solidFill>
-                <a:srgbClr val="000000"/>
-              </a:solidFill>
-              <a:uFill>
-                <a:solidFill>
-                  <a:srgbClr val="ffffff"/>
+          <a:lstStyle/>
+          <a:p>
+            <a:endParaRPr lang="en-US" sz="3200" b="0" strike="noStrike" spc="-1">
+              <a:solidFill>
+                <a:srgbClr val="000000"/>
+              </a:solidFill>
+              <a:uFill>
+                <a:solidFill>
+                  <a:srgbClr val="FFFFFF"/>
                 </a:solidFill>
               </a:uFill>
               <a:latin typeface="Arial"/>
@@ -1873,17 +2055,18 @@
           </a:prstGeom>
         </p:spPr>
         <p:txBody>
-          <a:bodyPr lIns="0" rIns="0" tIns="0" bIns="0">
+          <a:bodyPr lIns="0" tIns="0" rIns="0" bIns="0">
             <a:normAutofit/>
           </a:bodyPr>
-          <a:p>
-            <a:endParaRPr b="0" lang="en-US" sz="3200" spc="-1" strike="noStrike">
-              <a:solidFill>
-                <a:srgbClr val="000000"/>
-              </a:solidFill>
-              <a:uFill>
-                <a:solidFill>
-                  <a:srgbClr val="ffffff"/>
+          <a:lstStyle/>
+          <a:p>
+            <a:endParaRPr lang="en-US" sz="3200" b="0" strike="noStrike" spc="-1">
+              <a:solidFill>
+                <a:srgbClr val="000000"/>
+              </a:solidFill>
+              <a:uFill>
+                <a:solidFill>
+                  <a:srgbClr val="FFFFFF"/>
                 </a:solidFill>
               </a:uFill>
               <a:latin typeface="Arial"/>
@@ -1893,11 +2076,14 @@
       </p:sp>
     </p:spTree>
   </p:cSld>
+  <p:clrMapOvr>
+    <a:masterClrMapping/>
+  </p:clrMapOvr>
 </p:sldLayout>
 </file>
 
 <file path=ppt/slideLayouts/slideLayout23.xml><?xml version="1.0" encoding="utf-8"?>
-<p:sldLayout xmlns:a="http://schemas.openxmlformats.org/drawingml/2006/main" xmlns:p="http://schemas.openxmlformats.org/presentationml/2006/main" xmlns:r="http://schemas.openxmlformats.org/officeDocument/2006/relationships" xmlns:p14="http://schemas.microsoft.com/office/powerpoint/2010/main" xmlns:p15="http://schemas.microsoft.com/office/powerpoint/2012/main" xmlns:mc="http://schemas.openxmlformats.org/markup-compatibility/2006" type="fourObj" preserve="1">
+<p:sldLayout xmlns:a="http://schemas.openxmlformats.org/drawingml/2006/main" xmlns:r="http://schemas.openxmlformats.org/officeDocument/2006/relationships" xmlns:p="http://schemas.openxmlformats.org/presentationml/2006/main" type="fourObj" preserve="1">
   <p:cSld name="Title, 4 Content">
     <p:spTree>
       <p:nvGrpSpPr>
@@ -1933,16 +2119,17 @@
           </a:prstGeom>
         </p:spPr>
         <p:txBody>
-          <a:bodyPr lIns="0" rIns="0" tIns="0" bIns="0" anchor="ctr"/>
+          <a:bodyPr lIns="0" tIns="0" rIns="0" bIns="0" anchor="ctr"/>
+          <a:lstStyle/>
           <a:p>
             <a:pPr algn="ctr"/>
-            <a:endParaRPr b="0" lang="en-US" sz="4400" spc="-1" strike="noStrike">
-              <a:solidFill>
-                <a:srgbClr val="000000"/>
-              </a:solidFill>
-              <a:uFill>
-                <a:solidFill>
-                  <a:srgbClr val="ffffff"/>
+            <a:endParaRPr lang="en-US" sz="4400" b="0" strike="noStrike" spc="-1">
+              <a:solidFill>
+                <a:srgbClr val="000000"/>
+              </a:solidFill>
+              <a:uFill>
+                <a:solidFill>
+                  <a:srgbClr val="FFFFFF"/>
                 </a:solidFill>
               </a:uFill>
               <a:latin typeface="Arial"/>
@@ -1970,17 +2157,18 @@
           </a:prstGeom>
         </p:spPr>
         <p:txBody>
-          <a:bodyPr lIns="0" rIns="0" tIns="0" bIns="0">
+          <a:bodyPr lIns="0" tIns="0" rIns="0" bIns="0">
             <a:normAutofit/>
           </a:bodyPr>
-          <a:p>
-            <a:endParaRPr b="0" lang="en-US" sz="3200" spc="-1" strike="noStrike">
-              <a:solidFill>
-                <a:srgbClr val="000000"/>
-              </a:solidFill>
-              <a:uFill>
-                <a:solidFill>
-                  <a:srgbClr val="ffffff"/>
+          <a:lstStyle/>
+          <a:p>
+            <a:endParaRPr lang="en-US" sz="3200" b="0" strike="noStrike" spc="-1">
+              <a:solidFill>
+                <a:srgbClr val="000000"/>
+              </a:solidFill>
+              <a:uFill>
+                <a:solidFill>
+                  <a:srgbClr val="FFFFFF"/>
                 </a:solidFill>
               </a:uFill>
               <a:latin typeface="Arial"/>
@@ -2008,17 +2196,18 @@
           </a:prstGeom>
         </p:spPr>
         <p:txBody>
-          <a:bodyPr lIns="0" rIns="0" tIns="0" bIns="0">
+          <a:bodyPr lIns="0" tIns="0" rIns="0" bIns="0">
             <a:normAutofit/>
           </a:bodyPr>
-          <a:p>
-            <a:endParaRPr b="0" lang="en-US" sz="3200" spc="-1" strike="noStrike">
-              <a:solidFill>
-                <a:srgbClr val="000000"/>
-              </a:solidFill>
-              <a:uFill>
-                <a:solidFill>
-                  <a:srgbClr val="ffffff"/>
+          <a:lstStyle/>
+          <a:p>
+            <a:endParaRPr lang="en-US" sz="3200" b="0" strike="noStrike" spc="-1">
+              <a:solidFill>
+                <a:srgbClr val="000000"/>
+              </a:solidFill>
+              <a:uFill>
+                <a:solidFill>
+                  <a:srgbClr val="FFFFFF"/>
                 </a:solidFill>
               </a:uFill>
               <a:latin typeface="Arial"/>
@@ -2046,17 +2235,18 @@
           </a:prstGeom>
         </p:spPr>
         <p:txBody>
-          <a:bodyPr lIns="0" rIns="0" tIns="0" bIns="0">
+          <a:bodyPr lIns="0" tIns="0" rIns="0" bIns="0">
             <a:normAutofit/>
           </a:bodyPr>
-          <a:p>
-            <a:endParaRPr b="0" lang="en-US" sz="3200" spc="-1" strike="noStrike">
-              <a:solidFill>
-                <a:srgbClr val="000000"/>
-              </a:solidFill>
-              <a:uFill>
-                <a:solidFill>
-                  <a:srgbClr val="ffffff"/>
+          <a:lstStyle/>
+          <a:p>
+            <a:endParaRPr lang="en-US" sz="3200" b="0" strike="noStrike" spc="-1">
+              <a:solidFill>
+                <a:srgbClr val="000000"/>
+              </a:solidFill>
+              <a:uFill>
+                <a:solidFill>
+                  <a:srgbClr val="FFFFFF"/>
                 </a:solidFill>
               </a:uFill>
               <a:latin typeface="Arial"/>
@@ -2084,17 +2274,18 @@
           </a:prstGeom>
         </p:spPr>
         <p:txBody>
-          <a:bodyPr lIns="0" rIns="0" tIns="0" bIns="0">
+          <a:bodyPr lIns="0" tIns="0" rIns="0" bIns="0">
             <a:normAutofit/>
           </a:bodyPr>
-          <a:p>
-            <a:endParaRPr b="0" lang="en-US" sz="3200" spc="-1" strike="noStrike">
-              <a:solidFill>
-                <a:srgbClr val="000000"/>
-              </a:solidFill>
-              <a:uFill>
-                <a:solidFill>
-                  <a:srgbClr val="ffffff"/>
+          <a:lstStyle/>
+          <a:p>
+            <a:endParaRPr lang="en-US" sz="3200" b="0" strike="noStrike" spc="-1">
+              <a:solidFill>
+                <a:srgbClr val="000000"/>
+              </a:solidFill>
+              <a:uFill>
+                <a:solidFill>
+                  <a:srgbClr val="FFFFFF"/>
                 </a:solidFill>
               </a:uFill>
               <a:latin typeface="Arial"/>
@@ -2104,11 +2295,14 @@
       </p:sp>
     </p:spTree>
   </p:cSld>
+  <p:clrMapOvr>
+    <a:masterClrMapping/>
+  </p:clrMapOvr>
 </p:sldLayout>
 </file>
 
 <file path=ppt/slideLayouts/slideLayout24.xml><?xml version="1.0" encoding="utf-8"?>
-<p:sldLayout xmlns:a="http://schemas.openxmlformats.org/drawingml/2006/main" xmlns:p="http://schemas.openxmlformats.org/presentationml/2006/main" xmlns:r="http://schemas.openxmlformats.org/officeDocument/2006/relationships" xmlns:p14="http://schemas.microsoft.com/office/powerpoint/2010/main" xmlns:p15="http://schemas.microsoft.com/office/powerpoint/2012/main" xmlns:mc="http://schemas.openxmlformats.org/markup-compatibility/2006" type="blank" preserve="1">
+<p:sldLayout xmlns:a="http://schemas.openxmlformats.org/drawingml/2006/main" xmlns:r="http://schemas.openxmlformats.org/officeDocument/2006/relationships" xmlns:p="http://schemas.openxmlformats.org/presentationml/2006/main" type="blank" preserve="1">
   <p:cSld name="Title, 6 Content">
     <p:spTree>
       <p:nvGrpSpPr>
@@ -2144,16 +2338,17 @@
           </a:prstGeom>
         </p:spPr>
         <p:txBody>
-          <a:bodyPr lIns="0" rIns="0" tIns="0" bIns="0" anchor="ctr"/>
+          <a:bodyPr lIns="0" tIns="0" rIns="0" bIns="0" anchor="ctr"/>
+          <a:lstStyle/>
           <a:p>
             <a:pPr algn="ctr"/>
-            <a:endParaRPr b="0" lang="en-US" sz="4400" spc="-1" strike="noStrike">
-              <a:solidFill>
-                <a:srgbClr val="000000"/>
-              </a:solidFill>
-              <a:uFill>
-                <a:solidFill>
-                  <a:srgbClr val="ffffff"/>
+            <a:endParaRPr lang="en-US" sz="4400" b="0" strike="noStrike" spc="-1">
+              <a:solidFill>
+                <a:srgbClr val="000000"/>
+              </a:solidFill>
+              <a:uFill>
+                <a:solidFill>
+                  <a:srgbClr val="FFFFFF"/>
                 </a:solidFill>
               </a:uFill>
               <a:latin typeface="Arial"/>
@@ -2181,17 +2376,18 @@
           </a:prstGeom>
         </p:spPr>
         <p:txBody>
-          <a:bodyPr lIns="0" rIns="0" tIns="0" bIns="0">
+          <a:bodyPr lIns="0" tIns="0" rIns="0" bIns="0">
             <a:normAutofit/>
           </a:bodyPr>
-          <a:p>
-            <a:endParaRPr b="0" lang="en-US" sz="3200" spc="-1" strike="noStrike">
-              <a:solidFill>
-                <a:srgbClr val="000000"/>
-              </a:solidFill>
-              <a:uFill>
-                <a:solidFill>
-                  <a:srgbClr val="ffffff"/>
+          <a:lstStyle/>
+          <a:p>
+            <a:endParaRPr lang="en-US" sz="3200" b="0" strike="noStrike" spc="-1">
+              <a:solidFill>
+                <a:srgbClr val="000000"/>
+              </a:solidFill>
+              <a:uFill>
+                <a:solidFill>
+                  <a:srgbClr val="FFFFFF"/>
                 </a:solidFill>
               </a:uFill>
               <a:latin typeface="Arial"/>
@@ -2219,17 +2415,18 @@
           </a:prstGeom>
         </p:spPr>
         <p:txBody>
-          <a:bodyPr lIns="0" rIns="0" tIns="0" bIns="0">
+          <a:bodyPr lIns="0" tIns="0" rIns="0" bIns="0">
             <a:normAutofit/>
           </a:bodyPr>
-          <a:p>
-            <a:endParaRPr b="0" lang="en-US" sz="3200" spc="-1" strike="noStrike">
-              <a:solidFill>
-                <a:srgbClr val="000000"/>
-              </a:solidFill>
-              <a:uFill>
-                <a:solidFill>
-                  <a:srgbClr val="ffffff"/>
+          <a:lstStyle/>
+          <a:p>
+            <a:endParaRPr lang="en-US" sz="3200" b="0" strike="noStrike" spc="-1">
+              <a:solidFill>
+                <a:srgbClr val="000000"/>
+              </a:solidFill>
+              <a:uFill>
+                <a:solidFill>
+                  <a:srgbClr val="FFFFFF"/>
                 </a:solidFill>
               </a:uFill>
               <a:latin typeface="Arial"/>
@@ -2257,17 +2454,18 @@
           </a:prstGeom>
         </p:spPr>
         <p:txBody>
-          <a:bodyPr lIns="0" rIns="0" tIns="0" bIns="0">
+          <a:bodyPr lIns="0" tIns="0" rIns="0" bIns="0">
             <a:normAutofit/>
           </a:bodyPr>
-          <a:p>
-            <a:endParaRPr b="0" lang="en-US" sz="3200" spc="-1" strike="noStrike">
-              <a:solidFill>
-                <a:srgbClr val="000000"/>
-              </a:solidFill>
-              <a:uFill>
-                <a:solidFill>
-                  <a:srgbClr val="ffffff"/>
+          <a:lstStyle/>
+          <a:p>
+            <a:endParaRPr lang="en-US" sz="3200" b="0" strike="noStrike" spc="-1">
+              <a:solidFill>
+                <a:srgbClr val="000000"/>
+              </a:solidFill>
+              <a:uFill>
+                <a:solidFill>
+                  <a:srgbClr val="FFFFFF"/>
                 </a:solidFill>
               </a:uFill>
               <a:latin typeface="Arial"/>
@@ -2295,17 +2493,18 @@
           </a:prstGeom>
         </p:spPr>
         <p:txBody>
-          <a:bodyPr lIns="0" rIns="0" tIns="0" bIns="0">
+          <a:bodyPr lIns="0" tIns="0" rIns="0" bIns="0">
             <a:normAutofit/>
           </a:bodyPr>
-          <a:p>
-            <a:endParaRPr b="0" lang="en-US" sz="3200" spc="-1" strike="noStrike">
-              <a:solidFill>
-                <a:srgbClr val="000000"/>
-              </a:solidFill>
-              <a:uFill>
-                <a:solidFill>
-                  <a:srgbClr val="ffffff"/>
+          <a:lstStyle/>
+          <a:p>
+            <a:endParaRPr lang="en-US" sz="3200" b="0" strike="noStrike" spc="-1">
+              <a:solidFill>
+                <a:srgbClr val="000000"/>
+              </a:solidFill>
+              <a:uFill>
+                <a:solidFill>
+                  <a:srgbClr val="FFFFFF"/>
                 </a:solidFill>
               </a:uFill>
               <a:latin typeface="Arial"/>
@@ -2333,17 +2532,18 @@
           </a:prstGeom>
         </p:spPr>
         <p:txBody>
-          <a:bodyPr lIns="0" rIns="0" tIns="0" bIns="0">
+          <a:bodyPr lIns="0" tIns="0" rIns="0" bIns="0">
             <a:normAutofit/>
           </a:bodyPr>
-          <a:p>
-            <a:endParaRPr b="0" lang="en-US" sz="3200" spc="-1" strike="noStrike">
-              <a:solidFill>
-                <a:srgbClr val="000000"/>
-              </a:solidFill>
-              <a:uFill>
-                <a:solidFill>
-                  <a:srgbClr val="ffffff"/>
+          <a:lstStyle/>
+          <a:p>
+            <a:endParaRPr lang="en-US" sz="3200" b="0" strike="noStrike" spc="-1">
+              <a:solidFill>
+                <a:srgbClr val="000000"/>
+              </a:solidFill>
+              <a:uFill>
+                <a:solidFill>
+                  <a:srgbClr val="FFFFFF"/>
                 </a:solidFill>
               </a:uFill>
               <a:latin typeface="Arial"/>
@@ -2371,17 +2571,18 @@
           </a:prstGeom>
         </p:spPr>
         <p:txBody>
-          <a:bodyPr lIns="0" rIns="0" tIns="0" bIns="0">
+          <a:bodyPr lIns="0" tIns="0" rIns="0" bIns="0">
             <a:normAutofit/>
           </a:bodyPr>
-          <a:p>
-            <a:endParaRPr b="0" lang="en-US" sz="3200" spc="-1" strike="noStrike">
-              <a:solidFill>
-                <a:srgbClr val="000000"/>
-              </a:solidFill>
-              <a:uFill>
-                <a:solidFill>
-                  <a:srgbClr val="ffffff"/>
+          <a:lstStyle/>
+          <a:p>
+            <a:endParaRPr lang="en-US" sz="3200" b="0" strike="noStrike" spc="-1">
+              <a:solidFill>
+                <a:srgbClr val="000000"/>
+              </a:solidFill>
+              <a:uFill>
+                <a:solidFill>
+                  <a:srgbClr val="FFFFFF"/>
                 </a:solidFill>
               </a:uFill>
               <a:latin typeface="Arial"/>
@@ -2391,11 +2592,14 @@
       </p:sp>
     </p:spTree>
   </p:cSld>
+  <p:clrMapOvr>
+    <a:masterClrMapping/>
+  </p:clrMapOvr>
 </p:sldLayout>
 </file>
 
 <file path=ppt/slideLayouts/slideLayout3.xml><?xml version="1.0" encoding="utf-8"?>
-<p:sldLayout xmlns:a="http://schemas.openxmlformats.org/drawingml/2006/main" xmlns:p="http://schemas.openxmlformats.org/presentationml/2006/main" xmlns:r="http://schemas.openxmlformats.org/officeDocument/2006/relationships" xmlns:p14="http://schemas.microsoft.com/office/powerpoint/2010/main" xmlns:p15="http://schemas.microsoft.com/office/powerpoint/2012/main" xmlns:mc="http://schemas.openxmlformats.org/markup-compatibility/2006" type="obj" preserve="1">
+<p:sldLayout xmlns:a="http://schemas.openxmlformats.org/drawingml/2006/main" xmlns:r="http://schemas.openxmlformats.org/officeDocument/2006/relationships" xmlns:p="http://schemas.openxmlformats.org/presentationml/2006/main" type="obj" preserve="1">
   <p:cSld name="Title, Content">
     <p:spTree>
       <p:nvGrpSpPr>
@@ -2431,16 +2635,17 @@
           </a:prstGeom>
         </p:spPr>
         <p:txBody>
-          <a:bodyPr lIns="0" rIns="0" tIns="0" bIns="0" anchor="ctr"/>
+          <a:bodyPr lIns="0" tIns="0" rIns="0" bIns="0" anchor="ctr"/>
+          <a:lstStyle/>
           <a:p>
             <a:pPr algn="ctr"/>
-            <a:endParaRPr b="0" lang="en-US" sz="4400" spc="-1" strike="noStrike">
-              <a:solidFill>
-                <a:srgbClr val="000000"/>
-              </a:solidFill>
-              <a:uFill>
-                <a:solidFill>
-                  <a:srgbClr val="ffffff"/>
+            <a:endParaRPr lang="en-US" sz="4400" b="0" strike="noStrike" spc="-1">
+              <a:solidFill>
+                <a:srgbClr val="000000"/>
+              </a:solidFill>
+              <a:uFill>
+                <a:solidFill>
+                  <a:srgbClr val="FFFFFF"/>
                 </a:solidFill>
               </a:uFill>
               <a:latin typeface="Arial"/>
@@ -2468,17 +2673,18 @@
           </a:prstGeom>
         </p:spPr>
         <p:txBody>
-          <a:bodyPr lIns="0" rIns="0" tIns="0" bIns="0">
+          <a:bodyPr lIns="0" tIns="0" rIns="0" bIns="0">
             <a:normAutofit/>
           </a:bodyPr>
-          <a:p>
-            <a:endParaRPr b="0" lang="en-US" sz="3200" spc="-1" strike="noStrike">
-              <a:solidFill>
-                <a:srgbClr val="000000"/>
-              </a:solidFill>
-              <a:uFill>
-                <a:solidFill>
-                  <a:srgbClr val="ffffff"/>
+          <a:lstStyle/>
+          <a:p>
+            <a:endParaRPr lang="en-US" sz="3200" b="0" strike="noStrike" spc="-1">
+              <a:solidFill>
+                <a:srgbClr val="000000"/>
+              </a:solidFill>
+              <a:uFill>
+                <a:solidFill>
+                  <a:srgbClr val="FFFFFF"/>
                 </a:solidFill>
               </a:uFill>
               <a:latin typeface="Arial"/>
@@ -2488,11 +2694,14 @@
       </p:sp>
     </p:spTree>
   </p:cSld>
+  <p:clrMapOvr>
+    <a:masterClrMapping/>
+  </p:clrMapOvr>
 </p:sldLayout>
 </file>
 
 <file path=ppt/slideLayouts/slideLayout4.xml><?xml version="1.0" encoding="utf-8"?>
-<p:sldLayout xmlns:a="http://schemas.openxmlformats.org/drawingml/2006/main" xmlns:p="http://schemas.openxmlformats.org/presentationml/2006/main" xmlns:r="http://schemas.openxmlformats.org/officeDocument/2006/relationships" xmlns:p14="http://schemas.microsoft.com/office/powerpoint/2010/main" xmlns:p15="http://schemas.microsoft.com/office/powerpoint/2012/main" xmlns:mc="http://schemas.openxmlformats.org/markup-compatibility/2006" type="twoObj" preserve="1">
+<p:sldLayout xmlns:a="http://schemas.openxmlformats.org/drawingml/2006/main" xmlns:r="http://schemas.openxmlformats.org/officeDocument/2006/relationships" xmlns:p="http://schemas.openxmlformats.org/presentationml/2006/main" type="twoObj" preserve="1">
   <p:cSld name="Title, 2 Content">
     <p:spTree>
       <p:nvGrpSpPr>
@@ -2528,16 +2737,17 @@
           </a:prstGeom>
         </p:spPr>
         <p:txBody>
-          <a:bodyPr lIns="0" rIns="0" tIns="0" bIns="0" anchor="ctr"/>
+          <a:bodyPr lIns="0" tIns="0" rIns="0" bIns="0" anchor="ctr"/>
+          <a:lstStyle/>
           <a:p>
             <a:pPr algn="ctr"/>
-            <a:endParaRPr b="0" lang="en-US" sz="4400" spc="-1" strike="noStrike">
-              <a:solidFill>
-                <a:srgbClr val="000000"/>
-              </a:solidFill>
-              <a:uFill>
-                <a:solidFill>
-                  <a:srgbClr val="ffffff"/>
+            <a:endParaRPr lang="en-US" sz="4400" b="0" strike="noStrike" spc="-1">
+              <a:solidFill>
+                <a:srgbClr val="000000"/>
+              </a:solidFill>
+              <a:uFill>
+                <a:solidFill>
+                  <a:srgbClr val="FFFFFF"/>
                 </a:solidFill>
               </a:uFill>
               <a:latin typeface="Arial"/>
@@ -2565,17 +2775,18 @@
           </a:prstGeom>
         </p:spPr>
         <p:txBody>
-          <a:bodyPr lIns="0" rIns="0" tIns="0" bIns="0">
+          <a:bodyPr lIns="0" tIns="0" rIns="0" bIns="0">
             <a:normAutofit/>
           </a:bodyPr>
-          <a:p>
-            <a:endParaRPr b="0" lang="en-US" sz="3200" spc="-1" strike="noStrike">
-              <a:solidFill>
-                <a:srgbClr val="000000"/>
-              </a:solidFill>
-              <a:uFill>
-                <a:solidFill>
-                  <a:srgbClr val="ffffff"/>
+          <a:lstStyle/>
+          <a:p>
+            <a:endParaRPr lang="en-US" sz="3200" b="0" strike="noStrike" spc="-1">
+              <a:solidFill>
+                <a:srgbClr val="000000"/>
+              </a:solidFill>
+              <a:uFill>
+                <a:solidFill>
+                  <a:srgbClr val="FFFFFF"/>
                 </a:solidFill>
               </a:uFill>
               <a:latin typeface="Arial"/>
@@ -2603,17 +2814,18 @@
           </a:prstGeom>
         </p:spPr>
         <p:txBody>
-          <a:bodyPr lIns="0" rIns="0" tIns="0" bIns="0">
+          <a:bodyPr lIns="0" tIns="0" rIns="0" bIns="0">
             <a:normAutofit/>
           </a:bodyPr>
-          <a:p>
-            <a:endParaRPr b="0" lang="en-US" sz="3200" spc="-1" strike="noStrike">
-              <a:solidFill>
-                <a:srgbClr val="000000"/>
-              </a:solidFill>
-              <a:uFill>
-                <a:solidFill>
-                  <a:srgbClr val="ffffff"/>
+          <a:lstStyle/>
+          <a:p>
+            <a:endParaRPr lang="en-US" sz="3200" b="0" strike="noStrike" spc="-1">
+              <a:solidFill>
+                <a:srgbClr val="000000"/>
+              </a:solidFill>
+              <a:uFill>
+                <a:solidFill>
+                  <a:srgbClr val="FFFFFF"/>
                 </a:solidFill>
               </a:uFill>
               <a:latin typeface="Arial"/>
@@ -2623,11 +2835,14 @@
       </p:sp>
     </p:spTree>
   </p:cSld>
+  <p:clrMapOvr>
+    <a:masterClrMapping/>
+  </p:clrMapOvr>
 </p:sldLayout>
 </file>
 
 <file path=ppt/slideLayouts/slideLayout5.xml><?xml version="1.0" encoding="utf-8"?>
-<p:sldLayout xmlns:a="http://schemas.openxmlformats.org/drawingml/2006/main" xmlns:p="http://schemas.openxmlformats.org/presentationml/2006/main" xmlns:r="http://schemas.openxmlformats.org/officeDocument/2006/relationships" xmlns:p14="http://schemas.microsoft.com/office/powerpoint/2010/main" xmlns:p15="http://schemas.microsoft.com/office/powerpoint/2012/main" xmlns:mc="http://schemas.openxmlformats.org/markup-compatibility/2006" type="titleOnly" preserve="1">
+<p:sldLayout xmlns:a="http://schemas.openxmlformats.org/drawingml/2006/main" xmlns:r="http://schemas.openxmlformats.org/officeDocument/2006/relationships" xmlns:p="http://schemas.openxmlformats.org/presentationml/2006/main" type="titleOnly" preserve="1">
   <p:cSld name="Title Only">
     <p:spTree>
       <p:nvGrpSpPr>
@@ -2663,16 +2878,17 @@
           </a:prstGeom>
         </p:spPr>
         <p:txBody>
-          <a:bodyPr lIns="0" rIns="0" tIns="0" bIns="0" anchor="ctr"/>
+          <a:bodyPr lIns="0" tIns="0" rIns="0" bIns="0" anchor="ctr"/>
+          <a:lstStyle/>
           <a:p>
             <a:pPr algn="ctr"/>
-            <a:endParaRPr b="0" lang="en-US" sz="4400" spc="-1" strike="noStrike">
-              <a:solidFill>
-                <a:srgbClr val="000000"/>
-              </a:solidFill>
-              <a:uFill>
-                <a:solidFill>
-                  <a:srgbClr val="ffffff"/>
+            <a:endParaRPr lang="en-US" sz="4400" b="0" strike="noStrike" spc="-1">
+              <a:solidFill>
+                <a:srgbClr val="000000"/>
+              </a:solidFill>
+              <a:uFill>
+                <a:solidFill>
+                  <a:srgbClr val="FFFFFF"/>
                 </a:solidFill>
               </a:uFill>
               <a:latin typeface="Arial"/>
@@ -2682,11 +2898,14 @@
       </p:sp>
     </p:spTree>
   </p:cSld>
+  <p:clrMapOvr>
+    <a:masterClrMapping/>
+  </p:clrMapOvr>
 </p:sldLayout>
 </file>
 
 <file path=ppt/slideLayouts/slideLayout6.xml><?xml version="1.0" encoding="utf-8"?>
-<p:sldLayout xmlns:a="http://schemas.openxmlformats.org/drawingml/2006/main" xmlns:p="http://schemas.openxmlformats.org/presentationml/2006/main" xmlns:r="http://schemas.openxmlformats.org/officeDocument/2006/relationships" xmlns:p14="http://schemas.microsoft.com/office/powerpoint/2010/main" xmlns:p15="http://schemas.microsoft.com/office/powerpoint/2012/main" xmlns:mc="http://schemas.openxmlformats.org/markup-compatibility/2006" type="objOnly" preserve="1">
+<p:sldLayout xmlns:a="http://schemas.openxmlformats.org/drawingml/2006/main" xmlns:r="http://schemas.openxmlformats.org/officeDocument/2006/relationships" xmlns:p="http://schemas.openxmlformats.org/presentationml/2006/main" type="objOnly" preserve="1">
   <p:cSld name="Centered Text">
     <p:spTree>
       <p:nvGrpSpPr>
@@ -2722,16 +2941,17 @@
           </a:prstGeom>
         </p:spPr>
         <p:txBody>
-          <a:bodyPr lIns="0" rIns="0" tIns="0" bIns="0" anchor="ctr"/>
+          <a:bodyPr lIns="0" tIns="0" rIns="0" bIns="0" anchor="ctr"/>
+          <a:lstStyle/>
           <a:p>
             <a:pPr algn="ctr"/>
-            <a:endParaRPr b="0" lang="en-US" sz="3200" spc="-1" strike="noStrike">
-              <a:solidFill>
-                <a:srgbClr val="000000"/>
-              </a:solidFill>
-              <a:uFill>
-                <a:solidFill>
-                  <a:srgbClr val="ffffff"/>
+            <a:endParaRPr lang="en-US" sz="3200" b="0" strike="noStrike" spc="-1">
+              <a:solidFill>
+                <a:srgbClr val="000000"/>
+              </a:solidFill>
+              <a:uFill>
+                <a:solidFill>
+                  <a:srgbClr val="FFFFFF"/>
                 </a:solidFill>
               </a:uFill>
               <a:latin typeface="Arial"/>
@@ -2741,11 +2961,14 @@
       </p:sp>
     </p:spTree>
   </p:cSld>
+  <p:clrMapOvr>
+    <a:masterClrMapping/>
+  </p:clrMapOvr>
 </p:sldLayout>
 </file>
 
 <file path=ppt/slideLayouts/slideLayout7.xml><?xml version="1.0" encoding="utf-8"?>
-<p:sldLayout xmlns:a="http://schemas.openxmlformats.org/drawingml/2006/main" xmlns:p="http://schemas.openxmlformats.org/presentationml/2006/main" xmlns:r="http://schemas.openxmlformats.org/officeDocument/2006/relationships" xmlns:p14="http://schemas.microsoft.com/office/powerpoint/2010/main" xmlns:p15="http://schemas.microsoft.com/office/powerpoint/2012/main" xmlns:mc="http://schemas.openxmlformats.org/markup-compatibility/2006" type="twoObjAndObj" preserve="1">
+<p:sldLayout xmlns:a="http://schemas.openxmlformats.org/drawingml/2006/main" xmlns:r="http://schemas.openxmlformats.org/officeDocument/2006/relationships" xmlns:p="http://schemas.openxmlformats.org/presentationml/2006/main" type="twoObjAndObj" preserve="1">
   <p:cSld name="Title, 2 Content and Content">
     <p:spTree>
       <p:nvGrpSpPr>
@@ -2781,16 +3004,17 @@
           </a:prstGeom>
         </p:spPr>
         <p:txBody>
-          <a:bodyPr lIns="0" rIns="0" tIns="0" bIns="0" anchor="ctr"/>
+          <a:bodyPr lIns="0" tIns="0" rIns="0" bIns="0" anchor="ctr"/>
+          <a:lstStyle/>
           <a:p>
             <a:pPr algn="ctr"/>
-            <a:endParaRPr b="0" lang="en-US" sz="4400" spc="-1" strike="noStrike">
-              <a:solidFill>
-                <a:srgbClr val="000000"/>
-              </a:solidFill>
-              <a:uFill>
-                <a:solidFill>
-                  <a:srgbClr val="ffffff"/>
+            <a:endParaRPr lang="en-US" sz="4400" b="0" strike="noStrike" spc="-1">
+              <a:solidFill>
+                <a:srgbClr val="000000"/>
+              </a:solidFill>
+              <a:uFill>
+                <a:solidFill>
+                  <a:srgbClr val="FFFFFF"/>
                 </a:solidFill>
               </a:uFill>
               <a:latin typeface="Arial"/>
@@ -2818,17 +3042,18 @@
           </a:prstGeom>
         </p:spPr>
         <p:txBody>
-          <a:bodyPr lIns="0" rIns="0" tIns="0" bIns="0">
+          <a:bodyPr lIns="0" tIns="0" rIns="0" bIns="0">
             <a:normAutofit/>
           </a:bodyPr>
-          <a:p>
-            <a:endParaRPr b="0" lang="en-US" sz="3200" spc="-1" strike="noStrike">
-              <a:solidFill>
-                <a:srgbClr val="000000"/>
-              </a:solidFill>
-              <a:uFill>
-                <a:solidFill>
-                  <a:srgbClr val="ffffff"/>
+          <a:lstStyle/>
+          <a:p>
+            <a:endParaRPr lang="en-US" sz="3200" b="0" strike="noStrike" spc="-1">
+              <a:solidFill>
+                <a:srgbClr val="000000"/>
+              </a:solidFill>
+              <a:uFill>
+                <a:solidFill>
+                  <a:srgbClr val="FFFFFF"/>
                 </a:solidFill>
               </a:uFill>
               <a:latin typeface="Arial"/>
@@ -2856,17 +3081,18 @@
           </a:prstGeom>
         </p:spPr>
         <p:txBody>
-          <a:bodyPr lIns="0" rIns="0" tIns="0" bIns="0">
+          <a:bodyPr lIns="0" tIns="0" rIns="0" bIns="0">
             <a:normAutofit/>
           </a:bodyPr>
-          <a:p>
-            <a:endParaRPr b="0" lang="en-US" sz="3200" spc="-1" strike="noStrike">
-              <a:solidFill>
-                <a:srgbClr val="000000"/>
-              </a:solidFill>
-              <a:uFill>
-                <a:solidFill>
-                  <a:srgbClr val="ffffff"/>
+          <a:lstStyle/>
+          <a:p>
+            <a:endParaRPr lang="en-US" sz="3200" b="0" strike="noStrike" spc="-1">
+              <a:solidFill>
+                <a:srgbClr val="000000"/>
+              </a:solidFill>
+              <a:uFill>
+                <a:solidFill>
+                  <a:srgbClr val="FFFFFF"/>
                 </a:solidFill>
               </a:uFill>
               <a:latin typeface="Arial"/>
@@ -2894,17 +3120,18 @@
           </a:prstGeom>
         </p:spPr>
         <p:txBody>
-          <a:bodyPr lIns="0" rIns="0" tIns="0" bIns="0">
+          <a:bodyPr lIns="0" tIns="0" rIns="0" bIns="0">
             <a:normAutofit/>
           </a:bodyPr>
-          <a:p>
-            <a:endParaRPr b="0" lang="en-US" sz="3200" spc="-1" strike="noStrike">
-              <a:solidFill>
-                <a:srgbClr val="000000"/>
-              </a:solidFill>
-              <a:uFill>
-                <a:solidFill>
-                  <a:srgbClr val="ffffff"/>
+          <a:lstStyle/>
+          <a:p>
+            <a:endParaRPr lang="en-US" sz="3200" b="0" strike="noStrike" spc="-1">
+              <a:solidFill>
+                <a:srgbClr val="000000"/>
+              </a:solidFill>
+              <a:uFill>
+                <a:solidFill>
+                  <a:srgbClr val="FFFFFF"/>
                 </a:solidFill>
               </a:uFill>
               <a:latin typeface="Arial"/>
@@ -2914,11 +3141,14 @@
       </p:sp>
     </p:spTree>
   </p:cSld>
+  <p:clrMapOvr>
+    <a:masterClrMapping/>
+  </p:clrMapOvr>
 </p:sldLayout>
 </file>
 
 <file path=ppt/slideLayouts/slideLayout8.xml><?xml version="1.0" encoding="utf-8"?>
-<p:sldLayout xmlns:a="http://schemas.openxmlformats.org/drawingml/2006/main" xmlns:p="http://schemas.openxmlformats.org/presentationml/2006/main" xmlns:r="http://schemas.openxmlformats.org/officeDocument/2006/relationships" xmlns:p14="http://schemas.microsoft.com/office/powerpoint/2010/main" xmlns:p15="http://schemas.microsoft.com/office/powerpoint/2012/main" xmlns:mc="http://schemas.openxmlformats.org/markup-compatibility/2006" type="objAndTwoObj" preserve="1">
+<p:sldLayout xmlns:a="http://schemas.openxmlformats.org/drawingml/2006/main" xmlns:r="http://schemas.openxmlformats.org/officeDocument/2006/relationships" xmlns:p="http://schemas.openxmlformats.org/presentationml/2006/main" type="objAndTwoObj" preserve="1">
   <p:cSld name="Title Content and 2 Content">
     <p:spTree>
       <p:nvGrpSpPr>
@@ -2954,16 +3184,17 @@
           </a:prstGeom>
         </p:spPr>
         <p:txBody>
-          <a:bodyPr lIns="0" rIns="0" tIns="0" bIns="0" anchor="ctr"/>
+          <a:bodyPr lIns="0" tIns="0" rIns="0" bIns="0" anchor="ctr"/>
+          <a:lstStyle/>
           <a:p>
             <a:pPr algn="ctr"/>
-            <a:endParaRPr b="0" lang="en-US" sz="4400" spc="-1" strike="noStrike">
-              <a:solidFill>
-                <a:srgbClr val="000000"/>
-              </a:solidFill>
-              <a:uFill>
-                <a:solidFill>
-                  <a:srgbClr val="ffffff"/>
+            <a:endParaRPr lang="en-US" sz="4400" b="0" strike="noStrike" spc="-1">
+              <a:solidFill>
+                <a:srgbClr val="000000"/>
+              </a:solidFill>
+              <a:uFill>
+                <a:solidFill>
+                  <a:srgbClr val="FFFFFF"/>
                 </a:solidFill>
               </a:uFill>
               <a:latin typeface="Arial"/>
@@ -2991,17 +3222,18 @@
           </a:prstGeom>
         </p:spPr>
         <p:txBody>
-          <a:bodyPr lIns="0" rIns="0" tIns="0" bIns="0">
+          <a:bodyPr lIns="0" tIns="0" rIns="0" bIns="0">
             <a:normAutofit/>
           </a:bodyPr>
-          <a:p>
-            <a:endParaRPr b="0" lang="en-US" sz="3200" spc="-1" strike="noStrike">
-              <a:solidFill>
-                <a:srgbClr val="000000"/>
-              </a:solidFill>
-              <a:uFill>
-                <a:solidFill>
-                  <a:srgbClr val="ffffff"/>
+          <a:lstStyle/>
+          <a:p>
+            <a:endParaRPr lang="en-US" sz="3200" b="0" strike="noStrike" spc="-1">
+              <a:solidFill>
+                <a:srgbClr val="000000"/>
+              </a:solidFill>
+              <a:uFill>
+                <a:solidFill>
+                  <a:srgbClr val="FFFFFF"/>
                 </a:solidFill>
               </a:uFill>
               <a:latin typeface="Arial"/>
@@ -3029,17 +3261,18 @@
           </a:prstGeom>
         </p:spPr>
         <p:txBody>
-          <a:bodyPr lIns="0" rIns="0" tIns="0" bIns="0">
+          <a:bodyPr lIns="0" tIns="0" rIns="0" bIns="0">
             <a:normAutofit/>
           </a:bodyPr>
-          <a:p>
-            <a:endParaRPr b="0" lang="en-US" sz="3200" spc="-1" strike="noStrike">
-              <a:solidFill>
-                <a:srgbClr val="000000"/>
-              </a:solidFill>
-              <a:uFill>
-                <a:solidFill>
-                  <a:srgbClr val="ffffff"/>
+          <a:lstStyle/>
+          <a:p>
+            <a:endParaRPr lang="en-US" sz="3200" b="0" strike="noStrike" spc="-1">
+              <a:solidFill>
+                <a:srgbClr val="000000"/>
+              </a:solidFill>
+              <a:uFill>
+                <a:solidFill>
+                  <a:srgbClr val="FFFFFF"/>
                 </a:solidFill>
               </a:uFill>
               <a:latin typeface="Arial"/>
@@ -3067,17 +3300,18 @@
           </a:prstGeom>
         </p:spPr>
         <p:txBody>
-          <a:bodyPr lIns="0" rIns="0" tIns="0" bIns="0">
+          <a:bodyPr lIns="0" tIns="0" rIns="0" bIns="0">
             <a:normAutofit/>
           </a:bodyPr>
-          <a:p>
-            <a:endParaRPr b="0" lang="en-US" sz="3200" spc="-1" strike="noStrike">
-              <a:solidFill>
-                <a:srgbClr val="000000"/>
-              </a:solidFill>
-              <a:uFill>
-                <a:solidFill>
-                  <a:srgbClr val="ffffff"/>
+          <a:lstStyle/>
+          <a:p>
+            <a:endParaRPr lang="en-US" sz="3200" b="0" strike="noStrike" spc="-1">
+              <a:solidFill>
+                <a:srgbClr val="000000"/>
+              </a:solidFill>
+              <a:uFill>
+                <a:solidFill>
+                  <a:srgbClr val="FFFFFF"/>
                 </a:solidFill>
               </a:uFill>
               <a:latin typeface="Arial"/>
@@ -3087,11 +3321,14 @@
       </p:sp>
     </p:spTree>
   </p:cSld>
+  <p:clrMapOvr>
+    <a:masterClrMapping/>
+  </p:clrMapOvr>
 </p:sldLayout>
 </file>
 
 <file path=ppt/slideLayouts/slideLayout9.xml><?xml version="1.0" encoding="utf-8"?>
-<p:sldLayout xmlns:a="http://schemas.openxmlformats.org/drawingml/2006/main" xmlns:p="http://schemas.openxmlformats.org/presentationml/2006/main" xmlns:r="http://schemas.openxmlformats.org/officeDocument/2006/relationships" xmlns:p14="http://schemas.microsoft.com/office/powerpoint/2010/main" xmlns:p15="http://schemas.microsoft.com/office/powerpoint/2012/main" xmlns:mc="http://schemas.openxmlformats.org/markup-compatibility/2006" type="twoObjOverTx" preserve="1">
+<p:sldLayout xmlns:a="http://schemas.openxmlformats.org/drawingml/2006/main" xmlns:r="http://schemas.openxmlformats.org/officeDocument/2006/relationships" xmlns:p="http://schemas.openxmlformats.org/presentationml/2006/main" type="twoObjOverTx" preserve="1">
   <p:cSld name="Title, 2 Content over Content">
     <p:spTree>
       <p:nvGrpSpPr>
@@ -3127,16 +3364,17 @@
           </a:prstGeom>
         </p:spPr>
         <p:txBody>
-          <a:bodyPr lIns="0" rIns="0" tIns="0" bIns="0" anchor="ctr"/>
+          <a:bodyPr lIns="0" tIns="0" rIns="0" bIns="0" anchor="ctr"/>
+          <a:lstStyle/>
           <a:p>
             <a:pPr algn="ctr"/>
-            <a:endParaRPr b="0" lang="en-US" sz="4400" spc="-1" strike="noStrike">
-              <a:solidFill>
-                <a:srgbClr val="000000"/>
-              </a:solidFill>
-              <a:uFill>
-                <a:solidFill>
-                  <a:srgbClr val="ffffff"/>
+            <a:endParaRPr lang="en-US" sz="4400" b="0" strike="noStrike" spc="-1">
+              <a:solidFill>
+                <a:srgbClr val="000000"/>
+              </a:solidFill>
+              <a:uFill>
+                <a:solidFill>
+                  <a:srgbClr val="FFFFFF"/>
                 </a:solidFill>
               </a:uFill>
               <a:latin typeface="Arial"/>
@@ -3164,17 +3402,18 @@
           </a:prstGeom>
         </p:spPr>
         <p:txBody>
-          <a:bodyPr lIns="0" rIns="0" tIns="0" bIns="0">
+          <a:bodyPr lIns="0" tIns="0" rIns="0" bIns="0">
             <a:normAutofit/>
           </a:bodyPr>
-          <a:p>
-            <a:endParaRPr b="0" lang="en-US" sz="3200" spc="-1" strike="noStrike">
-              <a:solidFill>
-                <a:srgbClr val="000000"/>
-              </a:solidFill>
-              <a:uFill>
-                <a:solidFill>
-                  <a:srgbClr val="ffffff"/>
+          <a:lstStyle/>
+          <a:p>
+            <a:endParaRPr lang="en-US" sz="3200" b="0" strike="noStrike" spc="-1">
+              <a:solidFill>
+                <a:srgbClr val="000000"/>
+              </a:solidFill>
+              <a:uFill>
+                <a:solidFill>
+                  <a:srgbClr val="FFFFFF"/>
                 </a:solidFill>
               </a:uFill>
               <a:latin typeface="Arial"/>
@@ -3202,17 +3441,18 @@
           </a:prstGeom>
         </p:spPr>
         <p:txBody>
-          <a:bodyPr lIns="0" rIns="0" tIns="0" bIns="0">
+          <a:bodyPr lIns="0" tIns="0" rIns="0" bIns="0">
             <a:normAutofit/>
           </a:bodyPr>
-          <a:p>
-            <a:endParaRPr b="0" lang="en-US" sz="3200" spc="-1" strike="noStrike">
-              <a:solidFill>
-                <a:srgbClr val="000000"/>
-              </a:solidFill>
-              <a:uFill>
-                <a:solidFill>
-                  <a:srgbClr val="ffffff"/>
+          <a:lstStyle/>
+          <a:p>
+            <a:endParaRPr lang="en-US" sz="3200" b="0" strike="noStrike" spc="-1">
+              <a:solidFill>
+                <a:srgbClr val="000000"/>
+              </a:solidFill>
+              <a:uFill>
+                <a:solidFill>
+                  <a:srgbClr val="FFFFFF"/>
                 </a:solidFill>
               </a:uFill>
               <a:latin typeface="Arial"/>
@@ -3240,17 +3480,18 @@
           </a:prstGeom>
         </p:spPr>
         <p:txBody>
-          <a:bodyPr lIns="0" rIns="0" tIns="0" bIns="0">
+          <a:bodyPr lIns="0" tIns="0" rIns="0" bIns="0">
             <a:normAutofit/>
           </a:bodyPr>
-          <a:p>
-            <a:endParaRPr b="0" lang="en-US" sz="3200" spc="-1" strike="noStrike">
-              <a:solidFill>
-                <a:srgbClr val="000000"/>
-              </a:solidFill>
-              <a:uFill>
-                <a:solidFill>
-                  <a:srgbClr val="ffffff"/>
+          <a:lstStyle/>
+          <a:p>
+            <a:endParaRPr lang="en-US" sz="3200" b="0" strike="noStrike" spc="-1">
+              <a:solidFill>
+                <a:srgbClr val="000000"/>
+              </a:solidFill>
+              <a:uFill>
+                <a:solidFill>
+                  <a:srgbClr val="FFFFFF"/>
                 </a:solidFill>
               </a:uFill>
               <a:latin typeface="Arial"/>
@@ -3260,17 +3501,21 @@
       </p:sp>
     </p:spTree>
   </p:cSld>
+  <p:clrMapOvr>
+    <a:masterClrMapping/>
+  </p:clrMapOvr>
 </p:sldLayout>
 </file>
 
 <file path=ppt/slideMasters/slideMaster1.xml><?xml version="1.0" encoding="utf-8"?>
-<p:sldMaster xmlns:a="http://schemas.openxmlformats.org/drawingml/2006/main" xmlns:p="http://schemas.openxmlformats.org/presentationml/2006/main" xmlns:r="http://schemas.openxmlformats.org/officeDocument/2006/relationships" xmlns:p14="http://schemas.microsoft.com/office/powerpoint/2010/main" xmlns:p15="http://schemas.microsoft.com/office/powerpoint/2012/main" xmlns:mc="http://schemas.openxmlformats.org/markup-compatibility/2006">
+<p:sldMaster xmlns:a="http://schemas.openxmlformats.org/drawingml/2006/main" xmlns:r="http://schemas.openxmlformats.org/officeDocument/2006/relationships" xmlns:p="http://schemas.openxmlformats.org/presentationml/2006/main">
   <p:cSld>
     <p:bg>
       <p:bgPr>
         <a:solidFill>
-          <a:srgbClr val="ffffff"/>
+          <a:srgbClr val="FFFFFF"/>
         </a:solidFill>
+        <a:effectLst/>
       </p:bgPr>
     </p:bg>
     <p:spTree>
@@ -3289,7 +3534,7 @@
       </p:grpSpPr>
       <p:sp>
         <p:nvSpPr>
-          <p:cNvPr id="0" name="PlaceHolder 1"/>
+          <p:cNvPr id="2" name="PlaceHolder 1"/>
           <p:cNvSpPr>
             <a:spLocks noGrp="1"/>
           </p:cNvSpPr>
@@ -3307,40 +3552,30 @@
           </a:prstGeom>
         </p:spPr>
         <p:txBody>
-          <a:bodyPr lIns="0" rIns="0" tIns="0" bIns="0" anchor="ctr"/>
+          <a:bodyPr lIns="0" tIns="0" rIns="0" bIns="0" anchor="ctr"/>
+          <a:lstStyle/>
           <a:p>
             <a:pPr algn="ctr"/>
             <a:r>
-              <a:rPr b="0" lang="en-US" sz="4400" spc="-1" strike="noStrike">
+              <a:rPr lang="en-US" sz="4400" b="0" strike="noStrike" spc="-1">
                 <a:solidFill>
                   <a:srgbClr val="000000"/>
                 </a:solidFill>
                 <a:uFill>
                   <a:solidFill>
-                    <a:srgbClr val="ffffff"/>
+                    <a:srgbClr val="FFFFFF"/>
                   </a:solidFill>
                 </a:uFill>
                 <a:latin typeface="Arial"/>
               </a:rPr>
               <a:t>Click to edit the title text format</a:t>
             </a:r>
-            <a:endParaRPr b="0" lang="en-US" sz="4400" spc="-1" strike="noStrike">
-              <a:solidFill>
-                <a:srgbClr val="000000"/>
-              </a:solidFill>
-              <a:uFill>
-                <a:solidFill>
-                  <a:srgbClr val="ffffff"/>
-                </a:solidFill>
-              </a:uFill>
-              <a:latin typeface="Arial"/>
-            </a:endParaRPr>
-          </a:p>
-        </p:txBody>
-      </p:sp>
-      <p:sp>
-        <p:nvSpPr>
-          <p:cNvPr id="1" name="PlaceHolder 2"/>
+          </a:p>
+        </p:txBody>
+      </p:sp>
+      <p:sp>
+        <p:nvSpPr>
+          <p:cNvPr id="3" name="PlaceHolder 2"/>
           <p:cNvSpPr>
             <a:spLocks noGrp="1"/>
           </p:cNvSpPr>
@@ -3358,9 +3593,10 @@
           </a:prstGeom>
         </p:spPr>
         <p:txBody>
-          <a:bodyPr lIns="0" rIns="0" tIns="0" bIns="0">
+          <a:bodyPr lIns="0" tIns="0" rIns="0" bIns="0">
             <a:normAutofit/>
           </a:bodyPr>
+          <a:lstStyle/>
           <a:p>
             <a:pPr marL="432000" indent="-324000">
               <a:spcBef>
@@ -3374,33 +3610,22 @@
               <a:buChar char=""/>
             </a:pPr>
             <a:r>
-              <a:rPr b="0" lang="en-US" sz="3200" spc="-1" strike="noStrike">
+              <a:rPr lang="en-US" sz="3200" b="0" strike="noStrike" spc="-1">
                 <a:solidFill>
                   <a:srgbClr val="000000"/>
                 </a:solidFill>
                 <a:uFill>
                   <a:solidFill>
-                    <a:srgbClr val="ffffff"/>
+                    <a:srgbClr val="FFFFFF"/>
                   </a:solidFill>
                 </a:uFill>
                 <a:latin typeface="Arial"/>
               </a:rPr>
               <a:t>Click to edit the outline text format</a:t>
             </a:r>
-            <a:endParaRPr b="0" lang="en-US" sz="3200" spc="-1" strike="noStrike">
-              <a:solidFill>
-                <a:srgbClr val="000000"/>
-              </a:solidFill>
-              <a:uFill>
-                <a:solidFill>
-                  <a:srgbClr val="ffffff"/>
-                </a:solidFill>
-              </a:uFill>
-              <a:latin typeface="Arial"/>
-            </a:endParaRPr>
-          </a:p>
-          <a:p>
-            <a:pPr lvl="1" marL="864000" indent="-324000">
+          </a:p>
+          <a:p>
+            <a:pPr marL="864000" lvl="1" indent="-324000">
               <a:spcBef>
                 <a:spcPts val="1134"/>
               </a:spcBef>
@@ -3412,33 +3637,22 @@
               <a:buChar char=""/>
             </a:pPr>
             <a:r>
-              <a:rPr b="0" lang="en-US" sz="2800" spc="-1" strike="noStrike">
+              <a:rPr lang="en-US" sz="2800" b="0" strike="noStrike" spc="-1">
                 <a:solidFill>
                   <a:srgbClr val="000000"/>
                 </a:solidFill>
                 <a:uFill>
                   <a:solidFill>
-                    <a:srgbClr val="ffffff"/>
+                    <a:srgbClr val="FFFFFF"/>
                   </a:solidFill>
                 </a:uFill>
                 <a:latin typeface="Arial"/>
               </a:rPr>
               <a:t>Second Outline Level</a:t>
             </a:r>
-            <a:endParaRPr b="0" lang="en-US" sz="2800" spc="-1" strike="noStrike">
-              <a:solidFill>
-                <a:srgbClr val="000000"/>
-              </a:solidFill>
-              <a:uFill>
-                <a:solidFill>
-                  <a:srgbClr val="ffffff"/>
-                </a:solidFill>
-              </a:uFill>
-              <a:latin typeface="Arial"/>
-            </a:endParaRPr>
-          </a:p>
-          <a:p>
-            <a:pPr lvl="2" marL="1296000" indent="-288000">
+          </a:p>
+          <a:p>
+            <a:pPr marL="1296000" lvl="2" indent="-288000">
               <a:spcBef>
                 <a:spcPts val="850"/>
               </a:spcBef>
@@ -3450,33 +3664,22 @@
               <a:buChar char=""/>
             </a:pPr>
             <a:r>
-              <a:rPr b="0" lang="en-US" sz="2400" spc="-1" strike="noStrike">
+              <a:rPr lang="en-US" sz="2400" b="0" strike="noStrike" spc="-1">
                 <a:solidFill>
                   <a:srgbClr val="000000"/>
                 </a:solidFill>
                 <a:uFill>
                   <a:solidFill>
-                    <a:srgbClr val="ffffff"/>
+                    <a:srgbClr val="FFFFFF"/>
                   </a:solidFill>
                 </a:uFill>
                 <a:latin typeface="Arial"/>
               </a:rPr>
               <a:t>Third Outline Level</a:t>
             </a:r>
-            <a:endParaRPr b="0" lang="en-US" sz="2400" spc="-1" strike="noStrike">
-              <a:solidFill>
-                <a:srgbClr val="000000"/>
-              </a:solidFill>
-              <a:uFill>
-                <a:solidFill>
-                  <a:srgbClr val="ffffff"/>
-                </a:solidFill>
-              </a:uFill>
-              <a:latin typeface="Arial"/>
-            </a:endParaRPr>
-          </a:p>
-          <a:p>
-            <a:pPr lvl="3" marL="1728000" indent="-216000">
+          </a:p>
+          <a:p>
+            <a:pPr marL="1728000" lvl="3" indent="-216000">
               <a:spcBef>
                 <a:spcPts val="567"/>
               </a:spcBef>
@@ -3488,33 +3691,22 @@
               <a:buChar char=""/>
             </a:pPr>
             <a:r>
-              <a:rPr b="0" lang="en-US" sz="2000" spc="-1" strike="noStrike">
+              <a:rPr lang="en-US" sz="2000" b="0" strike="noStrike" spc="-1">
                 <a:solidFill>
                   <a:srgbClr val="000000"/>
                 </a:solidFill>
                 <a:uFill>
                   <a:solidFill>
-                    <a:srgbClr val="ffffff"/>
+                    <a:srgbClr val="FFFFFF"/>
                   </a:solidFill>
                 </a:uFill>
                 <a:latin typeface="Arial"/>
               </a:rPr>
               <a:t>Fourth Outline Level</a:t>
             </a:r>
-            <a:endParaRPr b="0" lang="en-US" sz="2000" spc="-1" strike="noStrike">
-              <a:solidFill>
-                <a:srgbClr val="000000"/>
-              </a:solidFill>
-              <a:uFill>
-                <a:solidFill>
-                  <a:srgbClr val="ffffff"/>
-                </a:solidFill>
-              </a:uFill>
-              <a:latin typeface="Arial"/>
-            </a:endParaRPr>
-          </a:p>
-          <a:p>
-            <a:pPr lvl="4" marL="2160000" indent="-216000">
+          </a:p>
+          <a:p>
+            <a:pPr marL="2160000" lvl="4" indent="-216000">
               <a:spcBef>
                 <a:spcPts val="283"/>
               </a:spcBef>
@@ -3526,33 +3718,22 @@
               <a:buChar char=""/>
             </a:pPr>
             <a:r>
-              <a:rPr b="0" lang="en-US" sz="2000" spc="-1" strike="noStrike">
+              <a:rPr lang="en-US" sz="2000" b="0" strike="noStrike" spc="-1">
                 <a:solidFill>
                   <a:srgbClr val="000000"/>
                 </a:solidFill>
                 <a:uFill>
                   <a:solidFill>
-                    <a:srgbClr val="ffffff"/>
+                    <a:srgbClr val="FFFFFF"/>
                   </a:solidFill>
                 </a:uFill>
                 <a:latin typeface="Arial"/>
               </a:rPr>
               <a:t>Fifth Outline Level</a:t>
             </a:r>
-            <a:endParaRPr b="0" lang="en-US" sz="2000" spc="-1" strike="noStrike">
-              <a:solidFill>
-                <a:srgbClr val="000000"/>
-              </a:solidFill>
-              <a:uFill>
-                <a:solidFill>
-                  <a:srgbClr val="ffffff"/>
-                </a:solidFill>
-              </a:uFill>
-              <a:latin typeface="Arial"/>
-            </a:endParaRPr>
-          </a:p>
-          <a:p>
-            <a:pPr lvl="5" marL="2592000" indent="-216000">
+          </a:p>
+          <a:p>
+            <a:pPr marL="2592000" lvl="5" indent="-216000">
               <a:spcBef>
                 <a:spcPts val="283"/>
               </a:spcBef>
@@ -3564,33 +3745,22 @@
               <a:buChar char=""/>
             </a:pPr>
             <a:r>
-              <a:rPr b="0" lang="en-US" sz="2000" spc="-1" strike="noStrike">
+              <a:rPr lang="en-US" sz="2000" b="0" strike="noStrike" spc="-1">
                 <a:solidFill>
                   <a:srgbClr val="000000"/>
                 </a:solidFill>
                 <a:uFill>
                   <a:solidFill>
-                    <a:srgbClr val="ffffff"/>
+                    <a:srgbClr val="FFFFFF"/>
                   </a:solidFill>
                 </a:uFill>
                 <a:latin typeface="Arial"/>
               </a:rPr>
               <a:t>Sixth Outline Level</a:t>
             </a:r>
-            <a:endParaRPr b="0" lang="en-US" sz="2000" spc="-1" strike="noStrike">
-              <a:solidFill>
-                <a:srgbClr val="000000"/>
-              </a:solidFill>
-              <a:uFill>
-                <a:solidFill>
-                  <a:srgbClr val="ffffff"/>
-                </a:solidFill>
-              </a:uFill>
-              <a:latin typeface="Arial"/>
-            </a:endParaRPr>
-          </a:p>
-          <a:p>
-            <a:pPr lvl="6" marL="3024000" indent="-216000">
+          </a:p>
+          <a:p>
+            <a:pPr marL="3024000" lvl="6" indent="-216000">
               <a:spcBef>
                 <a:spcPts val="283"/>
               </a:spcBef>
@@ -3602,61 +3772,331 @@
               <a:buChar char=""/>
             </a:pPr>
             <a:r>
-              <a:rPr b="0" lang="en-US" sz="2000" spc="-1" strike="noStrike">
+              <a:rPr lang="en-US" sz="2000" b="0" strike="noStrike" spc="-1">
                 <a:solidFill>
                   <a:srgbClr val="000000"/>
                 </a:solidFill>
                 <a:uFill>
                   <a:solidFill>
-                    <a:srgbClr val="ffffff"/>
+                    <a:srgbClr val="FFFFFF"/>
                   </a:solidFill>
                 </a:uFill>
                 <a:latin typeface="Arial"/>
               </a:rPr>
               <a:t>Seventh Outline Level</a:t>
             </a:r>
-            <a:endParaRPr b="0" lang="en-US" sz="2000" spc="-1" strike="noStrike">
-              <a:solidFill>
-                <a:srgbClr val="000000"/>
-              </a:solidFill>
-              <a:uFill>
-                <a:solidFill>
-                  <a:srgbClr val="ffffff"/>
-                </a:solidFill>
-              </a:uFill>
-              <a:latin typeface="Arial"/>
-            </a:endParaRPr>
           </a:p>
         </p:txBody>
       </p:sp>
     </p:spTree>
   </p:cSld>
-  <p:clrMap bg1="lt1" bg2="lt2" tx1="dk1" tx2="dk2" accent1="accent1" accent2="accent2" accent3="accent3" accent4="accent4" accent5="accent5" accent6="accent6" hlink="hlink" folHlink="folHlink"/>
+  <p:clrMap bg1="lt1" tx1="dk1" bg2="lt2" tx2="dk2" accent1="accent1" accent2="accent2" accent3="accent3" accent4="accent4" accent5="accent5" accent6="accent6" hlink="hlink" folHlink="folHlink"/>
   <p:sldLayoutIdLst>
-    <p:sldLayoutId id="2147483649" r:id="rId2"/>
-    <p:sldLayoutId id="2147483650" r:id="rId3"/>
-    <p:sldLayoutId id="2147483651" r:id="rId4"/>
-    <p:sldLayoutId id="2147483652" r:id="rId5"/>
-    <p:sldLayoutId id="2147483653" r:id="rId6"/>
-    <p:sldLayoutId id="2147483654" r:id="rId7"/>
-    <p:sldLayoutId id="2147483655" r:id="rId8"/>
-    <p:sldLayoutId id="2147483656" r:id="rId9"/>
-    <p:sldLayoutId id="2147483657" r:id="rId10"/>
-    <p:sldLayoutId id="2147483658" r:id="rId11"/>
-    <p:sldLayoutId id="2147483659" r:id="rId12"/>
-    <p:sldLayoutId id="2147483660" r:id="rId13"/>
+    <p:sldLayoutId id="2147483649" r:id="rId1"/>
+    <p:sldLayoutId id="2147483650" r:id="rId2"/>
+    <p:sldLayoutId id="2147483651" r:id="rId3"/>
+    <p:sldLayoutId id="2147483652" r:id="rId4"/>
+    <p:sldLayoutId id="2147483653" r:id="rId5"/>
+    <p:sldLayoutId id="2147483654" r:id="rId6"/>
+    <p:sldLayoutId id="2147483655" r:id="rId7"/>
+    <p:sldLayoutId id="2147483656" r:id="rId8"/>
+    <p:sldLayoutId id="2147483657" r:id="rId9"/>
+    <p:sldLayoutId id="2147483658" r:id="rId10"/>
+    <p:sldLayoutId id="2147483659" r:id="rId11"/>
+    <p:sldLayoutId id="2147483660" r:id="rId12"/>
   </p:sldLayoutIdLst>
+  <p:txStyles>
+    <p:titleStyle>
+      <a:lvl1pPr algn="l" defTabSz="914400" rtl="0" eaLnBrk="1" latinLnBrk="0" hangingPunct="1">
+        <a:lnSpc>
+          <a:spcPct val="90000"/>
+        </a:lnSpc>
+        <a:spcBef>
+          <a:spcPct val="0"/>
+        </a:spcBef>
+        <a:buNone/>
+        <a:defRPr sz="4400" kern="1200">
+          <a:solidFill>
+            <a:schemeClr val="tx1"/>
+          </a:solidFill>
+          <a:latin typeface="+mj-lt"/>
+          <a:ea typeface="+mj-ea"/>
+          <a:cs typeface="+mj-cs"/>
+        </a:defRPr>
+      </a:lvl1pPr>
+    </p:titleStyle>
+    <p:bodyStyle>
+      <a:lvl1pPr marL="228600" indent="-228600" algn="l" defTabSz="914400" rtl="0" eaLnBrk="1" latinLnBrk="0" hangingPunct="1">
+        <a:lnSpc>
+          <a:spcPct val="90000"/>
+        </a:lnSpc>
+        <a:spcBef>
+          <a:spcPts val="1000"/>
+        </a:spcBef>
+        <a:buFont typeface="Arial" panose="020B0604020202020204" pitchFamily="34" charset="0"/>
+        <a:buChar char="•"/>
+        <a:defRPr sz="2800" kern="1200">
+          <a:solidFill>
+            <a:schemeClr val="tx1"/>
+          </a:solidFill>
+          <a:latin typeface="+mn-lt"/>
+          <a:ea typeface="+mn-ea"/>
+          <a:cs typeface="+mn-cs"/>
+        </a:defRPr>
+      </a:lvl1pPr>
+      <a:lvl2pPr marL="685800" indent="-228600" algn="l" defTabSz="914400" rtl="0" eaLnBrk="1" latinLnBrk="0" hangingPunct="1">
+        <a:lnSpc>
+          <a:spcPct val="90000"/>
+        </a:lnSpc>
+        <a:spcBef>
+          <a:spcPts val="500"/>
+        </a:spcBef>
+        <a:buFont typeface="Arial" panose="020B0604020202020204" pitchFamily="34" charset="0"/>
+        <a:buChar char="•"/>
+        <a:defRPr sz="2400" kern="1200">
+          <a:solidFill>
+            <a:schemeClr val="tx1"/>
+          </a:solidFill>
+          <a:latin typeface="+mn-lt"/>
+          <a:ea typeface="+mn-ea"/>
+          <a:cs typeface="+mn-cs"/>
+        </a:defRPr>
+      </a:lvl2pPr>
+      <a:lvl3pPr marL="1143000" indent="-228600" algn="l" defTabSz="914400" rtl="0" eaLnBrk="1" latinLnBrk="0" hangingPunct="1">
+        <a:lnSpc>
+          <a:spcPct val="90000"/>
+        </a:lnSpc>
+        <a:spcBef>
+          <a:spcPts val="500"/>
+        </a:spcBef>
+        <a:buFont typeface="Arial" panose="020B0604020202020204" pitchFamily="34" charset="0"/>
+        <a:buChar char="•"/>
+        <a:defRPr sz="2000" kern="1200">
+          <a:solidFill>
+            <a:schemeClr val="tx1"/>
+          </a:solidFill>
+          <a:latin typeface="+mn-lt"/>
+          <a:ea typeface="+mn-ea"/>
+          <a:cs typeface="+mn-cs"/>
+        </a:defRPr>
+      </a:lvl3pPr>
+      <a:lvl4pPr marL="1600200" indent="-228600" algn="l" defTabSz="914400" rtl="0" eaLnBrk="1" latinLnBrk="0" hangingPunct="1">
+        <a:lnSpc>
+          <a:spcPct val="90000"/>
+        </a:lnSpc>
+        <a:spcBef>
+          <a:spcPts val="500"/>
+        </a:spcBef>
+        <a:buFont typeface="Arial" panose="020B0604020202020204" pitchFamily="34" charset="0"/>
+        <a:buChar char="•"/>
+        <a:defRPr sz="1800" kern="1200">
+          <a:solidFill>
+            <a:schemeClr val="tx1"/>
+          </a:solidFill>
+          <a:latin typeface="+mn-lt"/>
+          <a:ea typeface="+mn-ea"/>
+          <a:cs typeface="+mn-cs"/>
+        </a:defRPr>
+      </a:lvl4pPr>
+      <a:lvl5pPr marL="2057400" indent="-228600" algn="l" defTabSz="914400" rtl="0" eaLnBrk="1" latinLnBrk="0" hangingPunct="1">
+        <a:lnSpc>
+          <a:spcPct val="90000"/>
+        </a:lnSpc>
+        <a:spcBef>
+          <a:spcPts val="500"/>
+        </a:spcBef>
+        <a:buFont typeface="Arial" panose="020B0604020202020204" pitchFamily="34" charset="0"/>
+        <a:buChar char="•"/>
+        <a:defRPr sz="1800" kern="1200">
+          <a:solidFill>
+            <a:schemeClr val="tx1"/>
+          </a:solidFill>
+          <a:latin typeface="+mn-lt"/>
+          <a:ea typeface="+mn-ea"/>
+          <a:cs typeface="+mn-cs"/>
+        </a:defRPr>
+      </a:lvl5pPr>
+      <a:lvl6pPr marL="2514600" indent="-228600" algn="l" defTabSz="914400" rtl="0" eaLnBrk="1" latinLnBrk="0" hangingPunct="1">
+        <a:lnSpc>
+          <a:spcPct val="90000"/>
+        </a:lnSpc>
+        <a:spcBef>
+          <a:spcPts val="500"/>
+        </a:spcBef>
+        <a:buFont typeface="Arial" panose="020B0604020202020204" pitchFamily="34" charset="0"/>
+        <a:buChar char="•"/>
+        <a:defRPr sz="1800" kern="1200">
+          <a:solidFill>
+            <a:schemeClr val="tx1"/>
+          </a:solidFill>
+          <a:latin typeface="+mn-lt"/>
+          <a:ea typeface="+mn-ea"/>
+          <a:cs typeface="+mn-cs"/>
+        </a:defRPr>
+      </a:lvl6pPr>
+      <a:lvl7pPr marL="2971800" indent="-228600" algn="l" defTabSz="914400" rtl="0" eaLnBrk="1" latinLnBrk="0" hangingPunct="1">
+        <a:lnSpc>
+          <a:spcPct val="90000"/>
+        </a:lnSpc>
+        <a:spcBef>
+          <a:spcPts val="500"/>
+        </a:spcBef>
+        <a:buFont typeface="Arial" panose="020B0604020202020204" pitchFamily="34" charset="0"/>
+        <a:buChar char="•"/>
+        <a:defRPr sz="1800" kern="1200">
+          <a:solidFill>
+            <a:schemeClr val="tx1"/>
+          </a:solidFill>
+          <a:latin typeface="+mn-lt"/>
+          <a:ea typeface="+mn-ea"/>
+          <a:cs typeface="+mn-cs"/>
+        </a:defRPr>
+      </a:lvl7pPr>
+      <a:lvl8pPr marL="3429000" indent="-228600" algn="l" defTabSz="914400" rtl="0" eaLnBrk="1" latinLnBrk="0" hangingPunct="1">
+        <a:lnSpc>
+          <a:spcPct val="90000"/>
+        </a:lnSpc>
+        <a:spcBef>
+          <a:spcPts val="500"/>
+        </a:spcBef>
+        <a:buFont typeface="Arial" panose="020B0604020202020204" pitchFamily="34" charset="0"/>
+        <a:buChar char="•"/>
+        <a:defRPr sz="1800" kern="1200">
+          <a:solidFill>
+            <a:schemeClr val="tx1"/>
+          </a:solidFill>
+          <a:latin typeface="+mn-lt"/>
+          <a:ea typeface="+mn-ea"/>
+          <a:cs typeface="+mn-cs"/>
+        </a:defRPr>
+      </a:lvl8pPr>
+      <a:lvl9pPr marL="3886200" indent="-228600" algn="l" defTabSz="914400" rtl="0" eaLnBrk="1" latinLnBrk="0" hangingPunct="1">
+        <a:lnSpc>
+          <a:spcPct val="90000"/>
+        </a:lnSpc>
+        <a:spcBef>
+          <a:spcPts val="500"/>
+        </a:spcBef>
+        <a:buFont typeface="Arial" panose="020B0604020202020204" pitchFamily="34" charset="0"/>
+        <a:buChar char="•"/>
+        <a:defRPr sz="1800" kern="1200">
+          <a:solidFill>
+            <a:schemeClr val="tx1"/>
+          </a:solidFill>
+          <a:latin typeface="+mn-lt"/>
+          <a:ea typeface="+mn-ea"/>
+          <a:cs typeface="+mn-cs"/>
+        </a:defRPr>
+      </a:lvl9pPr>
+    </p:bodyStyle>
+    <p:otherStyle>
+      <a:defPPr>
+        <a:defRPr lang="en-US"/>
+      </a:defPPr>
+      <a:lvl1pPr marL="0" algn="l" defTabSz="914400" rtl="0" eaLnBrk="1" latinLnBrk="0" hangingPunct="1">
+        <a:defRPr sz="1800" kern="1200">
+          <a:solidFill>
+            <a:schemeClr val="tx1"/>
+          </a:solidFill>
+          <a:latin typeface="+mn-lt"/>
+          <a:ea typeface="+mn-ea"/>
+          <a:cs typeface="+mn-cs"/>
+        </a:defRPr>
+      </a:lvl1pPr>
+      <a:lvl2pPr marL="457200" algn="l" defTabSz="914400" rtl="0" eaLnBrk="1" latinLnBrk="0" hangingPunct="1">
+        <a:defRPr sz="1800" kern="1200">
+          <a:solidFill>
+            <a:schemeClr val="tx1"/>
+          </a:solidFill>
+          <a:latin typeface="+mn-lt"/>
+          <a:ea typeface="+mn-ea"/>
+          <a:cs typeface="+mn-cs"/>
+        </a:defRPr>
+      </a:lvl2pPr>
+      <a:lvl3pPr marL="914400" algn="l" defTabSz="914400" rtl="0" eaLnBrk="1" latinLnBrk="0" hangingPunct="1">
+        <a:defRPr sz="1800" kern="1200">
+          <a:solidFill>
+            <a:schemeClr val="tx1"/>
+          </a:solidFill>
+          <a:latin typeface="+mn-lt"/>
+          <a:ea typeface="+mn-ea"/>
+          <a:cs typeface="+mn-cs"/>
+        </a:defRPr>
+      </a:lvl3pPr>
+      <a:lvl4pPr marL="1371600" algn="l" defTabSz="914400" rtl="0" eaLnBrk="1" latinLnBrk="0" hangingPunct="1">
+        <a:defRPr sz="1800" kern="1200">
+          <a:solidFill>
+            <a:schemeClr val="tx1"/>
+          </a:solidFill>
+          <a:latin typeface="+mn-lt"/>
+          <a:ea typeface="+mn-ea"/>
+          <a:cs typeface="+mn-cs"/>
+        </a:defRPr>
+      </a:lvl4pPr>
+      <a:lvl5pPr marL="1828800" algn="l" defTabSz="914400" rtl="0" eaLnBrk="1" latinLnBrk="0" hangingPunct="1">
+        <a:defRPr sz="1800" kern="1200">
+          <a:solidFill>
+            <a:schemeClr val="tx1"/>
+          </a:solidFill>
+          <a:latin typeface="+mn-lt"/>
+          <a:ea typeface="+mn-ea"/>
+          <a:cs typeface="+mn-cs"/>
+        </a:defRPr>
+      </a:lvl5pPr>
+      <a:lvl6pPr marL="2286000" algn="l" defTabSz="914400" rtl="0" eaLnBrk="1" latinLnBrk="0" hangingPunct="1">
+        <a:defRPr sz="1800" kern="1200">
+          <a:solidFill>
+            <a:schemeClr val="tx1"/>
+          </a:solidFill>
+          <a:latin typeface="+mn-lt"/>
+          <a:ea typeface="+mn-ea"/>
+          <a:cs typeface="+mn-cs"/>
+        </a:defRPr>
+      </a:lvl6pPr>
+      <a:lvl7pPr marL="2743200" algn="l" defTabSz="914400" rtl="0" eaLnBrk="1" latinLnBrk="0" hangingPunct="1">
+        <a:defRPr sz="1800" kern="1200">
+          <a:solidFill>
+            <a:schemeClr val="tx1"/>
+          </a:solidFill>
+          <a:latin typeface="+mn-lt"/>
+          <a:ea typeface="+mn-ea"/>
+          <a:cs typeface="+mn-cs"/>
+        </a:defRPr>
+      </a:lvl7pPr>
+      <a:lvl8pPr marL="3200400" algn="l" defTabSz="914400" rtl="0" eaLnBrk="1" latinLnBrk="0" hangingPunct="1">
+        <a:defRPr sz="1800" kern="1200">
+          <a:solidFill>
+            <a:schemeClr val="tx1"/>
+          </a:solidFill>
+          <a:latin typeface="+mn-lt"/>
+          <a:ea typeface="+mn-ea"/>
+          <a:cs typeface="+mn-cs"/>
+        </a:defRPr>
+      </a:lvl8pPr>
+      <a:lvl9pPr marL="3657600" algn="l" defTabSz="914400" rtl="0" eaLnBrk="1" latinLnBrk="0" hangingPunct="1">
+        <a:defRPr sz="1800" kern="1200">
+          <a:solidFill>
+            <a:schemeClr val="tx1"/>
+          </a:solidFill>
+          <a:latin typeface="+mn-lt"/>
+          <a:ea typeface="+mn-ea"/>
+          <a:cs typeface="+mn-cs"/>
+        </a:defRPr>
+      </a:lvl9pPr>
+    </p:otherStyle>
+  </p:txStyles>
 </p:sldMaster>
 </file>
 
 <file path=ppt/slideMasters/slideMaster2.xml><?xml version="1.0" encoding="utf-8"?>
-<p:sldMaster xmlns:a="http://schemas.openxmlformats.org/drawingml/2006/main" xmlns:p="http://schemas.openxmlformats.org/presentationml/2006/main" xmlns:r="http://schemas.openxmlformats.org/officeDocument/2006/relationships" xmlns:p14="http://schemas.microsoft.com/office/powerpoint/2010/main" xmlns:p15="http://schemas.microsoft.com/office/powerpoint/2012/main" xmlns:mc="http://schemas.openxmlformats.org/markup-compatibility/2006">
+<p:sldMaster xmlns:a="http://schemas.openxmlformats.org/drawingml/2006/main" xmlns:r="http://schemas.openxmlformats.org/officeDocument/2006/relationships" xmlns:p="http://schemas.openxmlformats.org/presentationml/2006/main">
   <p:cSld>
     <p:bg>
       <p:bgPr>
         <a:solidFill>
-          <a:srgbClr val="ffffff"/>
+          <a:srgbClr val="FFFFFF"/>
         </a:solidFill>
+        <a:effectLst/>
       </p:bgPr>
     </p:bg>
     <p:spTree>
@@ -3693,34 +4133,24 @@
           </a:prstGeom>
         </p:spPr>
         <p:txBody>
-          <a:bodyPr lIns="0" rIns="0" tIns="0" bIns="0" anchor="ctr"/>
+          <a:bodyPr lIns="0" tIns="0" rIns="0" bIns="0" anchor="ctr"/>
+          <a:lstStyle/>
           <a:p>
             <a:pPr algn="ctr"/>
             <a:r>
-              <a:rPr b="0" lang="en-US" sz="4400" spc="-1" strike="noStrike">
+              <a:rPr lang="en-US" sz="4400" b="0" strike="noStrike" spc="-1">
                 <a:solidFill>
                   <a:srgbClr val="000000"/>
                 </a:solidFill>
                 <a:uFill>
                   <a:solidFill>
-                    <a:srgbClr val="ffffff"/>
+                    <a:srgbClr val="FFFFFF"/>
                   </a:solidFill>
                 </a:uFill>
                 <a:latin typeface="Arial"/>
               </a:rPr>
               <a:t>Click to edit the title text format</a:t>
             </a:r>
-            <a:endParaRPr b="0" lang="en-US" sz="4400" spc="-1" strike="noStrike">
-              <a:solidFill>
-                <a:srgbClr val="000000"/>
-              </a:solidFill>
-              <a:uFill>
-                <a:solidFill>
-                  <a:srgbClr val="ffffff"/>
-                </a:solidFill>
-              </a:uFill>
-              <a:latin typeface="Arial"/>
-            </a:endParaRPr>
           </a:p>
         </p:txBody>
       </p:sp>
@@ -3744,9 +4174,10 @@
           </a:prstGeom>
         </p:spPr>
         <p:txBody>
-          <a:bodyPr lIns="0" rIns="0" tIns="0" bIns="0">
+          <a:bodyPr lIns="0" tIns="0" rIns="0" bIns="0">
             <a:normAutofit/>
           </a:bodyPr>
+          <a:lstStyle/>
           <a:p>
             <a:pPr marL="432000" indent="-324000">
               <a:spcBef>
@@ -3760,33 +4191,22 @@
               <a:buChar char=""/>
             </a:pPr>
             <a:r>
-              <a:rPr b="0" lang="en-US" sz="3200" spc="-1" strike="noStrike">
+              <a:rPr lang="en-US" sz="3200" b="0" strike="noStrike" spc="-1">
                 <a:solidFill>
                   <a:srgbClr val="000000"/>
                 </a:solidFill>
                 <a:uFill>
                   <a:solidFill>
-                    <a:srgbClr val="ffffff"/>
+                    <a:srgbClr val="FFFFFF"/>
                   </a:solidFill>
                 </a:uFill>
                 <a:latin typeface="Arial"/>
               </a:rPr>
               <a:t>Click to edit the outline text format</a:t>
             </a:r>
-            <a:endParaRPr b="0" lang="en-US" sz="3200" spc="-1" strike="noStrike">
-              <a:solidFill>
-                <a:srgbClr val="000000"/>
-              </a:solidFill>
-              <a:uFill>
-                <a:solidFill>
-                  <a:srgbClr val="ffffff"/>
-                </a:solidFill>
-              </a:uFill>
-              <a:latin typeface="Arial"/>
-            </a:endParaRPr>
-          </a:p>
-          <a:p>
-            <a:pPr lvl="1" marL="864000" indent="-324000">
+          </a:p>
+          <a:p>
+            <a:pPr marL="864000" lvl="1" indent="-324000">
               <a:spcBef>
                 <a:spcPts val="1134"/>
               </a:spcBef>
@@ -3798,33 +4218,22 @@
               <a:buChar char=""/>
             </a:pPr>
             <a:r>
-              <a:rPr b="0" lang="en-US" sz="2800" spc="-1" strike="noStrike">
+              <a:rPr lang="en-US" sz="2800" b="0" strike="noStrike" spc="-1">
                 <a:solidFill>
                   <a:srgbClr val="000000"/>
                 </a:solidFill>
                 <a:uFill>
                   <a:solidFill>
-                    <a:srgbClr val="ffffff"/>
+                    <a:srgbClr val="FFFFFF"/>
                   </a:solidFill>
                 </a:uFill>
                 <a:latin typeface="Arial"/>
               </a:rPr>
               <a:t>Second Outline Level</a:t>
             </a:r>
-            <a:endParaRPr b="0" lang="en-US" sz="2800" spc="-1" strike="noStrike">
-              <a:solidFill>
-                <a:srgbClr val="000000"/>
-              </a:solidFill>
-              <a:uFill>
-                <a:solidFill>
-                  <a:srgbClr val="ffffff"/>
-                </a:solidFill>
-              </a:uFill>
-              <a:latin typeface="Arial"/>
-            </a:endParaRPr>
-          </a:p>
-          <a:p>
-            <a:pPr lvl="2" marL="1296000" indent="-288000">
+          </a:p>
+          <a:p>
+            <a:pPr marL="1296000" lvl="2" indent="-288000">
               <a:spcBef>
                 <a:spcPts val="850"/>
               </a:spcBef>
@@ -3836,33 +4245,22 @@
               <a:buChar char=""/>
             </a:pPr>
             <a:r>
-              <a:rPr b="0" lang="en-US" sz="2400" spc="-1" strike="noStrike">
+              <a:rPr lang="en-US" sz="2400" b="0" strike="noStrike" spc="-1">
                 <a:solidFill>
                   <a:srgbClr val="000000"/>
                 </a:solidFill>
                 <a:uFill>
                   <a:solidFill>
-                    <a:srgbClr val="ffffff"/>
+                    <a:srgbClr val="FFFFFF"/>
                   </a:solidFill>
                 </a:uFill>
                 <a:latin typeface="Arial"/>
               </a:rPr>
               <a:t>Third Outline Level</a:t>
             </a:r>
-            <a:endParaRPr b="0" lang="en-US" sz="2400" spc="-1" strike="noStrike">
-              <a:solidFill>
-                <a:srgbClr val="000000"/>
-              </a:solidFill>
-              <a:uFill>
-                <a:solidFill>
-                  <a:srgbClr val="ffffff"/>
-                </a:solidFill>
-              </a:uFill>
-              <a:latin typeface="Arial"/>
-            </a:endParaRPr>
-          </a:p>
-          <a:p>
-            <a:pPr lvl="3" marL="1728000" indent="-216000">
+          </a:p>
+          <a:p>
+            <a:pPr marL="1728000" lvl="3" indent="-216000">
               <a:spcBef>
                 <a:spcPts val="567"/>
               </a:spcBef>
@@ -3874,33 +4272,22 @@
               <a:buChar char=""/>
             </a:pPr>
             <a:r>
-              <a:rPr b="0" lang="en-US" sz="2000" spc="-1" strike="noStrike">
+              <a:rPr lang="en-US" sz="2000" b="0" strike="noStrike" spc="-1">
                 <a:solidFill>
                   <a:srgbClr val="000000"/>
                 </a:solidFill>
                 <a:uFill>
                   <a:solidFill>
-                    <a:srgbClr val="ffffff"/>
+                    <a:srgbClr val="FFFFFF"/>
                   </a:solidFill>
                 </a:uFill>
                 <a:latin typeface="Arial"/>
               </a:rPr>
               <a:t>Fourth Outline Level</a:t>
             </a:r>
-            <a:endParaRPr b="0" lang="en-US" sz="2000" spc="-1" strike="noStrike">
-              <a:solidFill>
-                <a:srgbClr val="000000"/>
-              </a:solidFill>
-              <a:uFill>
-                <a:solidFill>
-                  <a:srgbClr val="ffffff"/>
-                </a:solidFill>
-              </a:uFill>
-              <a:latin typeface="Arial"/>
-            </a:endParaRPr>
-          </a:p>
-          <a:p>
-            <a:pPr lvl="4" marL="2160000" indent="-216000">
+          </a:p>
+          <a:p>
+            <a:pPr marL="2160000" lvl="4" indent="-216000">
               <a:spcBef>
                 <a:spcPts val="283"/>
               </a:spcBef>
@@ -3912,33 +4299,22 @@
               <a:buChar char=""/>
             </a:pPr>
             <a:r>
-              <a:rPr b="0" lang="en-US" sz="2000" spc="-1" strike="noStrike">
+              <a:rPr lang="en-US" sz="2000" b="0" strike="noStrike" spc="-1">
                 <a:solidFill>
                   <a:srgbClr val="000000"/>
                 </a:solidFill>
                 <a:uFill>
                   <a:solidFill>
-                    <a:srgbClr val="ffffff"/>
+                    <a:srgbClr val="FFFFFF"/>
                   </a:solidFill>
                 </a:uFill>
                 <a:latin typeface="Arial"/>
               </a:rPr>
               <a:t>Fifth Outline Level</a:t>
             </a:r>
-            <a:endParaRPr b="0" lang="en-US" sz="2000" spc="-1" strike="noStrike">
-              <a:solidFill>
-                <a:srgbClr val="000000"/>
-              </a:solidFill>
-              <a:uFill>
-                <a:solidFill>
-                  <a:srgbClr val="ffffff"/>
-                </a:solidFill>
-              </a:uFill>
-              <a:latin typeface="Arial"/>
-            </a:endParaRPr>
-          </a:p>
-          <a:p>
-            <a:pPr lvl="5" marL="2592000" indent="-216000">
+          </a:p>
+          <a:p>
+            <a:pPr marL="2592000" lvl="5" indent="-216000">
               <a:spcBef>
                 <a:spcPts val="283"/>
               </a:spcBef>
@@ -3950,33 +4326,22 @@
               <a:buChar char=""/>
             </a:pPr>
             <a:r>
-              <a:rPr b="0" lang="en-US" sz="2000" spc="-1" strike="noStrike">
+              <a:rPr lang="en-US" sz="2000" b="0" strike="noStrike" spc="-1">
                 <a:solidFill>
                   <a:srgbClr val="000000"/>
                 </a:solidFill>
                 <a:uFill>
                   <a:solidFill>
-                    <a:srgbClr val="ffffff"/>
+                    <a:srgbClr val="FFFFFF"/>
                   </a:solidFill>
                 </a:uFill>
                 <a:latin typeface="Arial"/>
               </a:rPr>
               <a:t>Sixth Outline Level</a:t>
             </a:r>
-            <a:endParaRPr b="0" lang="en-US" sz="2000" spc="-1" strike="noStrike">
-              <a:solidFill>
-                <a:srgbClr val="000000"/>
-              </a:solidFill>
-              <a:uFill>
-                <a:solidFill>
-                  <a:srgbClr val="ffffff"/>
-                </a:solidFill>
-              </a:uFill>
-              <a:latin typeface="Arial"/>
-            </a:endParaRPr>
-          </a:p>
-          <a:p>
-            <a:pPr lvl="6" marL="3024000" indent="-216000">
+          </a:p>
+          <a:p>
+            <a:pPr marL="3024000" lvl="6" indent="-216000">
               <a:spcBef>
                 <a:spcPts val="283"/>
               </a:spcBef>
@@ -3988,55 +4353,324 @@
               <a:buChar char=""/>
             </a:pPr>
             <a:r>
-              <a:rPr b="0" lang="en-US" sz="2000" spc="-1" strike="noStrike">
+              <a:rPr lang="en-US" sz="2000" b="0" strike="noStrike" spc="-1">
                 <a:solidFill>
                   <a:srgbClr val="000000"/>
                 </a:solidFill>
                 <a:uFill>
                   <a:solidFill>
-                    <a:srgbClr val="ffffff"/>
+                    <a:srgbClr val="FFFFFF"/>
                   </a:solidFill>
                 </a:uFill>
                 <a:latin typeface="Arial"/>
               </a:rPr>
               <a:t>Seventh Outline Level</a:t>
             </a:r>
-            <a:endParaRPr b="0" lang="en-US" sz="2000" spc="-1" strike="noStrike">
-              <a:solidFill>
-                <a:srgbClr val="000000"/>
-              </a:solidFill>
-              <a:uFill>
-                <a:solidFill>
-                  <a:srgbClr val="ffffff"/>
-                </a:solidFill>
-              </a:uFill>
-              <a:latin typeface="Arial"/>
-            </a:endParaRPr>
           </a:p>
         </p:txBody>
       </p:sp>
     </p:spTree>
   </p:cSld>
-  <p:clrMap bg1="lt1" bg2="lt2" tx1="dk1" tx2="dk2" accent1="accent1" accent2="accent2" accent3="accent3" accent4="accent4" accent5="accent5" accent6="accent6" hlink="hlink" folHlink="folHlink"/>
+  <p:clrMap bg1="lt1" tx1="dk1" bg2="lt2" tx2="dk2" accent1="accent1" accent2="accent2" accent3="accent3" accent4="accent4" accent5="accent5" accent6="accent6" hlink="hlink" folHlink="folHlink"/>
   <p:sldLayoutIdLst>
-    <p:sldLayoutId id="2147483662" r:id="rId2"/>
-    <p:sldLayoutId id="2147483663" r:id="rId3"/>
-    <p:sldLayoutId id="2147483664" r:id="rId4"/>
-    <p:sldLayoutId id="2147483665" r:id="rId5"/>
-    <p:sldLayoutId id="2147483666" r:id="rId6"/>
-    <p:sldLayoutId id="2147483667" r:id="rId7"/>
-    <p:sldLayoutId id="2147483668" r:id="rId8"/>
-    <p:sldLayoutId id="2147483669" r:id="rId9"/>
-    <p:sldLayoutId id="2147483670" r:id="rId10"/>
-    <p:sldLayoutId id="2147483671" r:id="rId11"/>
-    <p:sldLayoutId id="2147483672" r:id="rId12"/>
-    <p:sldLayoutId id="2147483673" r:id="rId13"/>
+    <p:sldLayoutId id="2147483662" r:id="rId1"/>
+    <p:sldLayoutId id="2147483663" r:id="rId2"/>
+    <p:sldLayoutId id="2147483664" r:id="rId3"/>
+    <p:sldLayoutId id="2147483665" r:id="rId4"/>
+    <p:sldLayoutId id="2147483666" r:id="rId5"/>
+    <p:sldLayoutId id="2147483667" r:id="rId6"/>
+    <p:sldLayoutId id="2147483668" r:id="rId7"/>
+    <p:sldLayoutId id="2147483669" r:id="rId8"/>
+    <p:sldLayoutId id="2147483670" r:id="rId9"/>
+    <p:sldLayoutId id="2147483671" r:id="rId10"/>
+    <p:sldLayoutId id="2147483672" r:id="rId11"/>
+    <p:sldLayoutId id="2147483673" r:id="rId12"/>
   </p:sldLayoutIdLst>
+  <p:txStyles>
+    <p:titleStyle>
+      <a:lvl1pPr algn="l" defTabSz="914400" rtl="0" eaLnBrk="1" latinLnBrk="0" hangingPunct="1">
+        <a:lnSpc>
+          <a:spcPct val="90000"/>
+        </a:lnSpc>
+        <a:spcBef>
+          <a:spcPct val="0"/>
+        </a:spcBef>
+        <a:buNone/>
+        <a:defRPr sz="4400" kern="1200">
+          <a:solidFill>
+            <a:schemeClr val="tx1"/>
+          </a:solidFill>
+          <a:latin typeface="+mj-lt"/>
+          <a:ea typeface="+mj-ea"/>
+          <a:cs typeface="+mj-cs"/>
+        </a:defRPr>
+      </a:lvl1pPr>
+    </p:titleStyle>
+    <p:bodyStyle>
+      <a:lvl1pPr marL="228600" indent="-228600" algn="l" defTabSz="914400" rtl="0" eaLnBrk="1" latinLnBrk="0" hangingPunct="1">
+        <a:lnSpc>
+          <a:spcPct val="90000"/>
+        </a:lnSpc>
+        <a:spcBef>
+          <a:spcPts val="1000"/>
+        </a:spcBef>
+        <a:buFont typeface="Arial" panose="020B0604020202020204" pitchFamily="34" charset="0"/>
+        <a:buChar char="•"/>
+        <a:defRPr sz="2800" kern="1200">
+          <a:solidFill>
+            <a:schemeClr val="tx1"/>
+          </a:solidFill>
+          <a:latin typeface="+mn-lt"/>
+          <a:ea typeface="+mn-ea"/>
+          <a:cs typeface="+mn-cs"/>
+        </a:defRPr>
+      </a:lvl1pPr>
+      <a:lvl2pPr marL="685800" indent="-228600" algn="l" defTabSz="914400" rtl="0" eaLnBrk="1" latinLnBrk="0" hangingPunct="1">
+        <a:lnSpc>
+          <a:spcPct val="90000"/>
+        </a:lnSpc>
+        <a:spcBef>
+          <a:spcPts val="500"/>
+        </a:spcBef>
+        <a:buFont typeface="Arial" panose="020B0604020202020204" pitchFamily="34" charset="0"/>
+        <a:buChar char="•"/>
+        <a:defRPr sz="2400" kern="1200">
+          <a:solidFill>
+            <a:schemeClr val="tx1"/>
+          </a:solidFill>
+          <a:latin typeface="+mn-lt"/>
+          <a:ea typeface="+mn-ea"/>
+          <a:cs typeface="+mn-cs"/>
+        </a:defRPr>
+      </a:lvl2pPr>
+      <a:lvl3pPr marL="1143000" indent="-228600" algn="l" defTabSz="914400" rtl="0" eaLnBrk="1" latinLnBrk="0" hangingPunct="1">
+        <a:lnSpc>
+          <a:spcPct val="90000"/>
+        </a:lnSpc>
+        <a:spcBef>
+          <a:spcPts val="500"/>
+        </a:spcBef>
+        <a:buFont typeface="Arial" panose="020B0604020202020204" pitchFamily="34" charset="0"/>
+        <a:buChar char="•"/>
+        <a:defRPr sz="2000" kern="1200">
+          <a:solidFill>
+            <a:schemeClr val="tx1"/>
+          </a:solidFill>
+          <a:latin typeface="+mn-lt"/>
+          <a:ea typeface="+mn-ea"/>
+          <a:cs typeface="+mn-cs"/>
+        </a:defRPr>
+      </a:lvl3pPr>
+      <a:lvl4pPr marL="1600200" indent="-228600" algn="l" defTabSz="914400" rtl="0" eaLnBrk="1" latinLnBrk="0" hangingPunct="1">
+        <a:lnSpc>
+          <a:spcPct val="90000"/>
+        </a:lnSpc>
+        <a:spcBef>
+          <a:spcPts val="500"/>
+        </a:spcBef>
+        <a:buFont typeface="Arial" panose="020B0604020202020204" pitchFamily="34" charset="0"/>
+        <a:buChar char="•"/>
+        <a:defRPr sz="1800" kern="1200">
+          <a:solidFill>
+            <a:schemeClr val="tx1"/>
+          </a:solidFill>
+          <a:latin typeface="+mn-lt"/>
+          <a:ea typeface="+mn-ea"/>
+          <a:cs typeface="+mn-cs"/>
+        </a:defRPr>
+      </a:lvl4pPr>
+      <a:lvl5pPr marL="2057400" indent="-228600" algn="l" defTabSz="914400" rtl="0" eaLnBrk="1" latinLnBrk="0" hangingPunct="1">
+        <a:lnSpc>
+          <a:spcPct val="90000"/>
+        </a:lnSpc>
+        <a:spcBef>
+          <a:spcPts val="500"/>
+        </a:spcBef>
+        <a:buFont typeface="Arial" panose="020B0604020202020204" pitchFamily="34" charset="0"/>
+        <a:buChar char="•"/>
+        <a:defRPr sz="1800" kern="1200">
+          <a:solidFill>
+            <a:schemeClr val="tx1"/>
+          </a:solidFill>
+          <a:latin typeface="+mn-lt"/>
+          <a:ea typeface="+mn-ea"/>
+          <a:cs typeface="+mn-cs"/>
+        </a:defRPr>
+      </a:lvl5pPr>
+      <a:lvl6pPr marL="2514600" indent="-228600" algn="l" defTabSz="914400" rtl="0" eaLnBrk="1" latinLnBrk="0" hangingPunct="1">
+        <a:lnSpc>
+          <a:spcPct val="90000"/>
+        </a:lnSpc>
+        <a:spcBef>
+          <a:spcPts val="500"/>
+        </a:spcBef>
+        <a:buFont typeface="Arial" panose="020B0604020202020204" pitchFamily="34" charset="0"/>
+        <a:buChar char="•"/>
+        <a:defRPr sz="1800" kern="1200">
+          <a:solidFill>
+            <a:schemeClr val="tx1"/>
+          </a:solidFill>
+          <a:latin typeface="+mn-lt"/>
+          <a:ea typeface="+mn-ea"/>
+          <a:cs typeface="+mn-cs"/>
+        </a:defRPr>
+      </a:lvl6pPr>
+      <a:lvl7pPr marL="2971800" indent="-228600" algn="l" defTabSz="914400" rtl="0" eaLnBrk="1" latinLnBrk="0" hangingPunct="1">
+        <a:lnSpc>
+          <a:spcPct val="90000"/>
+        </a:lnSpc>
+        <a:spcBef>
+          <a:spcPts val="500"/>
+        </a:spcBef>
+        <a:buFont typeface="Arial" panose="020B0604020202020204" pitchFamily="34" charset="0"/>
+        <a:buChar char="•"/>
+        <a:defRPr sz="1800" kern="1200">
+          <a:solidFill>
+            <a:schemeClr val="tx1"/>
+          </a:solidFill>
+          <a:latin typeface="+mn-lt"/>
+          <a:ea typeface="+mn-ea"/>
+          <a:cs typeface="+mn-cs"/>
+        </a:defRPr>
+      </a:lvl7pPr>
+      <a:lvl8pPr marL="3429000" indent="-228600" algn="l" defTabSz="914400" rtl="0" eaLnBrk="1" latinLnBrk="0" hangingPunct="1">
+        <a:lnSpc>
+          <a:spcPct val="90000"/>
+        </a:lnSpc>
+        <a:spcBef>
+          <a:spcPts val="500"/>
+        </a:spcBef>
+        <a:buFont typeface="Arial" panose="020B0604020202020204" pitchFamily="34" charset="0"/>
+        <a:buChar char="•"/>
+        <a:defRPr sz="1800" kern="1200">
+          <a:solidFill>
+            <a:schemeClr val="tx1"/>
+          </a:solidFill>
+          <a:latin typeface="+mn-lt"/>
+          <a:ea typeface="+mn-ea"/>
+          <a:cs typeface="+mn-cs"/>
+        </a:defRPr>
+      </a:lvl8pPr>
+      <a:lvl9pPr marL="3886200" indent="-228600" algn="l" defTabSz="914400" rtl="0" eaLnBrk="1" latinLnBrk="0" hangingPunct="1">
+        <a:lnSpc>
+          <a:spcPct val="90000"/>
+        </a:lnSpc>
+        <a:spcBef>
+          <a:spcPts val="500"/>
+        </a:spcBef>
+        <a:buFont typeface="Arial" panose="020B0604020202020204" pitchFamily="34" charset="0"/>
+        <a:buChar char="•"/>
+        <a:defRPr sz="1800" kern="1200">
+          <a:solidFill>
+            <a:schemeClr val="tx1"/>
+          </a:solidFill>
+          <a:latin typeface="+mn-lt"/>
+          <a:ea typeface="+mn-ea"/>
+          <a:cs typeface="+mn-cs"/>
+        </a:defRPr>
+      </a:lvl9pPr>
+    </p:bodyStyle>
+    <p:otherStyle>
+      <a:defPPr>
+        <a:defRPr lang="en-US"/>
+      </a:defPPr>
+      <a:lvl1pPr marL="0" algn="l" defTabSz="914400" rtl="0" eaLnBrk="1" latinLnBrk="0" hangingPunct="1">
+        <a:defRPr sz="1800" kern="1200">
+          <a:solidFill>
+            <a:schemeClr val="tx1"/>
+          </a:solidFill>
+          <a:latin typeface="+mn-lt"/>
+          <a:ea typeface="+mn-ea"/>
+          <a:cs typeface="+mn-cs"/>
+        </a:defRPr>
+      </a:lvl1pPr>
+      <a:lvl2pPr marL="457200" algn="l" defTabSz="914400" rtl="0" eaLnBrk="1" latinLnBrk="0" hangingPunct="1">
+        <a:defRPr sz="1800" kern="1200">
+          <a:solidFill>
+            <a:schemeClr val="tx1"/>
+          </a:solidFill>
+          <a:latin typeface="+mn-lt"/>
+          <a:ea typeface="+mn-ea"/>
+          <a:cs typeface="+mn-cs"/>
+        </a:defRPr>
+      </a:lvl2pPr>
+      <a:lvl3pPr marL="914400" algn="l" defTabSz="914400" rtl="0" eaLnBrk="1" latinLnBrk="0" hangingPunct="1">
+        <a:defRPr sz="1800" kern="1200">
+          <a:solidFill>
+            <a:schemeClr val="tx1"/>
+          </a:solidFill>
+          <a:latin typeface="+mn-lt"/>
+          <a:ea typeface="+mn-ea"/>
+          <a:cs typeface="+mn-cs"/>
+        </a:defRPr>
+      </a:lvl3pPr>
+      <a:lvl4pPr marL="1371600" algn="l" defTabSz="914400" rtl="0" eaLnBrk="1" latinLnBrk="0" hangingPunct="1">
+        <a:defRPr sz="1800" kern="1200">
+          <a:solidFill>
+            <a:schemeClr val="tx1"/>
+          </a:solidFill>
+          <a:latin typeface="+mn-lt"/>
+          <a:ea typeface="+mn-ea"/>
+          <a:cs typeface="+mn-cs"/>
+        </a:defRPr>
+      </a:lvl4pPr>
+      <a:lvl5pPr marL="1828800" algn="l" defTabSz="914400" rtl="0" eaLnBrk="1" latinLnBrk="0" hangingPunct="1">
+        <a:defRPr sz="1800" kern="1200">
+          <a:solidFill>
+            <a:schemeClr val="tx1"/>
+          </a:solidFill>
+          <a:latin typeface="+mn-lt"/>
+          <a:ea typeface="+mn-ea"/>
+          <a:cs typeface="+mn-cs"/>
+        </a:defRPr>
+      </a:lvl5pPr>
+      <a:lvl6pPr marL="2286000" algn="l" defTabSz="914400" rtl="0" eaLnBrk="1" latinLnBrk="0" hangingPunct="1">
+        <a:defRPr sz="1800" kern="1200">
+          <a:solidFill>
+            <a:schemeClr val="tx1"/>
+          </a:solidFill>
+          <a:latin typeface="+mn-lt"/>
+          <a:ea typeface="+mn-ea"/>
+          <a:cs typeface="+mn-cs"/>
+        </a:defRPr>
+      </a:lvl6pPr>
+      <a:lvl7pPr marL="2743200" algn="l" defTabSz="914400" rtl="0" eaLnBrk="1" latinLnBrk="0" hangingPunct="1">
+        <a:defRPr sz="1800" kern="1200">
+          <a:solidFill>
+            <a:schemeClr val="tx1"/>
+          </a:solidFill>
+          <a:latin typeface="+mn-lt"/>
+          <a:ea typeface="+mn-ea"/>
+          <a:cs typeface="+mn-cs"/>
+        </a:defRPr>
+      </a:lvl7pPr>
+      <a:lvl8pPr marL="3200400" algn="l" defTabSz="914400" rtl="0" eaLnBrk="1" latinLnBrk="0" hangingPunct="1">
+        <a:defRPr sz="1800" kern="1200">
+          <a:solidFill>
+            <a:schemeClr val="tx1"/>
+          </a:solidFill>
+          <a:latin typeface="+mn-lt"/>
+          <a:ea typeface="+mn-ea"/>
+          <a:cs typeface="+mn-cs"/>
+        </a:defRPr>
+      </a:lvl8pPr>
+      <a:lvl9pPr marL="3657600" algn="l" defTabSz="914400" rtl="0" eaLnBrk="1" latinLnBrk="0" hangingPunct="1">
+        <a:defRPr sz="1800" kern="1200">
+          <a:solidFill>
+            <a:schemeClr val="tx1"/>
+          </a:solidFill>
+          <a:latin typeface="+mn-lt"/>
+          <a:ea typeface="+mn-ea"/>
+          <a:cs typeface="+mn-cs"/>
+        </a:defRPr>
+      </a:lvl9pPr>
+    </p:otherStyle>
+  </p:txStyles>
 </p:sldMaster>
 </file>
 
 <file path=ppt/slides/slide1.xml><?xml version="1.0" encoding="utf-8"?>
-<p:sld xmlns:a="http://schemas.openxmlformats.org/drawingml/2006/main" xmlns:p="http://schemas.openxmlformats.org/presentationml/2006/main" xmlns:r="http://schemas.openxmlformats.org/officeDocument/2006/relationships" xmlns:p14="http://schemas.microsoft.com/office/powerpoint/2010/main" xmlns:p15="http://schemas.microsoft.com/office/powerpoint/2012/main" xmlns:mc="http://schemas.openxmlformats.org/markup-compatibility/2006">
+<p:sld xmlns:a="http://schemas.openxmlformats.org/drawingml/2006/main" xmlns:r="http://schemas.openxmlformats.org/officeDocument/2006/relationships" xmlns:p="http://schemas.openxmlformats.org/presentationml/2006/main">
   <p:cSld>
     <p:spTree>
       <p:nvGrpSpPr>
@@ -4072,13 +4706,20 @@
           </a:ln>
         </p:spPr>
         <p:style>
-          <a:lnRef idx="0"/>
-          <a:fillRef idx="0"/>
-          <a:effectRef idx="0"/>
+          <a:lnRef idx="0">
+            <a:scrgbClr r="0" g="0" b="0"/>
+          </a:lnRef>
+          <a:fillRef idx="0">
+            <a:scrgbClr r="0" g="0" b="0"/>
+          </a:fillRef>
+          <a:effectRef idx="0">
+            <a:scrgbClr r="0" g="0" b="0"/>
+          </a:effectRef>
           <a:fontRef idx="minor"/>
         </p:style>
         <p:txBody>
-          <a:bodyPr lIns="90000" rIns="90000" tIns="45000" bIns="45000" anchor="b"/>
+          <a:bodyPr lIns="90000" tIns="45000" rIns="90000" bIns="45000" anchor="b"/>
+          <a:lstStyle/>
           <a:p>
             <a:pPr algn="ctr">
               <a:lnSpc>
@@ -4086,13 +4727,13 @@
               </a:lnSpc>
             </a:pPr>
             <a:r>
-              <a:rPr b="0" lang="en-US" sz="6000" spc="-1" strike="noStrike">
+              <a:rPr lang="en-US" sz="6000" b="0" strike="noStrike" spc="-1">
                 <a:solidFill>
                   <a:srgbClr val="000000"/>
                 </a:solidFill>
                 <a:uFill>
                   <a:solidFill>
-                    <a:srgbClr val="ffffff"/>
+                    <a:srgbClr val="FFFFFF"/>
                   </a:solidFill>
                 </a:uFill>
                 <a:latin typeface="Calibri Light"/>
@@ -4100,13 +4741,13 @@
               </a:rPr>
               <a:t>Testing Text Detection</a:t>
             </a:r>
-            <a:endParaRPr b="0" lang="en-US" sz="6000" spc="-1" strike="noStrike">
-              <a:solidFill>
-                <a:srgbClr val="000000"/>
-              </a:solidFill>
-              <a:uFill>
-                <a:solidFill>
-                  <a:srgbClr val="ffffff"/>
+            <a:endParaRPr lang="en-US" sz="6000" b="0" strike="noStrike" spc="-1">
+              <a:solidFill>
+                <a:srgbClr val="000000"/>
+              </a:solidFill>
+              <a:uFill>
+                <a:solidFill>
+                  <a:srgbClr val="FFFFFF"/>
                 </a:solidFill>
               </a:uFill>
               <a:latin typeface="Arial"/>
@@ -4134,13 +4775,20 @@
           </a:ln>
         </p:spPr>
         <p:style>
-          <a:lnRef idx="0"/>
-          <a:fillRef idx="0"/>
-          <a:effectRef idx="0"/>
+          <a:lnRef idx="0">
+            <a:scrgbClr r="0" g="0" b="0"/>
+          </a:lnRef>
+          <a:fillRef idx="0">
+            <a:scrgbClr r="0" g="0" b="0"/>
+          </a:fillRef>
+          <a:effectRef idx="0">
+            <a:scrgbClr r="0" g="0" b="0"/>
+          </a:effectRef>
           <a:fontRef idx="minor"/>
         </p:style>
         <p:txBody>
-          <a:bodyPr lIns="90000" rIns="90000" tIns="45000" bIns="45000"/>
+          <a:bodyPr lIns="90000" tIns="45000" rIns="90000" bIns="45000"/>
+          <a:lstStyle/>
           <a:p>
             <a:pPr algn="ctr">
               <a:lnSpc>
@@ -4148,13 +4796,13 @@
               </a:lnSpc>
             </a:pPr>
             <a:r>
-              <a:rPr b="0" lang="en-US" sz="2400" spc="-1" strike="noStrike">
+              <a:rPr lang="en-US" sz="2400" b="0" strike="noStrike" spc="-1">
                 <a:solidFill>
                   <a:srgbClr val="000000"/>
                 </a:solidFill>
                 <a:uFill>
                   <a:solidFill>
-                    <a:srgbClr val="ffffff"/>
+                    <a:srgbClr val="FFFFFF"/>
                   </a:solidFill>
                 </a:uFill>
                 <a:latin typeface="Calibri"/>
@@ -4162,13 +4810,13 @@
               </a:rPr>
               <a:t>Slide 1</a:t>
             </a:r>
-            <a:endParaRPr b="0" lang="en-US" sz="2400" spc="-1" strike="noStrike">
-              <a:solidFill>
-                <a:srgbClr val="000000"/>
-              </a:solidFill>
-              <a:uFill>
-                <a:solidFill>
-                  <a:srgbClr val="ffffff"/>
+            <a:endParaRPr lang="en-US" sz="2400" b="0" strike="noStrike" spc="-1">
+              <a:solidFill>
+                <a:srgbClr val="000000"/>
+              </a:solidFill>
+              <a:uFill>
+                <a:solidFill>
+                  <a:srgbClr val="FFFFFF"/>
                 </a:solidFill>
               </a:uFill>
               <a:latin typeface="Arial"/>
@@ -4178,6 +4826,9 @@
       </p:sp>
     </p:spTree>
   </p:cSld>
+  <p:clrMapOvr>
+    <a:masterClrMapping/>
+  </p:clrMapOvr>
   <p:timing>
     <p:tnLst>
       <p:par>
@@ -4186,14 +4837,14 @@
             <p:seq>
               <p:cTn id="2" nodeType="mainSeq"/>
               <p:prevCondLst>
-                <p:cond delay="0" evt="onPrev">
+                <p:cond evt="onPrev" delay="0">
                   <p:tgtEl>
                     <p:sldTgt/>
                   </p:tgtEl>
                 </p:cond>
               </p:prevCondLst>
               <p:nextCondLst>
-                <p:cond delay="0" evt="onNext">
+                <p:cond evt="onNext" delay="0">
                   <p:tgtEl>
                     <p:sldTgt/>
                   </p:tgtEl>
@@ -4209,7 +4860,7 @@
 </file>
 
 <file path=ppt/slides/slide10.xml><?xml version="1.0" encoding="utf-8"?>
-<p:sld xmlns:a="http://schemas.openxmlformats.org/drawingml/2006/main" xmlns:p="http://schemas.openxmlformats.org/presentationml/2006/main" xmlns:r="http://schemas.openxmlformats.org/officeDocument/2006/relationships" xmlns:p14="http://schemas.microsoft.com/office/powerpoint/2010/main" xmlns:p15="http://schemas.microsoft.com/office/powerpoint/2012/main" xmlns:mc="http://schemas.openxmlformats.org/markup-compatibility/2006">
+<p:sld xmlns:a="http://schemas.openxmlformats.org/drawingml/2006/main" xmlns:r="http://schemas.openxmlformats.org/officeDocument/2006/relationships" xmlns:p="http://schemas.openxmlformats.org/presentationml/2006/main">
   <p:cSld>
     <p:spTree>
       <p:nvGrpSpPr>
@@ -4245,13 +4896,20 @@
           </a:ln>
         </p:spPr>
         <p:style>
-          <a:lnRef idx="0"/>
-          <a:fillRef idx="0"/>
-          <a:effectRef idx="0"/>
+          <a:lnRef idx="0">
+            <a:scrgbClr r="0" g="0" b="0"/>
+          </a:lnRef>
+          <a:fillRef idx="0">
+            <a:scrgbClr r="0" g="0" b="0"/>
+          </a:fillRef>
+          <a:effectRef idx="0">
+            <a:scrgbClr r="0" g="0" b="0"/>
+          </a:effectRef>
           <a:fontRef idx="minor"/>
         </p:style>
         <p:txBody>
-          <a:bodyPr lIns="90000" rIns="90000" tIns="45000" bIns="45000" anchor="ctr"/>
+          <a:bodyPr lIns="90000" tIns="45000" rIns="90000" bIns="45000" anchor="ctr"/>
+          <a:lstStyle/>
           <a:p>
             <a:pPr>
               <a:lnSpc>
@@ -4259,13 +4917,13 @@
               </a:lnSpc>
             </a:pPr>
             <a:r>
-              <a:rPr b="0" lang="en-US" sz="4400" spc="-1" strike="noStrike">
+              <a:rPr lang="en-US" sz="4400" b="0" strike="noStrike" spc="-1">
                 <a:solidFill>
                   <a:srgbClr val="000000"/>
                 </a:solidFill>
                 <a:uFill>
                   <a:solidFill>
-                    <a:srgbClr val="ffffff"/>
+                    <a:srgbClr val="FFFFFF"/>
                   </a:solidFill>
                 </a:uFill>
                 <a:latin typeface="Calibri Light"/>
@@ -4273,13 +4931,13 @@
               </a:rPr>
               <a:t>Phrase Test</a:t>
             </a:r>
-            <a:endParaRPr b="0" lang="en-US" sz="4400" spc="-1" strike="noStrike">
-              <a:solidFill>
-                <a:srgbClr val="000000"/>
-              </a:solidFill>
-              <a:uFill>
-                <a:solidFill>
-                  <a:srgbClr val="ffffff"/>
+            <a:endParaRPr lang="en-US" sz="4400" b="0" strike="noStrike" spc="-1">
+              <a:solidFill>
+                <a:srgbClr val="000000"/>
+              </a:solidFill>
+              <a:uFill>
+                <a:solidFill>
+                  <a:srgbClr val="FFFFFF"/>
                 </a:solidFill>
               </a:uFill>
               <a:latin typeface="Arial"/>
@@ -4307,22 +4965,29 @@
           </a:ln>
         </p:spPr>
         <p:style>
-          <a:lnRef idx="0"/>
-          <a:fillRef idx="0"/>
-          <a:effectRef idx="0"/>
+          <a:lnRef idx="0">
+            <a:scrgbClr r="0" g="0" b="0"/>
+          </a:lnRef>
+          <a:fillRef idx="0">
+            <a:scrgbClr r="0" g="0" b="0"/>
+          </a:fillRef>
+          <a:effectRef idx="0">
+            <a:scrgbClr r="0" g="0" b="0"/>
+          </a:effectRef>
           <a:fontRef idx="minor"/>
         </p:style>
         <p:txBody>
-          <a:bodyPr lIns="90000" rIns="90000" tIns="45000" bIns="45000"/>
+          <a:bodyPr lIns="90000" tIns="45000" rIns="90000" bIns="45000"/>
+          <a:lstStyle/>
           <a:p>
             <a:r>
-              <a:rPr b="0" lang="en-US" sz="2800" spc="-1" strike="noStrike">
+              <a:rPr lang="en-US" sz="2800" b="0" strike="noStrike" spc="-1">
                 <a:solidFill>
                   <a:srgbClr val="000000"/>
                 </a:solidFill>
                 <a:uFill>
                   <a:solidFill>
-                    <a:srgbClr val="ffffff"/>
+                    <a:srgbClr val="FFFFFF"/>
                   </a:solidFill>
                 </a:uFill>
                 <a:latin typeface="Calibri"/>
@@ -4330,26 +4995,26 @@
               </a:rPr>
               <a:t>From the Universal Declaration of Human Rights (1948):</a:t>
             </a:r>
-            <a:endParaRPr b="0" lang="en-US" sz="2800" spc="-1" strike="noStrike">
-              <a:solidFill>
-                <a:srgbClr val="000000"/>
-              </a:solidFill>
-              <a:uFill>
-                <a:solidFill>
-                  <a:srgbClr val="ffffff"/>
-                </a:solidFill>
-              </a:uFill>
-              <a:latin typeface="Arial"/>
-            </a:endParaRPr>
-          </a:p>
-          <a:p>
-            <a:endParaRPr b="0" lang="en-US" sz="2800" spc="-1" strike="noStrike">
-              <a:solidFill>
-                <a:srgbClr val="000000"/>
-              </a:solidFill>
-              <a:uFill>
-                <a:solidFill>
-                  <a:srgbClr val="ffffff"/>
+            <a:endParaRPr lang="en-US" sz="2800" b="0" strike="noStrike" spc="-1">
+              <a:solidFill>
+                <a:srgbClr val="000000"/>
+              </a:solidFill>
+              <a:uFill>
+                <a:solidFill>
+                  <a:srgbClr val="FFFFFF"/>
+                </a:solidFill>
+              </a:uFill>
+              <a:latin typeface="Arial"/>
+            </a:endParaRPr>
+          </a:p>
+          <a:p>
+            <a:endParaRPr lang="en-US" sz="2800" b="0" strike="noStrike" spc="-1">
+              <a:solidFill>
+                <a:srgbClr val="000000"/>
+              </a:solidFill>
+              <a:uFill>
+                <a:solidFill>
+                  <a:srgbClr val="FFFFFF"/>
                 </a:solidFill>
               </a:uFill>
               <a:latin typeface="Arial"/>
@@ -4357,13 +5022,13 @@
           </a:p>
           <a:p>
             <a:r>
-              <a:rPr b="0" lang="en-US" sz="2800" spc="-1" strike="noStrike">
+              <a:rPr lang="en-US" sz="2800" b="0" strike="noStrike" spc="-1">
                 <a:solidFill>
                   <a:srgbClr val="000000"/>
                 </a:solidFill>
                 <a:uFill>
                   <a:solidFill>
-                    <a:srgbClr val="ffffff"/>
+                    <a:srgbClr val="FFFFFF"/>
                   </a:solidFill>
                 </a:uFill>
                 <a:latin typeface="Calibri"/>
@@ -4371,13 +5036,13 @@
               </a:rPr>
               <a:t>Article 1.</a:t>
             </a:r>
-            <a:endParaRPr b="0" lang="en-US" sz="2800" spc="-1" strike="noStrike">
-              <a:solidFill>
-                <a:srgbClr val="000000"/>
-              </a:solidFill>
-              <a:uFill>
-                <a:solidFill>
-                  <a:srgbClr val="ffffff"/>
+            <a:endParaRPr lang="en-US" sz="2800" b="0" strike="noStrike" spc="-1">
+              <a:solidFill>
+                <a:srgbClr val="000000"/>
+              </a:solidFill>
+              <a:uFill>
+                <a:solidFill>
+                  <a:srgbClr val="FFFFFF"/>
                 </a:solidFill>
               </a:uFill>
               <a:latin typeface="Arial"/>
@@ -4385,13 +5050,13 @@
           </a:p>
           <a:p>
             <a:r>
-              <a:rPr b="0" lang="en-US" sz="2800" spc="-1" strike="noStrike">
+              <a:rPr lang="en-US" sz="2800" b="0" strike="noStrike" spc="-1">
                 <a:solidFill>
                   <a:srgbClr val="000000"/>
                 </a:solidFill>
                 <a:uFill>
                   <a:solidFill>
-                    <a:srgbClr val="ffffff"/>
+                    <a:srgbClr val="FFFFFF"/>
                   </a:solidFill>
                 </a:uFill>
                 <a:latin typeface="Calibri"/>
@@ -4399,13 +5064,13 @@
               </a:rPr>
               <a:t> </a:t>
             </a:r>
-            <a:endParaRPr b="0" lang="en-US" sz="2800" spc="-1" strike="noStrike">
-              <a:solidFill>
-                <a:srgbClr val="000000"/>
-              </a:solidFill>
-              <a:uFill>
-                <a:solidFill>
-                  <a:srgbClr val="ffffff"/>
+            <a:endParaRPr lang="en-US" sz="2800" b="0" strike="noStrike" spc="-1">
+              <a:solidFill>
+                <a:srgbClr val="000000"/>
+              </a:solidFill>
+              <a:uFill>
+                <a:solidFill>
+                  <a:srgbClr val="FFFFFF"/>
                 </a:solidFill>
               </a:uFill>
               <a:latin typeface="Arial"/>
@@ -4413,13 +5078,13 @@
           </a:p>
           <a:p>
             <a:r>
-              <a:rPr b="0" lang="en-US" sz="2800" spc="-1" strike="noStrike">
+              <a:rPr lang="en-US" sz="2800" b="0" strike="noStrike" spc="-1">
                 <a:solidFill>
                   <a:srgbClr val="000000"/>
                 </a:solidFill>
                 <a:uFill>
                   <a:solidFill>
-                    <a:srgbClr val="ffffff"/>
+                    <a:srgbClr val="FFFFFF"/>
                   </a:solidFill>
                 </a:uFill>
                 <a:latin typeface="Calibri"/>
@@ -4427,13 +5092,13 @@
               </a:rPr>
               <a:t>All human beings are born free and equal in dignity and rights. They are endowed with reason and conscience and should act towards one another in a spirit of brotherhood.</a:t>
             </a:r>
-            <a:endParaRPr b="0" lang="en-US" sz="2800" spc="-1" strike="noStrike">
-              <a:solidFill>
-                <a:srgbClr val="000000"/>
-              </a:solidFill>
-              <a:uFill>
-                <a:solidFill>
-                  <a:srgbClr val="ffffff"/>
+            <a:endParaRPr lang="en-US" sz="2800" b="0" strike="noStrike" spc="-1">
+              <a:solidFill>
+                <a:srgbClr val="000000"/>
+              </a:solidFill>
+              <a:uFill>
+                <a:solidFill>
+                  <a:srgbClr val="FFFFFF"/>
                 </a:solidFill>
               </a:uFill>
               <a:latin typeface="Arial"/>
@@ -4443,22 +5108,25 @@
       </p:sp>
     </p:spTree>
   </p:cSld>
+  <p:clrMapOvr>
+    <a:masterClrMapping/>
+  </p:clrMapOvr>
   <p:timing>
     <p:tnLst>
       <p:par>
-        <p:cTn id="19" dur="indefinite" restart="never" nodeType="tmRoot">
+        <p:cTn id="1" dur="indefinite" restart="never" nodeType="tmRoot">
           <p:childTnLst>
             <p:seq>
-              <p:cTn id="20" nodeType="mainSeq"/>
+              <p:cTn id="2" nodeType="mainSeq"/>
               <p:prevCondLst>
-                <p:cond delay="0" evt="onPrev">
+                <p:cond evt="onPrev" delay="0">
                   <p:tgtEl>
                     <p:sldTgt/>
                   </p:tgtEl>
                 </p:cond>
               </p:prevCondLst>
               <p:nextCondLst>
-                <p:cond delay="0" evt="onNext">
+                <p:cond evt="onNext" delay="0">
                   <p:tgtEl>
                     <p:sldTgt/>
                   </p:tgtEl>
@@ -4474,7 +5142,7 @@
 </file>
 
 <file path=ppt/slides/slide11.xml><?xml version="1.0" encoding="utf-8"?>
-<p:sld xmlns:a="http://schemas.openxmlformats.org/drawingml/2006/main" xmlns:p="http://schemas.openxmlformats.org/presentationml/2006/main" xmlns:r="http://schemas.openxmlformats.org/officeDocument/2006/relationships" xmlns:p14="http://schemas.microsoft.com/office/powerpoint/2010/main" xmlns:p15="http://schemas.microsoft.com/office/powerpoint/2012/main" xmlns:mc="http://schemas.openxmlformats.org/markup-compatibility/2006">
+<p:sld xmlns:a="http://schemas.openxmlformats.org/drawingml/2006/main" xmlns:r="http://schemas.openxmlformats.org/officeDocument/2006/relationships" xmlns:p="http://schemas.openxmlformats.org/presentationml/2006/main">
   <p:cSld>
     <p:spTree>
       <p:nvGrpSpPr>
@@ -4510,13 +5178,20 @@
           </a:ln>
         </p:spPr>
         <p:style>
-          <a:lnRef idx="0"/>
-          <a:fillRef idx="0"/>
-          <a:effectRef idx="0"/>
+          <a:lnRef idx="0">
+            <a:scrgbClr r="0" g="0" b="0"/>
+          </a:lnRef>
+          <a:fillRef idx="0">
+            <a:scrgbClr r="0" g="0" b="0"/>
+          </a:fillRef>
+          <a:effectRef idx="0">
+            <a:scrgbClr r="0" g="0" b="0"/>
+          </a:effectRef>
           <a:fontRef idx="minor"/>
         </p:style>
         <p:txBody>
-          <a:bodyPr lIns="90000" rIns="90000" tIns="45000" bIns="45000" anchor="ctr"/>
+          <a:bodyPr lIns="90000" tIns="45000" rIns="90000" bIns="45000" anchor="ctr"/>
+          <a:lstStyle/>
           <a:p>
             <a:pPr>
               <a:lnSpc>
@@ -4524,13 +5199,13 @@
               </a:lnSpc>
             </a:pPr>
             <a:r>
-              <a:rPr b="0" lang="en-US" sz="4400" spc="-1" strike="noStrike">
+              <a:rPr lang="en-US" sz="4400" b="0" strike="noStrike" spc="-1">
                 <a:solidFill>
                   <a:srgbClr val="000000"/>
                 </a:solidFill>
                 <a:uFill>
                   <a:solidFill>
-                    <a:srgbClr val="ffffff"/>
+                    <a:srgbClr val="FFFFFF"/>
                   </a:solidFill>
                 </a:uFill>
                 <a:latin typeface="Calibri Light"/>
@@ -4538,13 +5213,13 @@
               </a:rPr>
               <a:t>End</a:t>
             </a:r>
-            <a:endParaRPr b="0" lang="en-US" sz="4400" spc="-1" strike="noStrike">
-              <a:solidFill>
-                <a:srgbClr val="000000"/>
-              </a:solidFill>
-              <a:uFill>
-                <a:solidFill>
-                  <a:srgbClr val="ffffff"/>
+            <a:endParaRPr lang="en-US" sz="4400" b="0" strike="noStrike" spc="-1">
+              <a:solidFill>
+                <a:srgbClr val="000000"/>
+              </a:solidFill>
+              <a:uFill>
+                <a:solidFill>
+                  <a:srgbClr val="FFFFFF"/>
                 </a:solidFill>
               </a:uFill>
               <a:latin typeface="Arial"/>
@@ -4572,13 +5247,20 @@
           </a:ln>
         </p:spPr>
         <p:style>
-          <a:lnRef idx="0"/>
-          <a:fillRef idx="0"/>
-          <a:effectRef idx="0"/>
+          <a:lnRef idx="0">
+            <a:scrgbClr r="0" g="0" b="0"/>
+          </a:lnRef>
+          <a:fillRef idx="0">
+            <a:scrgbClr r="0" g="0" b="0"/>
+          </a:fillRef>
+          <a:effectRef idx="0">
+            <a:scrgbClr r="0" g="0" b="0"/>
+          </a:effectRef>
           <a:fontRef idx="minor"/>
         </p:style>
         <p:txBody>
-          <a:bodyPr lIns="90000" rIns="90000" tIns="45000" bIns="45000"/>
+          <a:bodyPr lIns="90000" tIns="45000" rIns="90000" bIns="45000"/>
+          <a:lstStyle/>
           <a:p>
             <a:pPr marL="228600" indent="-221760">
               <a:lnSpc>
@@ -4591,13 +5273,13 @@
               <a:buChar char="•"/>
             </a:pPr>
             <a:r>
-              <a:rPr b="0" lang="en-US" sz="2800" spc="-1" strike="noStrike">
+              <a:rPr lang="en-US" sz="2800" b="0" strike="noStrike" spc="-1">
                 <a:solidFill>
                   <a:srgbClr val="000000"/>
                 </a:solidFill>
                 <a:uFill>
                   <a:solidFill>
-                    <a:srgbClr val="ffffff"/>
+                    <a:srgbClr val="FFFFFF"/>
                   </a:solidFill>
                 </a:uFill>
                 <a:latin typeface="Calibri"/>
@@ -4605,13 +5287,13 @@
               </a:rPr>
               <a:t>End slide test text 01/01/2011</a:t>
             </a:r>
-            <a:endParaRPr b="0" lang="en-US" sz="2800" spc="-1" strike="noStrike">
-              <a:solidFill>
-                <a:srgbClr val="000000"/>
-              </a:solidFill>
-              <a:uFill>
-                <a:solidFill>
-                  <a:srgbClr val="ffffff"/>
+            <a:endParaRPr lang="en-US" sz="2800" b="0" strike="noStrike" spc="-1">
+              <a:solidFill>
+                <a:srgbClr val="000000"/>
+              </a:solidFill>
+              <a:uFill>
+                <a:solidFill>
+                  <a:srgbClr val="FFFFFF"/>
                 </a:solidFill>
               </a:uFill>
               <a:latin typeface="Arial"/>
@@ -4621,22 +5303,25 @@
       </p:sp>
     </p:spTree>
   </p:cSld>
+  <p:clrMapOvr>
+    <a:masterClrMapping/>
+  </p:clrMapOvr>
   <p:timing>
     <p:tnLst>
       <p:par>
-        <p:cTn id="21" dur="indefinite" restart="never" nodeType="tmRoot">
+        <p:cTn id="1" dur="indefinite" restart="never" nodeType="tmRoot">
           <p:childTnLst>
             <p:seq>
-              <p:cTn id="22" nodeType="mainSeq"/>
+              <p:cTn id="2" nodeType="mainSeq"/>
               <p:prevCondLst>
-                <p:cond delay="0" evt="onPrev">
+                <p:cond evt="onPrev" delay="0">
                   <p:tgtEl>
                     <p:sldTgt/>
                   </p:tgtEl>
                 </p:cond>
               </p:prevCondLst>
               <p:nextCondLst>
-                <p:cond delay="0" evt="onNext">
+                <p:cond evt="onNext" delay="0">
                   <p:tgtEl>
                     <p:sldTgt/>
                   </p:tgtEl>
@@ -4652,7 +5337,7 @@
 </file>
 
 <file path=ppt/slides/slide2.xml><?xml version="1.0" encoding="utf-8"?>
-<p:sld xmlns:a="http://schemas.openxmlformats.org/drawingml/2006/main" xmlns:p="http://schemas.openxmlformats.org/presentationml/2006/main" xmlns:r="http://schemas.openxmlformats.org/officeDocument/2006/relationships" xmlns:p14="http://schemas.microsoft.com/office/powerpoint/2010/main" xmlns:p15="http://schemas.microsoft.com/office/powerpoint/2012/main" xmlns:mc="http://schemas.openxmlformats.org/markup-compatibility/2006">
+<p:sld xmlns:a="http://schemas.openxmlformats.org/drawingml/2006/main" xmlns:r="http://schemas.openxmlformats.org/officeDocument/2006/relationships" xmlns:p="http://schemas.openxmlformats.org/presentationml/2006/main">
   <p:cSld>
     <p:spTree>
       <p:nvGrpSpPr>
@@ -4688,13 +5373,20 @@
           </a:ln>
         </p:spPr>
         <p:style>
-          <a:lnRef idx="0"/>
-          <a:fillRef idx="0"/>
-          <a:effectRef idx="0"/>
+          <a:lnRef idx="0">
+            <a:scrgbClr r="0" g="0" b="0"/>
+          </a:lnRef>
+          <a:fillRef idx="0">
+            <a:scrgbClr r="0" g="0" b="0"/>
+          </a:fillRef>
+          <a:effectRef idx="0">
+            <a:scrgbClr r="0" g="0" b="0"/>
+          </a:effectRef>
           <a:fontRef idx="minor"/>
         </p:style>
         <p:txBody>
-          <a:bodyPr lIns="90000" rIns="90000" tIns="45000" bIns="45000" anchor="ctr"/>
+          <a:bodyPr lIns="90000" tIns="45000" rIns="90000" bIns="45000" anchor="ctr"/>
+          <a:lstStyle/>
           <a:p>
             <a:pPr>
               <a:lnSpc>
@@ -4702,13 +5394,13 @@
               </a:lnSpc>
             </a:pPr>
             <a:r>
-              <a:rPr b="0" lang="en-US" sz="4400" spc="-1" strike="noStrike">
+              <a:rPr lang="en-US" sz="4400" b="0" strike="noStrike" spc="-1">
                 <a:solidFill>
                   <a:srgbClr val="000000"/>
                 </a:solidFill>
                 <a:uFill>
                   <a:solidFill>
-                    <a:srgbClr val="ffffff"/>
+                    <a:srgbClr val="FFFFFF"/>
                   </a:solidFill>
                 </a:uFill>
                 <a:latin typeface="Calibri Light"/>
@@ -4716,13 +5408,13 @@
               </a:rPr>
               <a:t>Testing:</a:t>
             </a:r>
-            <a:endParaRPr b="0" lang="en-US" sz="4400" spc="-1" strike="noStrike">
-              <a:solidFill>
-                <a:srgbClr val="000000"/>
-              </a:solidFill>
-              <a:uFill>
-                <a:solidFill>
-                  <a:srgbClr val="ffffff"/>
+            <a:endParaRPr lang="en-US" sz="4400" b="0" strike="noStrike" spc="-1">
+              <a:solidFill>
+                <a:srgbClr val="000000"/>
+              </a:solidFill>
+              <a:uFill>
+                <a:solidFill>
+                  <a:srgbClr val="FFFFFF"/>
                 </a:solidFill>
               </a:uFill>
               <a:latin typeface="Arial"/>
@@ -4750,237 +5442,191 @@
           </a:ln>
         </p:spPr>
         <p:style>
-          <a:lnRef idx="0"/>
-          <a:fillRef idx="0"/>
-          <a:effectRef idx="0"/>
+          <a:lnRef idx="0">
+            <a:scrgbClr r="0" g="0" b="0"/>
+          </a:lnRef>
+          <a:fillRef idx="0">
+            <a:scrgbClr r="0" g="0" b="0"/>
+          </a:fillRef>
+          <a:effectRef idx="0">
+            <a:scrgbClr r="0" g="0" b="0"/>
+          </a:effectRef>
           <a:fontRef idx="minor"/>
         </p:style>
         <p:txBody>
-          <a:bodyPr lIns="90000" rIns="90000" tIns="45000" bIns="45000"/>
+          <a:bodyPr lIns="90000" tIns="45000" rIns="90000" bIns="45000"/>
+          <a:lstStyle/>
           <a:p>
             <a:pPr>
               <a:lnSpc>
                 <a:spcPct val="90000"/>
               </a:lnSpc>
             </a:pPr>
+            <a:endParaRPr lang="en-US" sz="2800" b="0" strike="noStrike" spc="-1" dirty="0">
+              <a:solidFill>
+                <a:srgbClr val="000000"/>
+              </a:solidFill>
+              <a:uFill>
+                <a:solidFill>
+                  <a:srgbClr val="FFFFFF"/>
+                </a:solidFill>
+              </a:uFill>
+              <a:latin typeface="Arial"/>
+            </a:endParaRPr>
+          </a:p>
+        </p:txBody>
+      </p:sp>
+      <p:sp>
+        <p:nvSpPr>
+          <p:cNvPr id="5" name="TextBox 4">
+            <a:extLst>
+              <a:ext uri="{FF2B5EF4-FFF2-40B4-BE49-F238E27FC236}">
+                <a16:creationId xmlns:a16="http://schemas.microsoft.com/office/drawing/2014/main" id="{7C7F9062-DD4B-4F41-9ABD-09D026868620}"/>
+              </a:ext>
+            </a:extLst>
+          </p:cNvPr>
+          <p:cNvSpPr txBox="1"/>
+          <p:nvPr/>
+        </p:nvSpPr>
+        <p:spPr>
+          <a:xfrm>
+            <a:off x="902614" y="1385888"/>
+            <a:ext cx="10451306" cy="5324535"/>
+          </a:xfrm>
+          <a:prstGeom prst="rect">
+            <a:avLst/>
+          </a:prstGeom>
+          <a:noFill/>
+        </p:spPr>
+        <p:txBody>
+          <a:bodyPr wrap="square">
+            <a:spAutoFit/>
+          </a:bodyPr>
+          <a:lstStyle/>
+          <a:p>
             <a:r>
-              <a:rPr b="0" lang="en-US" sz="2800" spc="-1" strike="noStrike">
-                <a:solidFill>
-                  <a:srgbClr val="000000"/>
-                </a:solidFill>
-                <a:uFill>
-                  <a:solidFill>
-                    <a:srgbClr val="ffffff"/>
-                  </a:solidFill>
-                </a:uFill>
-                <a:latin typeface="Calibri"/>
-                <a:ea typeface="DejaVu Sans"/>
-              </a:rPr>
-              <a:t>はベンゾジアゼピン系抗不安薬、抗けいれん薬、鎮静薬である。日本国外では代表的な睡眠薬でもあり、（骨格）筋弛緩作用もある。アルコール・ベンゾジアゼピン離脱症候群の管理にも用いられる。</a:t>
-            </a:r>
-            <a:endParaRPr b="0" lang="en-US" sz="2800" spc="-1" strike="noStrike">
-              <a:solidFill>
-                <a:srgbClr val="000000"/>
-              </a:solidFill>
-              <a:uFill>
-                <a:solidFill>
-                  <a:srgbClr val="ffffff"/>
-                </a:solidFill>
-              </a:uFill>
-              <a:latin typeface="Arial"/>
-            </a:endParaRPr>
-          </a:p>
-          <a:p>
-            <a:pPr>
-              <a:lnSpc>
-                <a:spcPct val="90000"/>
-              </a:lnSpc>
-            </a:pPr>
-            <a:endParaRPr b="0" lang="en-US" sz="2800" spc="-1" strike="noStrike">
-              <a:solidFill>
-                <a:srgbClr val="000000"/>
-              </a:solidFill>
-              <a:uFill>
-                <a:solidFill>
-                  <a:srgbClr val="ffffff"/>
-                </a:solidFill>
-              </a:uFill>
-              <a:latin typeface="Arial"/>
-            </a:endParaRPr>
-          </a:p>
-          <a:p>
-            <a:pPr>
-              <a:lnSpc>
-                <a:spcPct val="90000"/>
-              </a:lnSpc>
-            </a:pPr>
-            <a:r>
-              <a:rPr b="0" lang="en-US" sz="2800" spc="-1" strike="noStrike">
-                <a:solidFill>
-                  <a:srgbClr val="000000"/>
-                </a:solidFill>
-                <a:uFill>
-                  <a:solidFill>
-                    <a:srgbClr val="ffffff"/>
-                  </a:solidFill>
-                </a:uFill>
-                <a:latin typeface="Calibri"/>
-                <a:ea typeface="DejaVu Sans"/>
-              </a:rPr>
-              <a:t>化学的には</a:t>
+              <a:rPr lang="ja-JP" altLang="en-US" sz="2000" dirty="0"/>
+              <a:t>ジアゼパム  は、主に抗不安薬、抗けいれん薬、催眠鎮静薬として用いられる、ベンゾジアゼピン系の化合物である</a:t>
             </a:r>
             <a:r>
-              <a:rPr b="0" lang="en-US" sz="2800" spc="-1" strike="noStrike">
-                <a:solidFill>
-                  <a:srgbClr val="000000"/>
-                </a:solidFill>
-                <a:uFill>
-                  <a:solidFill>
-                    <a:srgbClr val="ffffff"/>
-                  </a:solidFill>
-                </a:uFill>
-                <a:latin typeface="Calibri"/>
-                <a:ea typeface="DejaVu Sans"/>
-              </a:rPr>
-              <a:t>1,4-</a:t>
+              <a:rPr lang="en-US" altLang="ja-JP" sz="2000" dirty="0"/>
+              <a:t>[1][2]</a:t>
             </a:r>
             <a:r>
-              <a:rPr b="0" lang="en-US" sz="2800" spc="-1" strike="noStrike">
-                <a:solidFill>
-                  <a:srgbClr val="000000"/>
-                </a:solidFill>
-                <a:uFill>
-                  <a:solidFill>
-                    <a:srgbClr val="ffffff"/>
-                  </a:solidFill>
-                </a:uFill>
-                <a:latin typeface="Calibri"/>
-                <a:ea typeface="DejaVu Sans"/>
-              </a:rPr>
-              <a:t>ベンゾジアゼピン誘導体で、</a:t>
+              <a:rPr lang="ja-JP" altLang="en-US" sz="2000" dirty="0"/>
+              <a:t>。筋弛緩作用もある</a:t>
             </a:r>
             <a:r>
-              <a:rPr b="0" lang="en-US" sz="2800" spc="-1" strike="noStrike">
-                <a:solidFill>
-                  <a:srgbClr val="000000"/>
-                </a:solidFill>
-                <a:uFill>
-                  <a:solidFill>
-                    <a:srgbClr val="ffffff"/>
-                  </a:solidFill>
-                </a:uFill>
-                <a:latin typeface="Calibri"/>
-                <a:ea typeface="DejaVu Sans"/>
-              </a:rPr>
-              <a:t>1950</a:t>
+              <a:rPr lang="en-US" altLang="ja-JP" sz="2000" dirty="0"/>
+              <a:t>[3]</a:t>
             </a:r>
             <a:r>
-              <a:rPr b="0" lang="en-US" sz="2800" spc="-1" strike="noStrike">
-                <a:solidFill>
-                  <a:srgbClr val="000000"/>
-                </a:solidFill>
-                <a:uFill>
-                  <a:solidFill>
-                    <a:srgbClr val="ffffff"/>
-                  </a:solidFill>
-                </a:uFill>
-                <a:latin typeface="Calibri"/>
-                <a:ea typeface="DejaVu Sans"/>
-              </a:rPr>
-              <a:t>年代にレオ・スターンバックによって合成された。ジアゼパムは、広く用いられる標準的なベンゾジアゼピンの</a:t>
+              <a:rPr lang="ja-JP" altLang="en-US" sz="2000" dirty="0"/>
+              <a:t>。アルコールの離脱や、ベンゾジアゼピン離脱症候群の管理にも用いられる。ジアゼパムは、広く用いられる標準的なベンゾジアゼピン系の一つで、世界保健機関 </a:t>
             </a:r>
             <a:r>
-              <a:rPr b="0" lang="en-US" sz="2800" spc="-1" strike="noStrike">
-                <a:solidFill>
-                  <a:srgbClr val="000000"/>
-                </a:solidFill>
-                <a:uFill>
-                  <a:solidFill>
-                    <a:srgbClr val="ffffff"/>
-                  </a:solidFill>
-                </a:uFill>
-                <a:latin typeface="Calibri"/>
-                <a:ea typeface="DejaVu Sans"/>
-              </a:rPr>
-              <a:t>1</a:t>
-            </a:r>
-            <a:r>
-              <a:rPr b="0" lang="en-US" sz="2800" spc="-1" strike="noStrike">
-                <a:solidFill>
-                  <a:srgbClr val="000000"/>
-                </a:solidFill>
-                <a:uFill>
-                  <a:solidFill>
-                    <a:srgbClr val="ffffff"/>
-                  </a:solidFill>
-                </a:uFill>
-                <a:latin typeface="Calibri"/>
-                <a:ea typeface="DejaVu Sans"/>
-              </a:rPr>
-              <a:t>つで、世界保健機関 </a:t>
-            </a:r>
-            <a:r>
-              <a:rPr b="0" lang="en-US" sz="2800" spc="-1" strike="noStrike">
-                <a:solidFill>
-                  <a:srgbClr val="000000"/>
-                </a:solidFill>
-                <a:uFill>
-                  <a:solidFill>
-                    <a:srgbClr val="ffffff"/>
-                  </a:solidFill>
-                </a:uFill>
-                <a:latin typeface="Calibri"/>
-                <a:ea typeface="DejaVu Sans"/>
-              </a:rPr>
+              <a:rPr lang="en-US" altLang="ja-JP" sz="2000" dirty="0"/>
               <a:t>(WHO) </a:t>
             </a:r>
             <a:r>
-              <a:rPr b="0" lang="en-US" sz="2800" spc="-1" strike="noStrike">
-                <a:solidFill>
-                  <a:srgbClr val="000000"/>
-                </a:solidFill>
-                <a:uFill>
-                  <a:solidFill>
-                    <a:srgbClr val="ffffff"/>
-                  </a:solidFill>
-                </a:uFill>
-                <a:latin typeface="Calibri"/>
-                <a:ea typeface="DejaVu Sans"/>
-              </a:rPr>
-              <a:t>もその「エッセンシャルドラッグ」リストにジアゼパムを掲載してい</a:t>
+              <a:rPr lang="ja-JP" altLang="en-US" sz="2000" dirty="0"/>
+              <a:t>による必須医薬品の一覧に加えられている</a:t>
             </a:r>
-            <a:endParaRPr b="0" lang="en-US" sz="2800" spc="-1" strike="noStrike">
-              <a:solidFill>
-                <a:srgbClr val="000000"/>
-              </a:solidFill>
-              <a:uFill>
-                <a:solidFill>
-                  <a:srgbClr val="ffffff"/>
-                </a:solidFill>
-              </a:uFill>
-              <a:latin typeface="Arial"/>
-            </a:endParaRPr>
+            <a:r>
+              <a:rPr lang="en-US" altLang="ja-JP" sz="2000" dirty="0"/>
+              <a:t>[4][5]</a:t>
+            </a:r>
+            <a:r>
+              <a:rPr lang="ja-JP" altLang="en-US" sz="2000" dirty="0"/>
+              <a:t>。また広く乱用される薬物であり、</a:t>
+            </a:r>
+            <a:r>
+              <a:rPr lang="en-US" altLang="ja-JP" sz="2000" dirty="0"/>
+              <a:t>1971</a:t>
+            </a:r>
+            <a:r>
+              <a:rPr lang="ja-JP" altLang="en-US" sz="2000" dirty="0"/>
+              <a:t>年の国際条約である向精神薬に関する条約のスケジュール</a:t>
+            </a:r>
+            <a:r>
+              <a:rPr lang="en-US" altLang="ja-JP" sz="2000" dirty="0"/>
+              <a:t>IV</a:t>
+            </a:r>
+            <a:r>
+              <a:rPr lang="ja-JP" altLang="en-US" sz="2000" dirty="0"/>
+              <a:t>に指定され、日本では処方箋医薬品の扱いである。処方・入手は医師の処方箋に限られる。（ジアゼパム錠）</a:t>
+            </a:r>
+          </a:p>
+          <a:p>
+            <a:endParaRPr lang="ja-JP" altLang="en-US" sz="2000" dirty="0"/>
+          </a:p>
+          <a:p>
+            <a:r>
+              <a:rPr lang="ja-JP" altLang="en-US" sz="2000" dirty="0"/>
+              <a:t>ジアゼパムはてんかんや興奮の治療に用いられる</a:t>
+            </a:r>
+            <a:r>
+              <a:rPr lang="en-US" altLang="ja-JP" sz="2000" dirty="0"/>
+              <a:t>[6]</a:t>
+            </a:r>
+            <a:r>
+              <a:rPr lang="ja-JP" altLang="en-US" sz="2000" dirty="0"/>
+              <a:t>。また、有痛性筋痙攣（いわゆる“こむらがえり”）などの筋痙攣の治療にはベンゾジアゼピン類の中で最も有用であるとされている</a:t>
+            </a:r>
+            <a:r>
+              <a:rPr lang="en-US" altLang="ja-JP" sz="2000" dirty="0"/>
+              <a:t>[7]</a:t>
+            </a:r>
+            <a:r>
+              <a:rPr lang="ja-JP" altLang="en-US" sz="2000" dirty="0"/>
+              <a:t>。鎮静作用を生かし手術などの前投薬にも用いられる。アルコールやドラッグによる離脱症状の治療にも用いられる</a:t>
+            </a:r>
+            <a:r>
+              <a:rPr lang="en-US" altLang="ja-JP" sz="2000" dirty="0"/>
+              <a:t>[8][9]</a:t>
+            </a:r>
+            <a:r>
+              <a:rPr lang="ja-JP" altLang="en-US" sz="2000" dirty="0"/>
+              <a:t>。</a:t>
+            </a:r>
+          </a:p>
+          <a:p>
+            <a:endParaRPr lang="ja-JP" altLang="en-US" sz="2000" dirty="0"/>
+          </a:p>
+          <a:p>
+            <a:r>
+              <a:rPr lang="ja-JP" altLang="en-US" sz="2000" dirty="0"/>
+              <a:t>ジアゼパムによる有害事象としては、前向性健忘（特に高用量で）と鎮静、同時に、激昂やてんかん患者における発作の悪化といった奇異反応が挙げられる。またベンゾジアゼピン系はうつ病の原因となったり悪化させることがある。ジアゼパムも含め、ベンゾジアゼピンの長期的影響として耐性の形成</a:t>
+            </a:r>
+            <a:r>
+              <a:rPr lang="en-US" altLang="ja-JP" sz="2000" dirty="0"/>
+              <a:t>[10]</a:t>
+            </a:r>
+            <a:endParaRPr lang="en-US" sz="2000" dirty="0"/>
           </a:p>
         </p:txBody>
       </p:sp>
     </p:spTree>
   </p:cSld>
+  <p:clrMapOvr>
+    <a:masterClrMapping/>
+  </p:clrMapOvr>
   <p:timing>
     <p:tnLst>
       <p:par>
-        <p:cTn id="3" dur="indefinite" restart="never" nodeType="tmRoot">
+        <p:cTn id="1" dur="indefinite" restart="never" nodeType="tmRoot">
           <p:childTnLst>
             <p:seq>
-              <p:cTn id="4" nodeType="mainSeq"/>
+              <p:cTn id="2" nodeType="mainSeq"/>
               <p:prevCondLst>
-                <p:cond delay="0" evt="onPrev">
+                <p:cond evt="onPrev" delay="0">
                   <p:tgtEl>
                     <p:sldTgt/>
                   </p:tgtEl>
                 </p:cond>
               </p:prevCondLst>
               <p:nextCondLst>
-                <p:cond delay="0" evt="onNext">
+                <p:cond evt="onNext" delay="0">
                   <p:tgtEl>
                     <p:sldTgt/>
                   </p:tgtEl>
@@ -4996,7 +5642,7 @@
 </file>
 
 <file path=ppt/slides/slide3.xml><?xml version="1.0" encoding="utf-8"?>
-<p:sld xmlns:a="http://schemas.openxmlformats.org/drawingml/2006/main" xmlns:p="http://schemas.openxmlformats.org/presentationml/2006/main" xmlns:r="http://schemas.openxmlformats.org/officeDocument/2006/relationships" xmlns:p14="http://schemas.microsoft.com/office/powerpoint/2010/main" xmlns:p15="http://schemas.microsoft.com/office/powerpoint/2012/main" xmlns:mc="http://schemas.openxmlformats.org/markup-compatibility/2006">
+<p:sld xmlns:a="http://schemas.openxmlformats.org/drawingml/2006/main" xmlns:r="http://schemas.openxmlformats.org/officeDocument/2006/relationships" xmlns:p="http://schemas.openxmlformats.org/presentationml/2006/main">
   <p:cSld>
     <p:spTree>
       <p:nvGrpSpPr>
@@ -5032,13 +5678,20 @@
           </a:ln>
         </p:spPr>
         <p:style>
-          <a:lnRef idx="0"/>
-          <a:fillRef idx="0"/>
-          <a:effectRef idx="0"/>
+          <a:lnRef idx="0">
+            <a:scrgbClr r="0" g="0" b="0"/>
+          </a:lnRef>
+          <a:fillRef idx="0">
+            <a:scrgbClr r="0" g="0" b="0"/>
+          </a:fillRef>
+          <a:effectRef idx="0">
+            <a:scrgbClr r="0" g="0" b="0"/>
+          </a:effectRef>
           <a:fontRef idx="minor"/>
         </p:style>
         <p:txBody>
-          <a:bodyPr lIns="90000" rIns="90000" tIns="45000" bIns="45000" anchor="ctr"/>
+          <a:bodyPr lIns="90000" tIns="45000" rIns="90000" bIns="45000" anchor="ctr"/>
+          <a:lstStyle/>
           <a:p>
             <a:pPr>
               <a:lnSpc>
@@ -5046,13 +5699,13 @@
               </a:lnSpc>
             </a:pPr>
             <a:r>
-              <a:rPr b="0" lang="en-US" sz="4400" spc="-1" strike="noStrike">
+              <a:rPr lang="en-US" sz="4400" b="0" strike="noStrike" spc="-1">
                 <a:solidFill>
                   <a:srgbClr val="000000"/>
                 </a:solidFill>
                 <a:uFill>
                   <a:solidFill>
-                    <a:srgbClr val="ffffff"/>
+                    <a:srgbClr val="FFFFFF"/>
                   </a:solidFill>
                 </a:uFill>
                 <a:latin typeface="Calibri Light"/>
@@ -5060,13 +5713,13 @@
               </a:rPr>
               <a:t>Title 3</a:t>
             </a:r>
-            <a:endParaRPr b="0" lang="en-US" sz="4400" spc="-1" strike="noStrike">
-              <a:solidFill>
-                <a:srgbClr val="000000"/>
-              </a:solidFill>
-              <a:uFill>
-                <a:solidFill>
-                  <a:srgbClr val="ffffff"/>
+            <a:endParaRPr lang="en-US" sz="4400" b="0" strike="noStrike" spc="-1">
+              <a:solidFill>
+                <a:srgbClr val="000000"/>
+              </a:solidFill>
+              <a:uFill>
+                <a:solidFill>
+                  <a:srgbClr val="FFFFFF"/>
                 </a:solidFill>
               </a:uFill>
               <a:latin typeface="Arial"/>
@@ -5094,13 +5747,20 @@
           </a:ln>
         </p:spPr>
         <p:style>
-          <a:lnRef idx="0"/>
-          <a:fillRef idx="0"/>
-          <a:effectRef idx="0"/>
+          <a:lnRef idx="0">
+            <a:scrgbClr r="0" g="0" b="0"/>
+          </a:lnRef>
+          <a:fillRef idx="0">
+            <a:scrgbClr r="0" g="0" b="0"/>
+          </a:fillRef>
+          <a:effectRef idx="0">
+            <a:scrgbClr r="0" g="0" b="0"/>
+          </a:effectRef>
           <a:fontRef idx="minor"/>
         </p:style>
         <p:txBody>
-          <a:bodyPr lIns="90000" rIns="90000" tIns="45000" bIns="45000"/>
+          <a:bodyPr lIns="90000" tIns="45000" rIns="90000" bIns="45000"/>
+          <a:lstStyle/>
           <a:p>
             <a:pPr marL="228600" indent="-221760">
               <a:lnSpc>
@@ -5113,13 +5773,13 @@
               <a:buChar char="•"/>
             </a:pPr>
             <a:r>
-              <a:rPr b="0" lang="en-US" sz="2800" spc="-1" strike="noStrike">
+              <a:rPr lang="en-US" sz="2800" b="0" strike="noStrike" spc="-1">
                 <a:solidFill>
                   <a:srgbClr val="000000"/>
                 </a:solidFill>
                 <a:uFill>
                   <a:solidFill>
-                    <a:srgbClr val="ffffff"/>
+                    <a:srgbClr val="FFFFFF"/>
                   </a:solidFill>
                 </a:uFill>
                 <a:latin typeface="Calibri"/>
@@ -5127,13 +5787,13 @@
               </a:rPr>
               <a:t>Slide 3: citizen 000-000-0000</a:t>
             </a:r>
-            <a:endParaRPr b="0" lang="en-US" sz="2800" spc="-1" strike="noStrike">
-              <a:solidFill>
-                <a:srgbClr val="000000"/>
-              </a:solidFill>
-              <a:uFill>
-                <a:solidFill>
-                  <a:srgbClr val="ffffff"/>
+            <a:endParaRPr lang="en-US" sz="2800" b="0" strike="noStrike" spc="-1">
+              <a:solidFill>
+                <a:srgbClr val="000000"/>
+              </a:solidFill>
+              <a:uFill>
+                <a:solidFill>
+                  <a:srgbClr val="FFFFFF"/>
                 </a:solidFill>
               </a:uFill>
               <a:latin typeface="Arial"/>
@@ -5143,22 +5803,25 @@
       </p:sp>
     </p:spTree>
   </p:cSld>
+  <p:clrMapOvr>
+    <a:masterClrMapping/>
+  </p:clrMapOvr>
   <p:timing>
     <p:tnLst>
       <p:par>
-        <p:cTn id="5" dur="indefinite" restart="never" nodeType="tmRoot">
+        <p:cTn id="1" dur="indefinite" restart="never" nodeType="tmRoot">
           <p:childTnLst>
             <p:seq>
-              <p:cTn id="6" nodeType="mainSeq"/>
+              <p:cTn id="2" nodeType="mainSeq"/>
               <p:prevCondLst>
-                <p:cond delay="0" evt="onPrev">
+                <p:cond evt="onPrev" delay="0">
                   <p:tgtEl>
                     <p:sldTgt/>
                   </p:tgtEl>
                 </p:cond>
               </p:prevCondLst>
               <p:nextCondLst>
-                <p:cond delay="0" evt="onNext">
+                <p:cond evt="onNext" delay="0">
                   <p:tgtEl>
                     <p:sldTgt/>
                   </p:tgtEl>
@@ -5174,7 +5837,7 @@
 </file>
 
 <file path=ppt/slides/slide4.xml><?xml version="1.0" encoding="utf-8"?>
-<p:sld xmlns:a="http://schemas.openxmlformats.org/drawingml/2006/main" xmlns:p="http://schemas.openxmlformats.org/presentationml/2006/main" xmlns:r="http://schemas.openxmlformats.org/officeDocument/2006/relationships" xmlns:p14="http://schemas.microsoft.com/office/powerpoint/2010/main" xmlns:p15="http://schemas.microsoft.com/office/powerpoint/2012/main" xmlns:mc="http://schemas.openxmlformats.org/markup-compatibility/2006">
+<p:sld xmlns:a="http://schemas.openxmlformats.org/drawingml/2006/main" xmlns:r="http://schemas.openxmlformats.org/officeDocument/2006/relationships" xmlns:p="http://schemas.openxmlformats.org/presentationml/2006/main">
   <p:cSld>
     <p:spTree>
       <p:nvGrpSpPr>
@@ -5210,9 +5873,15 @@
           </a:ln>
         </p:spPr>
         <p:style>
-          <a:lnRef idx="0"/>
-          <a:fillRef idx="0"/>
-          <a:effectRef idx="0"/>
+          <a:lnRef idx="0">
+            <a:scrgbClr r="0" g="0" b="0"/>
+          </a:lnRef>
+          <a:fillRef idx="0">
+            <a:scrgbClr r="0" g="0" b="0"/>
+          </a:fillRef>
+          <a:effectRef idx="0">
+            <a:scrgbClr r="0" g="0" b="0"/>
+          </a:effectRef>
           <a:fontRef idx="minor"/>
         </p:style>
       </p:sp>
@@ -5236,13 +5905,20 @@
           </a:ln>
         </p:spPr>
         <p:style>
-          <a:lnRef idx="0"/>
-          <a:fillRef idx="0"/>
-          <a:effectRef idx="0"/>
+          <a:lnRef idx="0">
+            <a:scrgbClr r="0" g="0" b="0"/>
+          </a:lnRef>
+          <a:fillRef idx="0">
+            <a:scrgbClr r="0" g="0" b="0"/>
+          </a:fillRef>
+          <a:effectRef idx="0">
+            <a:scrgbClr r="0" g="0" b="0"/>
+          </a:effectRef>
           <a:fontRef idx="minor"/>
         </p:style>
         <p:txBody>
-          <a:bodyPr lIns="90000" rIns="90000" tIns="45000" bIns="45000"/>
+          <a:bodyPr lIns="90000" tIns="45000" rIns="90000" bIns="45000"/>
+          <a:lstStyle/>
           <a:p>
             <a:pPr marL="228600" indent="-221760">
               <a:lnSpc>
@@ -5255,13 +5931,13 @@
               <a:buChar char="•"/>
             </a:pPr>
             <a:r>
-              <a:rPr b="0" lang="en-US" sz="2800" spc="-1" strike="noStrike">
+              <a:rPr lang="en-US" sz="2800" b="0" strike="noStrike" spc="-1">
                 <a:solidFill>
                   <a:srgbClr val="000000"/>
                 </a:solidFill>
                 <a:uFill>
                   <a:solidFill>
-                    <a:srgbClr val="ffffff"/>
+                    <a:srgbClr val="FFFFFF"/>
                   </a:solidFill>
                 </a:uFill>
                 <a:latin typeface="Calibri"/>
@@ -5269,13 +5945,13 @@
               </a:rPr>
               <a:t>An automobile with a bike races down the street followed by another automobile carrying bikes.</a:t>
             </a:r>
-            <a:endParaRPr b="0" lang="en-US" sz="2800" spc="-1" strike="noStrike">
-              <a:solidFill>
-                <a:srgbClr val="000000"/>
-              </a:solidFill>
-              <a:uFill>
-                <a:solidFill>
-                  <a:srgbClr val="ffffff"/>
+            <a:endParaRPr lang="en-US" sz="2800" b="0" strike="noStrike" spc="-1">
+              <a:solidFill>
+                <a:srgbClr val="000000"/>
+              </a:solidFill>
+              <a:uFill>
+                <a:solidFill>
+                  <a:srgbClr val="FFFFFF"/>
                 </a:solidFill>
               </a:uFill>
               <a:latin typeface="Arial"/>
@@ -5285,22 +5961,25 @@
       </p:sp>
     </p:spTree>
   </p:cSld>
+  <p:clrMapOvr>
+    <a:masterClrMapping/>
+  </p:clrMapOvr>
   <p:timing>
     <p:tnLst>
       <p:par>
-        <p:cTn id="7" dur="indefinite" restart="never" nodeType="tmRoot">
+        <p:cTn id="1" dur="indefinite" restart="never" nodeType="tmRoot">
           <p:childTnLst>
             <p:seq>
-              <p:cTn id="8" nodeType="mainSeq"/>
+              <p:cTn id="2" nodeType="mainSeq"/>
               <p:prevCondLst>
-                <p:cond delay="0" evt="onPrev">
+                <p:cond evt="onPrev" delay="0">
                   <p:tgtEl>
                     <p:sldTgt/>
                   </p:tgtEl>
                 </p:cond>
               </p:prevCondLst>
               <p:nextCondLst>
-                <p:cond delay="0" evt="onNext">
+                <p:cond evt="onNext" delay="0">
                   <p:tgtEl>
                     <p:sldTgt/>
                   </p:tgtEl>
@@ -5316,7 +5995,7 @@
 </file>
 
 <file path=ppt/slides/slide5.xml><?xml version="1.0" encoding="utf-8"?>
-<p:sld xmlns:a="http://schemas.openxmlformats.org/drawingml/2006/main" xmlns:p="http://schemas.openxmlformats.org/presentationml/2006/main" xmlns:r="http://schemas.openxmlformats.org/officeDocument/2006/relationships" xmlns:p14="http://schemas.microsoft.com/office/powerpoint/2010/main" xmlns:p15="http://schemas.microsoft.com/office/powerpoint/2012/main" xmlns:mc="http://schemas.openxmlformats.org/markup-compatibility/2006">
+<p:sld xmlns:a="http://schemas.openxmlformats.org/drawingml/2006/main" xmlns:r="http://schemas.openxmlformats.org/officeDocument/2006/relationships" xmlns:p="http://schemas.openxmlformats.org/presentationml/2006/main">
   <p:cSld>
     <p:spTree>
       <p:nvGrpSpPr>
@@ -5334,22 +6013,25 @@
       </p:grpSpPr>
     </p:spTree>
   </p:cSld>
+  <p:clrMapOvr>
+    <a:masterClrMapping/>
+  </p:clrMapOvr>
   <p:timing>
     <p:tnLst>
       <p:par>
-        <p:cTn id="9" dur="indefinite" restart="never" nodeType="tmRoot">
+        <p:cTn id="1" dur="indefinite" restart="never" nodeType="tmRoot">
           <p:childTnLst>
             <p:seq>
-              <p:cTn id="10" nodeType="mainSeq"/>
+              <p:cTn id="2" nodeType="mainSeq"/>
               <p:prevCondLst>
-                <p:cond delay="0" evt="onPrev">
+                <p:cond evt="onPrev" delay="0">
                   <p:tgtEl>
                     <p:sldTgt/>
                   </p:tgtEl>
                 </p:cond>
               </p:prevCondLst>
               <p:nextCondLst>
-                <p:cond delay="0" evt="onNext">
+                <p:cond evt="onNext" delay="0">
                   <p:tgtEl>
                     <p:sldTgt/>
                   </p:tgtEl>
@@ -5365,7 +6047,7 @@
 </file>
 
 <file path=ppt/slides/slide6.xml><?xml version="1.0" encoding="utf-8"?>
-<p:sld xmlns:a="http://schemas.openxmlformats.org/drawingml/2006/main" xmlns:p="http://schemas.openxmlformats.org/presentationml/2006/main" xmlns:r="http://schemas.openxmlformats.org/officeDocument/2006/relationships" xmlns:p14="http://schemas.microsoft.com/office/powerpoint/2010/main" xmlns:p15="http://schemas.microsoft.com/office/powerpoint/2012/main" xmlns:mc="http://schemas.openxmlformats.org/markup-compatibility/2006">
+<p:sld xmlns:a="http://schemas.openxmlformats.org/drawingml/2006/main" xmlns:r="http://schemas.openxmlformats.org/officeDocument/2006/relationships" xmlns:p="http://schemas.openxmlformats.org/presentationml/2006/main">
   <p:cSld>
     <p:spTree>
       <p:nvGrpSpPr>
@@ -5401,9 +6083,15 @@
           </a:ln>
         </p:spPr>
         <p:style>
-          <a:lnRef idx="0"/>
-          <a:fillRef idx="0"/>
-          <a:effectRef idx="0"/>
+          <a:lnRef idx="0">
+            <a:scrgbClr r="0" g="0" b="0"/>
+          </a:lnRef>
+          <a:fillRef idx="0">
+            <a:scrgbClr r="0" g="0" b="0"/>
+          </a:fillRef>
+          <a:effectRef idx="0">
+            <a:scrgbClr r="0" g="0" b="0"/>
+          </a:effectRef>
           <a:fontRef idx="minor"/>
         </p:style>
       </p:sp>
@@ -5427,13 +6115,20 @@
           </a:ln>
         </p:spPr>
         <p:style>
-          <a:lnRef idx="0"/>
-          <a:fillRef idx="0"/>
-          <a:effectRef idx="0"/>
+          <a:lnRef idx="0">
+            <a:scrgbClr r="0" g="0" b="0"/>
+          </a:lnRef>
+          <a:fillRef idx="0">
+            <a:scrgbClr r="0" g="0" b="0"/>
+          </a:fillRef>
+          <a:effectRef idx="0">
+            <a:scrgbClr r="0" g="0" b="0"/>
+          </a:effectRef>
           <a:fontRef idx="minor"/>
         </p:style>
         <p:txBody>
-          <a:bodyPr lIns="90000" rIns="90000" tIns="45000" bIns="45000"/>
+          <a:bodyPr lIns="90000" tIns="45000" rIns="90000" bIns="45000"/>
+          <a:lstStyle/>
           <a:p>
             <a:pPr marL="228600" indent="-221760">
               <a:lnSpc>
@@ -5446,13 +6141,13 @@
               <a:buChar char="•"/>
             </a:pPr>
             <a:r>
-              <a:rPr b="0" lang="en-US" sz="2800" spc="-1" strike="noStrike">
+              <a:rPr lang="en-US" sz="2800" b="0" strike="noStrike" spc="-1">
                 <a:solidFill>
                   <a:srgbClr val="000000"/>
                 </a:solidFill>
                 <a:uFill>
                   <a:solidFill>
-                    <a:srgbClr val="ffffff"/>
+                    <a:srgbClr val="FFFFFF"/>
                   </a:solidFill>
                 </a:uFill>
                 <a:latin typeface="Calibri"/>
@@ -5460,13 +6155,13 @@
               </a:rPr>
               <a:t>Passenger passport</a:t>
             </a:r>
-            <a:endParaRPr b="0" lang="en-US" sz="2800" spc="-1" strike="noStrike">
-              <a:solidFill>
-                <a:srgbClr val="000000"/>
-              </a:solidFill>
-              <a:uFill>
-                <a:solidFill>
-                  <a:srgbClr val="ffffff"/>
+            <a:endParaRPr lang="en-US" sz="2800" b="0" strike="noStrike" spc="-1">
+              <a:solidFill>
+                <a:srgbClr val="000000"/>
+              </a:solidFill>
+              <a:uFill>
+                <a:solidFill>
+                  <a:srgbClr val="FFFFFF"/>
                 </a:solidFill>
               </a:uFill>
               <a:latin typeface="Arial"/>
@@ -5476,22 +6171,25 @@
       </p:sp>
     </p:spTree>
   </p:cSld>
+  <p:clrMapOvr>
+    <a:masterClrMapping/>
+  </p:clrMapOvr>
   <p:timing>
     <p:tnLst>
       <p:par>
-        <p:cTn id="11" dur="indefinite" restart="never" nodeType="tmRoot">
+        <p:cTn id="1" dur="indefinite" restart="never" nodeType="tmRoot">
           <p:childTnLst>
             <p:seq>
-              <p:cTn id="12" nodeType="mainSeq"/>
+              <p:cTn id="2" nodeType="mainSeq"/>
               <p:prevCondLst>
-                <p:cond delay="0" evt="onPrev">
+                <p:cond evt="onPrev" delay="0">
                   <p:tgtEl>
                     <p:sldTgt/>
                   </p:tgtEl>
                 </p:cond>
               </p:prevCondLst>
               <p:nextCondLst>
-                <p:cond delay="0" evt="onNext">
+                <p:cond evt="onNext" delay="0">
                   <p:tgtEl>
                     <p:sldTgt/>
                   </p:tgtEl>
@@ -5507,7 +6205,7 @@
 </file>
 
 <file path=ppt/slides/slide7.xml><?xml version="1.0" encoding="utf-8"?>
-<p:sld xmlns:a="http://schemas.openxmlformats.org/drawingml/2006/main" xmlns:p="http://schemas.openxmlformats.org/presentationml/2006/main" xmlns:r="http://schemas.openxmlformats.org/officeDocument/2006/relationships" xmlns:p14="http://schemas.microsoft.com/office/powerpoint/2010/main" xmlns:p15="http://schemas.microsoft.com/office/powerpoint/2012/main" xmlns:mc="http://schemas.openxmlformats.org/markup-compatibility/2006">
+<p:sld xmlns:a="http://schemas.openxmlformats.org/drawingml/2006/main" xmlns:r="http://schemas.openxmlformats.org/officeDocument/2006/relationships" xmlns:p="http://schemas.openxmlformats.org/presentationml/2006/main">
   <p:cSld>
     <p:spTree>
       <p:nvGrpSpPr>
@@ -5543,9 +6241,15 @@
           </a:ln>
         </p:spPr>
         <p:style>
-          <a:lnRef idx="0"/>
-          <a:fillRef idx="0"/>
-          <a:effectRef idx="0"/>
+          <a:lnRef idx="0">
+            <a:scrgbClr r="0" g="0" b="0"/>
+          </a:lnRef>
+          <a:fillRef idx="0">
+            <a:scrgbClr r="0" g="0" b="0"/>
+          </a:fillRef>
+          <a:effectRef idx="0">
+            <a:scrgbClr r="0" g="0" b="0"/>
+          </a:effectRef>
           <a:fontRef idx="minor"/>
         </p:style>
       </p:sp>
@@ -5569,13 +6273,20 @@
           </a:ln>
         </p:spPr>
         <p:style>
-          <a:lnRef idx="0"/>
-          <a:fillRef idx="0"/>
-          <a:effectRef idx="0"/>
+          <a:lnRef idx="0">
+            <a:scrgbClr r="0" g="0" b="0"/>
+          </a:lnRef>
+          <a:fillRef idx="0">
+            <a:scrgbClr r="0" g="0" b="0"/>
+          </a:fillRef>
+          <a:effectRef idx="0">
+            <a:scrgbClr r="0" g="0" b="0"/>
+          </a:effectRef>
           <a:fontRef idx="minor"/>
         </p:style>
         <p:txBody>
-          <a:bodyPr lIns="90000" rIns="90000" tIns="45000" bIns="45000"/>
+          <a:bodyPr lIns="90000" tIns="45000" rIns="90000" bIns="45000"/>
+          <a:lstStyle/>
           <a:p>
             <a:pPr marL="228600" indent="-221760">
               <a:lnSpc>
@@ -5588,13 +6299,13 @@
               <a:buChar char="•"/>
             </a:pPr>
             <a:r>
-              <a:rPr b="0" lang="en-US" sz="2800" spc="-1" strike="noStrike">
+              <a:rPr lang="en-US" sz="2800" b="0" strike="noStrike" spc="-1">
                 <a:solidFill>
                   <a:srgbClr val="000000"/>
                 </a:solidFill>
                 <a:uFill>
                   <a:solidFill>
-                    <a:srgbClr val="ffffff"/>
+                    <a:srgbClr val="FFFFFF"/>
                   </a:solidFill>
                 </a:uFill>
                 <a:latin typeface="Calibri"/>
@@ -5602,13 +6313,13 @@
               </a:rPr>
               <a:t>Financial code 00-000-0000</a:t>
             </a:r>
-            <a:endParaRPr b="0" lang="en-US" sz="2800" spc="-1" strike="noStrike">
-              <a:solidFill>
-                <a:srgbClr val="000000"/>
-              </a:solidFill>
-              <a:uFill>
-                <a:solidFill>
-                  <a:srgbClr val="ffffff"/>
+            <a:endParaRPr lang="en-US" sz="2800" b="0" strike="noStrike" spc="-1">
+              <a:solidFill>
+                <a:srgbClr val="000000"/>
+              </a:solidFill>
+              <a:uFill>
+                <a:solidFill>
+                  <a:srgbClr val="FFFFFF"/>
                 </a:solidFill>
               </a:uFill>
               <a:latin typeface="Arial"/>
@@ -5618,22 +6329,25 @@
       </p:sp>
     </p:spTree>
   </p:cSld>
+  <p:clrMapOvr>
+    <a:masterClrMapping/>
+  </p:clrMapOvr>
   <p:timing>
     <p:tnLst>
       <p:par>
-        <p:cTn id="13" dur="indefinite" restart="never" nodeType="tmRoot">
+        <p:cTn id="1" dur="indefinite" restart="never" nodeType="tmRoot">
           <p:childTnLst>
             <p:seq>
-              <p:cTn id="14" nodeType="mainSeq"/>
+              <p:cTn id="2" nodeType="mainSeq"/>
               <p:prevCondLst>
-                <p:cond delay="0" evt="onPrev">
+                <p:cond evt="onPrev" delay="0">
                   <p:tgtEl>
                     <p:sldTgt/>
                   </p:tgtEl>
                 </p:cond>
               </p:prevCondLst>
               <p:nextCondLst>
-                <p:cond delay="0" evt="onNext">
+                <p:cond evt="onNext" delay="0">
                   <p:tgtEl>
                     <p:sldTgt/>
                   </p:tgtEl>
@@ -5649,7 +6363,7 @@
 </file>
 
 <file path=ppt/slides/slide8.xml><?xml version="1.0" encoding="utf-8"?>
-<p:sld xmlns:a="http://schemas.openxmlformats.org/drawingml/2006/main" xmlns:p="http://schemas.openxmlformats.org/presentationml/2006/main" xmlns:r="http://schemas.openxmlformats.org/officeDocument/2006/relationships" xmlns:p14="http://schemas.microsoft.com/office/powerpoint/2010/main" xmlns:p15="http://schemas.microsoft.com/office/powerpoint/2012/main" xmlns:mc="http://schemas.openxmlformats.org/markup-compatibility/2006">
+<p:sld xmlns:a="http://schemas.openxmlformats.org/drawingml/2006/main" xmlns:r="http://schemas.openxmlformats.org/officeDocument/2006/relationships" xmlns:p="http://schemas.openxmlformats.org/presentationml/2006/main">
   <p:cSld>
     <p:spTree>
       <p:nvGrpSpPr>
@@ -5685,9 +6399,15 @@
           </a:ln>
         </p:spPr>
         <p:style>
-          <a:lnRef idx="0"/>
-          <a:fillRef idx="0"/>
-          <a:effectRef idx="0"/>
+          <a:lnRef idx="0">
+            <a:scrgbClr r="0" g="0" b="0"/>
+          </a:lnRef>
+          <a:fillRef idx="0">
+            <a:scrgbClr r="0" g="0" b="0"/>
+          </a:fillRef>
+          <a:effectRef idx="0">
+            <a:scrgbClr r="0" g="0" b="0"/>
+          </a:effectRef>
           <a:fontRef idx="minor"/>
         </p:style>
       </p:sp>
@@ -5711,13 +6431,20 @@
           </a:ln>
         </p:spPr>
         <p:style>
-          <a:lnRef idx="0"/>
-          <a:fillRef idx="0"/>
-          <a:effectRef idx="0"/>
+          <a:lnRef idx="0">
+            <a:scrgbClr r="0" g="0" b="0"/>
+          </a:lnRef>
+          <a:fillRef idx="0">
+            <a:scrgbClr r="0" g="0" b="0"/>
+          </a:fillRef>
+          <a:effectRef idx="0">
+            <a:scrgbClr r="0" g="0" b="0"/>
+          </a:effectRef>
           <a:fontRef idx="minor"/>
         </p:style>
         <p:txBody>
-          <a:bodyPr lIns="90000" rIns="90000" tIns="45000" bIns="45000"/>
+          <a:bodyPr lIns="90000" tIns="45000" rIns="90000" bIns="45000"/>
+          <a:lstStyle/>
           <a:p>
             <a:pPr marL="228600" indent="-221760">
               <a:lnSpc>
@@ -5730,13 +6457,13 @@
               <a:buChar char="•"/>
             </a:pPr>
             <a:r>
-              <a:rPr b="0" lang="en-US" sz="2800" spc="-1" strike="noStrike">
+              <a:rPr lang="en-US" sz="2800" b="0" strike="noStrike" spc="-1">
                 <a:solidFill>
                   <a:srgbClr val="000000"/>
                 </a:solidFill>
                 <a:uFill>
                   <a:solidFill>
-                    <a:srgbClr val="ffffff"/>
+                    <a:srgbClr val="FFFFFF"/>
                   </a:solidFill>
                 </a:uFill>
                 <a:latin typeface="Calibri"/>
@@ -5744,13 +6471,13 @@
               </a:rPr>
               <a:t>Bus ATM</a:t>
             </a:r>
-            <a:endParaRPr b="0" lang="en-US" sz="2800" spc="-1" strike="noStrike">
-              <a:solidFill>
-                <a:srgbClr val="000000"/>
-              </a:solidFill>
-              <a:uFill>
-                <a:solidFill>
-                  <a:srgbClr val="ffffff"/>
+            <a:endParaRPr lang="en-US" sz="2800" b="0" strike="noStrike" spc="-1">
+              <a:solidFill>
+                <a:srgbClr val="000000"/>
+              </a:solidFill>
+              <a:uFill>
+                <a:solidFill>
+                  <a:srgbClr val="FFFFFF"/>
                 </a:solidFill>
               </a:uFill>
               <a:latin typeface="Arial"/>
@@ -5768,13 +6495,13 @@
               <a:buChar char="•"/>
             </a:pPr>
             <a:r>
-              <a:rPr b="0" lang="en-US" sz="2800" spc="-1" strike="noStrike">
+              <a:rPr lang="en-US" sz="2800" b="0" strike="noStrike" spc="-1">
                 <a:solidFill>
                   <a:srgbClr val="000000"/>
                 </a:solidFill>
                 <a:uFill>
                   <a:solidFill>
-                    <a:srgbClr val="ffffff"/>
+                    <a:srgbClr val="FFFFFF"/>
                   </a:solidFill>
                 </a:uFill>
                 <a:latin typeface="Calibri"/>
@@ -5782,13 +6509,13 @@
               </a:rPr>
               <a:t>Finance code 102-123-1231</a:t>
             </a:r>
-            <a:endParaRPr b="0" lang="en-US" sz="2800" spc="-1" strike="noStrike">
-              <a:solidFill>
-                <a:srgbClr val="000000"/>
-              </a:solidFill>
-              <a:uFill>
-                <a:solidFill>
-                  <a:srgbClr val="ffffff"/>
+            <a:endParaRPr lang="en-US" sz="2800" b="0" strike="noStrike" spc="-1">
+              <a:solidFill>
+                <a:srgbClr val="000000"/>
+              </a:solidFill>
+              <a:uFill>
+                <a:solidFill>
+                  <a:srgbClr val="FFFFFF"/>
                 </a:solidFill>
               </a:uFill>
               <a:latin typeface="Arial"/>
@@ -5798,22 +6525,25 @@
       </p:sp>
     </p:spTree>
   </p:cSld>
+  <p:clrMapOvr>
+    <a:masterClrMapping/>
+  </p:clrMapOvr>
   <p:timing>
     <p:tnLst>
       <p:par>
-        <p:cTn id="15" dur="indefinite" restart="never" nodeType="tmRoot">
+        <p:cTn id="1" dur="indefinite" restart="never" nodeType="tmRoot">
           <p:childTnLst>
             <p:seq>
-              <p:cTn id="16" nodeType="mainSeq"/>
+              <p:cTn id="2" nodeType="mainSeq"/>
               <p:prevCondLst>
-                <p:cond delay="0" evt="onPrev">
+                <p:cond evt="onPrev" delay="0">
                   <p:tgtEl>
                     <p:sldTgt/>
                   </p:tgtEl>
                 </p:cond>
               </p:prevCondLst>
               <p:nextCondLst>
-                <p:cond delay="0" evt="onNext">
+                <p:cond evt="onNext" delay="0">
                   <p:tgtEl>
                     <p:sldTgt/>
                   </p:tgtEl>
@@ -5829,7 +6559,7 @@
 </file>
 
 <file path=ppt/slides/slide9.xml><?xml version="1.0" encoding="utf-8"?>
-<p:sld xmlns:a="http://schemas.openxmlformats.org/drawingml/2006/main" xmlns:p="http://schemas.openxmlformats.org/presentationml/2006/main" xmlns:r="http://schemas.openxmlformats.org/officeDocument/2006/relationships" xmlns:p14="http://schemas.microsoft.com/office/powerpoint/2010/main" xmlns:p15="http://schemas.microsoft.com/office/powerpoint/2012/main" xmlns:mc="http://schemas.openxmlformats.org/markup-compatibility/2006">
+<p:sld xmlns:a="http://schemas.openxmlformats.org/drawingml/2006/main" xmlns:r="http://schemas.openxmlformats.org/officeDocument/2006/relationships" xmlns:p="http://schemas.openxmlformats.org/presentationml/2006/main">
   <p:cSld>
     <p:spTree>
       <p:nvGrpSpPr>
@@ -5865,13 +6595,20 @@
           </a:ln>
         </p:spPr>
         <p:style>
-          <a:lnRef idx="0"/>
-          <a:fillRef idx="0"/>
-          <a:effectRef idx="0"/>
+          <a:lnRef idx="0">
+            <a:scrgbClr r="0" g="0" b="0"/>
+          </a:lnRef>
+          <a:fillRef idx="0">
+            <a:scrgbClr r="0" g="0" b="0"/>
+          </a:fillRef>
+          <a:effectRef idx="0">
+            <a:scrgbClr r="0" g="0" b="0"/>
+          </a:effectRef>
           <a:fontRef idx="minor"/>
         </p:style>
         <p:txBody>
-          <a:bodyPr lIns="90000" rIns="90000" tIns="45000" bIns="45000" anchor="ctr"/>
+          <a:bodyPr lIns="90000" tIns="45000" rIns="90000" bIns="45000" anchor="ctr"/>
+          <a:lstStyle/>
           <a:p>
             <a:pPr>
               <a:lnSpc>
@@ -5879,13 +6616,13 @@
               </a:lnSpc>
             </a:pPr>
             <a:r>
-              <a:rPr b="0" lang="en-US" sz="4400" spc="-1" strike="noStrike">
+              <a:rPr lang="en-US" sz="4400" b="0" strike="noStrike" spc="-1">
                 <a:solidFill>
                   <a:srgbClr val="000000"/>
                 </a:solidFill>
                 <a:uFill>
                   <a:solidFill>
-                    <a:srgbClr val="ffffff"/>
+                    <a:srgbClr val="FFFFFF"/>
                   </a:solidFill>
                 </a:uFill>
                 <a:latin typeface="Calibri Light"/>
@@ -5893,13 +6630,13 @@
               </a:rPr>
               <a:t>Delimiter and Backspace</a:t>
             </a:r>
-            <a:endParaRPr b="0" lang="en-US" sz="4400" spc="-1" strike="noStrike">
-              <a:solidFill>
-                <a:srgbClr val="000000"/>
-              </a:solidFill>
-              <a:uFill>
-                <a:solidFill>
-                  <a:srgbClr val="ffffff"/>
+            <a:endParaRPr lang="en-US" sz="4400" b="0" strike="noStrike" spc="-1">
+              <a:solidFill>
+                <a:srgbClr val="000000"/>
+              </a:solidFill>
+              <a:uFill>
+                <a:solidFill>
+                  <a:srgbClr val="FFFFFF"/>
                 </a:solidFill>
               </a:uFill>
               <a:latin typeface="Arial"/>
@@ -5927,22 +6664,29 @@
           </a:ln>
         </p:spPr>
         <p:style>
-          <a:lnRef idx="0"/>
-          <a:fillRef idx="0"/>
-          <a:effectRef idx="0"/>
+          <a:lnRef idx="0">
+            <a:scrgbClr r="0" g="0" b="0"/>
+          </a:lnRef>
+          <a:fillRef idx="0">
+            <a:scrgbClr r="0" g="0" b="0"/>
+          </a:fillRef>
+          <a:effectRef idx="0">
+            <a:scrgbClr r="0" g="0" b="0"/>
+          </a:effectRef>
           <a:fontRef idx="minor"/>
         </p:style>
         <p:txBody>
-          <a:bodyPr lIns="90000" rIns="90000" tIns="45000" bIns="45000"/>
+          <a:bodyPr lIns="90000" tIns="45000" rIns="90000" bIns="45000"/>
+          <a:lstStyle/>
           <a:p>
             <a:r>
-              <a:rPr b="0" lang="en-US" sz="2800" spc="-1" strike="noStrike">
+              <a:rPr lang="en-US" sz="2800" b="0" strike="noStrike" spc="-1">
                 <a:solidFill>
                   <a:srgbClr val="000000"/>
                 </a:solidFill>
                 <a:uFill>
                   <a:solidFill>
-                    <a:srgbClr val="ffffff"/>
+                    <a:srgbClr val="FFFFFF"/>
                   </a:solidFill>
                 </a:uFill>
                 <a:latin typeface="Calibri"/>
@@ -5950,13 +6694,13 @@
               </a:rPr>
               <a:t>"a[; ]b"</a:t>
             </a:r>
-            <a:endParaRPr b="0" lang="en-US" sz="2800" spc="-1" strike="noStrike">
-              <a:solidFill>
-                <a:srgbClr val="000000"/>
-              </a:solidFill>
-              <a:uFill>
-                <a:solidFill>
-                  <a:srgbClr val="ffffff"/>
+            <a:endParaRPr lang="en-US" sz="2800" b="0" strike="noStrike" spc="-1">
+              <a:solidFill>
+                <a:srgbClr val="000000"/>
+              </a:solidFill>
+              <a:uFill>
+                <a:solidFill>
+                  <a:srgbClr val="FFFFFF"/>
                 </a:solidFill>
               </a:uFill>
               <a:latin typeface="Arial"/>
@@ -5964,42 +6708,27 @@
           </a:p>
           <a:p>
             <a:r>
-              <a:rPr b="0" lang="en-US" sz="2800" spc="-1" strike="noStrike">
+              <a:rPr lang="en-US" sz="2800" b="0" strike="noStrike" spc="-1">
                 <a:solidFill>
                   <a:srgbClr val="000000"/>
                 </a:solidFill>
                 <a:uFill>
                   <a:solidFill>
-                    <a:srgbClr val="ffffff"/>
+                    <a:srgbClr val="FFFFFF"/>
                   </a:solidFill>
                 </a:uFill>
                 <a:latin typeface="Calibri"/>
                 <a:ea typeface="DejaVu Sans"/>
               </a:rPr>
-              <a:t>“</a:t>
+              <a:t>“a \\ a\ b\\c</a:t>
             </a:r>
-            <a:r>
-              <a:rPr b="0" lang="en-US" sz="2800" spc="-1" strike="noStrike">
-                <a:solidFill>
-                  <a:srgbClr val="000000"/>
-                </a:solidFill>
-                <a:uFill>
-                  <a:solidFill>
-                    <a:srgbClr val="ffffff"/>
-                  </a:solidFill>
-                </a:uFill>
-                <a:latin typeface="Calibri"/>
-                <a:ea typeface="DejaVu Sans"/>
-              </a:rPr>
-              <a:t>a \\ a\ b\\c</a:t>
-            </a:r>
-            <a:endParaRPr b="0" lang="en-US" sz="2800" spc="-1" strike="noStrike">
-              <a:solidFill>
-                <a:srgbClr val="000000"/>
-              </a:solidFill>
-              <a:uFill>
-                <a:solidFill>
-                  <a:srgbClr val="ffffff"/>
+            <a:endParaRPr lang="en-US" sz="2800" b="0" strike="noStrike" spc="-1">
+              <a:solidFill>
+                <a:srgbClr val="000000"/>
+              </a:solidFill>
+              <a:uFill>
+                <a:solidFill>
+                  <a:srgbClr val="FFFFFF"/>
                 </a:solidFill>
               </a:uFill>
               <a:latin typeface="Arial"/>
@@ -6009,22 +6738,25 @@
       </p:sp>
     </p:spTree>
   </p:cSld>
+  <p:clrMapOvr>
+    <a:masterClrMapping/>
+  </p:clrMapOvr>
   <p:timing>
     <p:tnLst>
       <p:par>
-        <p:cTn id="17" dur="indefinite" restart="never" nodeType="tmRoot">
+        <p:cTn id="1" dur="indefinite" restart="never" nodeType="tmRoot">
           <p:childTnLst>
             <p:seq>
-              <p:cTn id="18" nodeType="mainSeq"/>
+              <p:cTn id="2" nodeType="mainSeq"/>
               <p:prevCondLst>
-                <p:cond delay="0" evt="onPrev">
+                <p:cond evt="onPrev" delay="0">
                   <p:tgtEl>
                     <p:sldTgt/>
                   </p:tgtEl>
                 </p:cond>
               </p:prevCondLst>
               <p:nextCondLst>
-                <p:cond delay="0" evt="onNext">
+                <p:cond evt="onNext" delay="0">
                   <p:tgtEl>
                     <p:sldTgt/>
                   </p:tgtEl>
@@ -6259,6 +6991,8 @@
       </a:bgFillStyleLst>
     </a:fmtScheme>
   </a:themeElements>
+  <a:objectDefaults/>
+  <a:extraClrSchemeLst/>
 </a:theme>
 </file>
 
@@ -6482,5 +7216,7 @@
       </a:bgFillStyleLst>
     </a:fmtScheme>
   </a:themeElements>
+  <a:objectDefaults/>
+  <a:extraClrSchemeLst/>
 </a:theme>
 </file>